--- a/GoogleDrive/Audits/Audit 2/Audit 2.pptx
+++ b/GoogleDrive/Audits/Audit 2/Audit 2.pptx
@@ -19,29 +19,28 @@
     <p:sldId id="263" r:id="rId13"/>
     <p:sldId id="264" r:id="rId14"/>
     <p:sldId id="265" r:id="rId15"/>
-    <p:sldId id="266" r:id="rId16"/>
   </p:sldIdLst>
   <p:sldSz cy="5143500" cx="9144000"/>
   <p:notesSz cx="6858000" cy="9144000"/>
   <p:embeddedFontLst>
     <p:embeddedFont>
       <p:font typeface="Nunito"/>
-      <p:regular r:id="rId17"/>
-      <p:bold r:id="rId18"/>
-      <p:italic r:id="rId19"/>
-      <p:boldItalic r:id="rId20"/>
+      <p:regular r:id="rId16"/>
+      <p:bold r:id="rId17"/>
+      <p:italic r:id="rId18"/>
+      <p:boldItalic r:id="rId19"/>
     </p:embeddedFont>
     <p:embeddedFont>
       <p:font typeface="Maven Pro"/>
-      <p:regular r:id="rId21"/>
-      <p:bold r:id="rId22"/>
+      <p:regular r:id="rId20"/>
+      <p:bold r:id="rId21"/>
     </p:embeddedFont>
     <p:embeddedFont>
       <p:font typeface="Source Sans Pro"/>
-      <p:regular r:id="rId23"/>
-      <p:bold r:id="rId24"/>
-      <p:italic r:id="rId25"/>
-      <p:boldItalic r:id="rId26"/>
+      <p:regular r:id="rId22"/>
+      <p:bold r:id="rId23"/>
+      <p:italic r:id="rId24"/>
+      <p:boldItalic r:id="rId25"/>
     </p:embeddedFont>
   </p:embeddedFontLst>
   <p:defaultTextStyle>
@@ -802,7 +801,7 @@
   <p:cSld>
     <p:spTree>
       <p:nvGrpSpPr>
-        <p:cNvPr id="423" name="Shape 423"/>
+        <p:cNvPr id="425" name="Shape 425"/>
         <p:cNvGrpSpPr/>
         <p:nvPr/>
       </p:nvGrpSpPr>
@@ -816,105 +815,7 @@
       </p:grpSpPr>
       <p:sp>
         <p:nvSpPr>
-          <p:cNvPr id="424" name="Shape 424"/>
-          <p:cNvSpPr/>
-          <p:nvPr>
-            <p:ph idx="2" type="sldImg"/>
-          </p:nvPr>
-        </p:nvSpPr>
-        <p:spPr>
-          <a:xfrm>
-            <a:off x="1143225" y="685800"/>
-            <a:ext cx="4572300" cy="3429000"/>
-          </a:xfrm>
-          <a:custGeom>
-            <a:pathLst>
-              <a:path extrusionOk="0" h="120000" w="120000">
-                <a:moveTo>
-                  <a:pt x="0" y="0"/>
-                </a:moveTo>
-                <a:lnTo>
-                  <a:pt x="120000" y="0"/>
-                </a:lnTo>
-                <a:lnTo>
-                  <a:pt x="120000" y="120000"/>
-                </a:lnTo>
-                <a:lnTo>
-                  <a:pt x="0" y="120000"/>
-                </a:lnTo>
-                <a:close/>
-              </a:path>
-            </a:pathLst>
-          </a:custGeom>
-        </p:spPr>
-      </p:sp>
-      <p:sp>
-        <p:nvSpPr>
-          <p:cNvPr id="425" name="Shape 425"/>
-          <p:cNvSpPr txBox="1"/>
-          <p:nvPr>
-            <p:ph idx="1" type="body"/>
-          </p:nvPr>
-        </p:nvSpPr>
-        <p:spPr>
-          <a:xfrm>
-            <a:off x="685800" y="4343400"/>
-            <a:ext cx="5486400" cy="4114800"/>
-          </a:xfrm>
-          <a:prstGeom prst="rect">
-            <a:avLst/>
-          </a:prstGeom>
-        </p:spPr>
-        <p:txBody>
-          <a:bodyPr anchorCtr="0" anchor="t" bIns="91425" lIns="91425" spcFirstLastPara="1" rIns="91425" wrap="square" tIns="91425">
-            <a:noAutofit/>
-          </a:bodyPr>
-          <a:lstStyle/>
-          <a:p>
-            <a:pPr indent="0" lvl="0" marL="0" rtl="0">
-              <a:spcBef>
-                <a:spcPts val="0"/>
-              </a:spcBef>
-              <a:spcAft>
-                <a:spcPts val="0"/>
-              </a:spcAft>
-              <a:buNone/>
-            </a:pPr>
-            <a:r>
-              <a:t/>
-            </a:r>
-            <a:endParaRPr/>
-          </a:p>
-        </p:txBody>
-      </p:sp>
-    </p:spTree>
-  </p:cSld>
-  <p:clrMapOvr>
-    <a:masterClrMapping/>
-  </p:clrMapOvr>
-</p:notes>
-</file>
-
-<file path=ppt/notesSlides/notesSlide11.xml><?xml version="1.0" encoding="utf-8"?>
-<p:notes xmlns:a="http://schemas.openxmlformats.org/drawingml/2006/main" xmlns:r="http://schemas.openxmlformats.org/officeDocument/2006/relationships" xmlns:mc="http://schemas.openxmlformats.org/markup-compatibility/2006" xmlns:mv="urn:schemas-microsoft-com:mac:vml" xmlns:p="http://schemas.openxmlformats.org/presentationml/2006/main" xmlns:c="http://schemas.openxmlformats.org/drawingml/2006/chart" xmlns:dgm="http://schemas.openxmlformats.org/drawingml/2006/diagram" xmlns:o="urn:schemas-microsoft-com:office:office" xmlns:v="urn:schemas-microsoft-com:vml" xmlns:pvml="urn:schemas-microsoft-com:office:powerpoint" xmlns:com="http://schemas.openxmlformats.org/drawingml/2006/compatibility" xmlns:p14="http://schemas.microsoft.com/office/powerpoint/2010/main" xmlns:p15="http://schemas.microsoft.com/office/powerpoint/2012/main" showMasterPhAnim="0" showMasterSp="0">
-  <p:cSld>
-    <p:spTree>
-      <p:nvGrpSpPr>
-        <p:cNvPr id="430" name="Shape 430"/>
-        <p:cNvGrpSpPr/>
-        <p:nvPr/>
-      </p:nvGrpSpPr>
-      <p:grpSpPr>
-        <a:xfrm>
-          <a:off x="0" y="0"/>
-          <a:ext cx="0" cy="0"/>
-          <a:chOff x="0" y="0"/>
-          <a:chExt cx="0" cy="0"/>
-        </a:xfrm>
-      </p:grpSpPr>
-      <p:sp>
-        <p:nvSpPr>
-          <p:cNvPr id="431" name="Shape 431"/>
+          <p:cNvPr id="426" name="Shape 426"/>
           <p:cNvSpPr/>
           <p:nvPr>
             <p:ph idx="2" type="sldImg"/>
@@ -948,7 +849,7 @@
       </p:sp>
       <p:sp>
         <p:nvSpPr>
-          <p:cNvPr id="432" name="Shape 432"/>
+          <p:cNvPr id="427" name="Shape 427"/>
           <p:cNvSpPr txBox="1"/>
           <p:nvPr>
             <p:ph idx="1" type="body"/>
@@ -1013,6 +914,104 @@
       <p:sp>
         <p:nvSpPr>
           <p:cNvPr id="365" name="Shape 365"/>
+          <p:cNvSpPr/>
+          <p:nvPr>
+            <p:ph idx="2" type="sldImg"/>
+          </p:nvPr>
+        </p:nvSpPr>
+        <p:spPr>
+          <a:xfrm>
+            <a:off x="1143225" y="685800"/>
+            <a:ext cx="4572300" cy="3429000"/>
+          </a:xfrm>
+          <a:custGeom>
+            <a:pathLst>
+              <a:path extrusionOk="0" h="120000" w="120000">
+                <a:moveTo>
+                  <a:pt x="0" y="0"/>
+                </a:moveTo>
+                <a:lnTo>
+                  <a:pt x="120000" y="0"/>
+                </a:lnTo>
+                <a:lnTo>
+                  <a:pt x="120000" y="120000"/>
+                </a:lnTo>
+                <a:lnTo>
+                  <a:pt x="0" y="120000"/>
+                </a:lnTo>
+                <a:close/>
+              </a:path>
+            </a:pathLst>
+          </a:custGeom>
+        </p:spPr>
+      </p:sp>
+      <p:sp>
+        <p:nvSpPr>
+          <p:cNvPr id="366" name="Shape 366"/>
+          <p:cNvSpPr txBox="1"/>
+          <p:nvPr>
+            <p:ph idx="1" type="body"/>
+          </p:nvPr>
+        </p:nvSpPr>
+        <p:spPr>
+          <a:xfrm>
+            <a:off x="685800" y="4343400"/>
+            <a:ext cx="5486400" cy="4114800"/>
+          </a:xfrm>
+          <a:prstGeom prst="rect">
+            <a:avLst/>
+          </a:prstGeom>
+        </p:spPr>
+        <p:txBody>
+          <a:bodyPr anchorCtr="0" anchor="t" bIns="91425" lIns="91425" spcFirstLastPara="1" rIns="91425" wrap="square" tIns="91425">
+            <a:noAutofit/>
+          </a:bodyPr>
+          <a:lstStyle/>
+          <a:p>
+            <a:pPr indent="0" lvl="0" marL="0" rtl="0">
+              <a:spcBef>
+                <a:spcPts val="0"/>
+              </a:spcBef>
+              <a:spcAft>
+                <a:spcPts val="0"/>
+              </a:spcAft>
+              <a:buNone/>
+            </a:pPr>
+            <a:r>
+              <a:t/>
+            </a:r>
+            <a:endParaRPr/>
+          </a:p>
+        </p:txBody>
+      </p:sp>
+    </p:spTree>
+  </p:cSld>
+  <p:clrMapOvr>
+    <a:masterClrMapping/>
+  </p:clrMapOvr>
+</p:notes>
+</file>
+
+<file path=ppt/notesSlides/notesSlide3.xml><?xml version="1.0" encoding="utf-8"?>
+<p:notes xmlns:a="http://schemas.openxmlformats.org/drawingml/2006/main" xmlns:r="http://schemas.openxmlformats.org/officeDocument/2006/relationships" xmlns:mc="http://schemas.openxmlformats.org/markup-compatibility/2006" xmlns:mv="urn:schemas-microsoft-com:mac:vml" xmlns:p="http://schemas.openxmlformats.org/presentationml/2006/main" xmlns:c="http://schemas.openxmlformats.org/drawingml/2006/chart" xmlns:dgm="http://schemas.openxmlformats.org/drawingml/2006/diagram" xmlns:o="urn:schemas-microsoft-com:office:office" xmlns:v="urn:schemas-microsoft-com:vml" xmlns:pvml="urn:schemas-microsoft-com:office:powerpoint" xmlns:com="http://schemas.openxmlformats.org/drawingml/2006/compatibility" xmlns:p14="http://schemas.microsoft.com/office/powerpoint/2010/main" xmlns:p15="http://schemas.microsoft.com/office/powerpoint/2012/main" showMasterPhAnim="0" showMasterSp="0">
+  <p:cSld>
+    <p:spTree>
+      <p:nvGrpSpPr>
+        <p:cNvPr id="371" name="Shape 371"/>
+        <p:cNvGrpSpPr/>
+        <p:nvPr/>
+      </p:nvGrpSpPr>
+      <p:grpSpPr>
+        <a:xfrm>
+          <a:off x="0" y="0"/>
+          <a:ext cx="0" cy="0"/>
+          <a:chOff x="0" y="0"/>
+          <a:chExt cx="0" cy="0"/>
+        </a:xfrm>
+      </p:grpSpPr>
+      <p:sp>
+        <p:nvSpPr>
+          <p:cNvPr id="372" name="Shape 372"/>
           <p:cNvSpPr txBox="1"/>
           <p:nvPr>
             <p:ph idx="1" type="body"/>
@@ -1037,7 +1036,7 @@
           </a:bodyPr>
           <a:lstStyle/>
           <a:p>
-            <a:pPr indent="0" lvl="0" marL="0" rtl="0">
+            <a:pPr indent="0" lvl="0" marL="0">
               <a:spcBef>
                 <a:spcPts val="0"/>
               </a:spcBef>
@@ -1055,7 +1054,7 @@
       </p:sp>
       <p:sp>
         <p:nvSpPr>
-          <p:cNvPr id="366" name="Shape 366"/>
+          <p:cNvPr id="373" name="Shape 373"/>
           <p:cNvSpPr/>
           <p:nvPr>
             <p:ph idx="2" type="sldImg"/>
@@ -1095,12 +1094,12 @@
 </p:notes>
 </file>
 
-<file path=ppt/notesSlides/notesSlide3.xml><?xml version="1.0" encoding="utf-8"?>
+<file path=ppt/notesSlides/notesSlide4.xml><?xml version="1.0" encoding="utf-8"?>
 <p:notes xmlns:a="http://schemas.openxmlformats.org/drawingml/2006/main" xmlns:r="http://schemas.openxmlformats.org/officeDocument/2006/relationships" xmlns:mc="http://schemas.openxmlformats.org/markup-compatibility/2006" xmlns:mv="urn:schemas-microsoft-com:mac:vml" xmlns:p="http://schemas.openxmlformats.org/presentationml/2006/main" xmlns:c="http://schemas.openxmlformats.org/drawingml/2006/chart" xmlns:dgm="http://schemas.openxmlformats.org/drawingml/2006/diagram" xmlns:o="urn:schemas-microsoft-com:office:office" xmlns:v="urn:schemas-microsoft-com:vml" xmlns:pvml="urn:schemas-microsoft-com:office:powerpoint" xmlns:com="http://schemas.openxmlformats.org/drawingml/2006/compatibility" xmlns:p14="http://schemas.microsoft.com/office/powerpoint/2010/main" xmlns:p15="http://schemas.microsoft.com/office/powerpoint/2012/main" showMasterPhAnim="0" showMasterSp="0">
   <p:cSld>
     <p:spTree>
       <p:nvGrpSpPr>
-        <p:cNvPr id="371" name="Shape 371"/>
+        <p:cNvPr id="379" name="Shape 379"/>
         <p:cNvGrpSpPr/>
         <p:nvPr/>
       </p:nvGrpSpPr>
@@ -1114,7 +1113,105 @@
       </p:grpSpPr>
       <p:sp>
         <p:nvSpPr>
-          <p:cNvPr id="372" name="Shape 372"/>
+          <p:cNvPr id="380" name="Shape 380"/>
+          <p:cNvSpPr/>
+          <p:nvPr>
+            <p:ph idx="2" type="sldImg"/>
+          </p:nvPr>
+        </p:nvSpPr>
+        <p:spPr>
+          <a:xfrm>
+            <a:off x="381300" y="685800"/>
+            <a:ext cx="6096000" cy="3429000"/>
+          </a:xfrm>
+          <a:custGeom>
+            <a:pathLst>
+              <a:path extrusionOk="0" h="120000" w="120000">
+                <a:moveTo>
+                  <a:pt x="0" y="0"/>
+                </a:moveTo>
+                <a:lnTo>
+                  <a:pt x="120000" y="0"/>
+                </a:lnTo>
+                <a:lnTo>
+                  <a:pt x="120000" y="120000"/>
+                </a:lnTo>
+                <a:lnTo>
+                  <a:pt x="0" y="120000"/>
+                </a:lnTo>
+                <a:close/>
+              </a:path>
+            </a:pathLst>
+          </a:custGeom>
+        </p:spPr>
+      </p:sp>
+      <p:sp>
+        <p:nvSpPr>
+          <p:cNvPr id="381" name="Shape 381"/>
+          <p:cNvSpPr txBox="1"/>
+          <p:nvPr>
+            <p:ph idx="1" type="body"/>
+          </p:nvPr>
+        </p:nvSpPr>
+        <p:spPr>
+          <a:xfrm>
+            <a:off x="685800" y="4343400"/>
+            <a:ext cx="5486400" cy="4114800"/>
+          </a:xfrm>
+          <a:prstGeom prst="rect">
+            <a:avLst/>
+          </a:prstGeom>
+        </p:spPr>
+        <p:txBody>
+          <a:bodyPr anchorCtr="0" anchor="t" bIns="91425" lIns="91425" spcFirstLastPara="1" rIns="91425" wrap="square" tIns="91425">
+            <a:noAutofit/>
+          </a:bodyPr>
+          <a:lstStyle/>
+          <a:p>
+            <a:pPr indent="0" lvl="0" marL="0">
+              <a:spcBef>
+                <a:spcPts val="0"/>
+              </a:spcBef>
+              <a:spcAft>
+                <a:spcPts val="0"/>
+              </a:spcAft>
+              <a:buNone/>
+            </a:pPr>
+            <a:r>
+              <a:t/>
+            </a:r>
+            <a:endParaRPr/>
+          </a:p>
+        </p:txBody>
+      </p:sp>
+    </p:spTree>
+  </p:cSld>
+  <p:clrMapOvr>
+    <a:masterClrMapping/>
+  </p:clrMapOvr>
+</p:notes>
+</file>
+
+<file path=ppt/notesSlides/notesSlide5.xml><?xml version="1.0" encoding="utf-8"?>
+<p:notes xmlns:a="http://schemas.openxmlformats.org/drawingml/2006/main" xmlns:r="http://schemas.openxmlformats.org/officeDocument/2006/relationships" xmlns:mc="http://schemas.openxmlformats.org/markup-compatibility/2006" xmlns:mv="urn:schemas-microsoft-com:mac:vml" xmlns:p="http://schemas.openxmlformats.org/presentationml/2006/main" xmlns:c="http://schemas.openxmlformats.org/drawingml/2006/chart" xmlns:dgm="http://schemas.openxmlformats.org/drawingml/2006/diagram" xmlns:o="urn:schemas-microsoft-com:office:office" xmlns:v="urn:schemas-microsoft-com:vml" xmlns:pvml="urn:schemas-microsoft-com:office:powerpoint" xmlns:com="http://schemas.openxmlformats.org/drawingml/2006/compatibility" xmlns:p14="http://schemas.microsoft.com/office/powerpoint/2010/main" xmlns:p15="http://schemas.microsoft.com/office/powerpoint/2012/main" showMasterPhAnim="0" showMasterSp="0">
+  <p:cSld>
+    <p:spTree>
+      <p:nvGrpSpPr>
+        <p:cNvPr id="388" name="Shape 388"/>
+        <p:cNvGrpSpPr/>
+        <p:nvPr/>
+      </p:nvGrpSpPr>
+      <p:grpSpPr>
+        <a:xfrm>
+          <a:off x="0" y="0"/>
+          <a:ext cx="0" cy="0"/>
+          <a:chOff x="0" y="0"/>
+          <a:chExt cx="0" cy="0"/>
+        </a:xfrm>
+      </p:grpSpPr>
+      <p:sp>
+        <p:nvSpPr>
+          <p:cNvPr id="389" name="Shape 389"/>
           <p:cNvSpPr/>
           <p:nvPr>
             <p:ph idx="2" type="sldImg"/>
@@ -1148,7 +1245,7 @@
       </p:sp>
       <p:sp>
         <p:nvSpPr>
-          <p:cNvPr id="373" name="Shape 373"/>
+          <p:cNvPr id="390" name="Shape 390"/>
           <p:cNvSpPr txBox="1"/>
           <p:nvPr>
             <p:ph idx="1" type="body"/>
@@ -1193,12 +1290,12 @@
 </p:notes>
 </file>
 
-<file path=ppt/notesSlides/notesSlide4.xml><?xml version="1.0" encoding="utf-8"?>
+<file path=ppt/notesSlides/notesSlide6.xml><?xml version="1.0" encoding="utf-8"?>
 <p:notes xmlns:a="http://schemas.openxmlformats.org/drawingml/2006/main" xmlns:r="http://schemas.openxmlformats.org/officeDocument/2006/relationships" xmlns:mc="http://schemas.openxmlformats.org/markup-compatibility/2006" xmlns:mv="urn:schemas-microsoft-com:mac:vml" xmlns:p="http://schemas.openxmlformats.org/presentationml/2006/main" xmlns:c="http://schemas.openxmlformats.org/drawingml/2006/chart" xmlns:dgm="http://schemas.openxmlformats.org/drawingml/2006/diagram" xmlns:o="urn:schemas-microsoft-com:office:office" xmlns:v="urn:schemas-microsoft-com:vml" xmlns:pvml="urn:schemas-microsoft-com:office:powerpoint" xmlns:com="http://schemas.openxmlformats.org/drawingml/2006/compatibility" xmlns:p14="http://schemas.microsoft.com/office/powerpoint/2010/main" xmlns:p15="http://schemas.microsoft.com/office/powerpoint/2012/main" showMasterPhAnim="0" showMasterSp="0">
   <p:cSld>
     <p:spTree>
       <p:nvGrpSpPr>
-        <p:cNvPr id="379" name="Shape 379"/>
+        <p:cNvPr id="395" name="Shape 395"/>
         <p:cNvGrpSpPr/>
         <p:nvPr/>
       </p:nvGrpSpPr>
@@ -1212,207 +1309,7 @@
       </p:grpSpPr>
       <p:sp>
         <p:nvSpPr>
-          <p:cNvPr id="380" name="Shape 380"/>
-          <p:cNvSpPr txBox="1"/>
-          <p:nvPr>
-            <p:ph idx="1" type="body"/>
-          </p:nvPr>
-        </p:nvSpPr>
-        <p:spPr>
-          <a:xfrm>
-            <a:off x="685800" y="4343400"/>
-            <a:ext cx="5486400" cy="4114800"/>
-          </a:xfrm>
-          <a:prstGeom prst="rect">
-            <a:avLst/>
-          </a:prstGeom>
-          <a:noFill/>
-          <a:ln>
-            <a:noFill/>
-          </a:ln>
-        </p:spPr>
-        <p:txBody>
-          <a:bodyPr anchorCtr="0" anchor="ctr" bIns="91425" lIns="91425" spcFirstLastPara="1" rIns="91425" wrap="square" tIns="91425">
-            <a:noAutofit/>
-          </a:bodyPr>
-          <a:lstStyle/>
-          <a:p>
-            <a:pPr indent="0" lvl="0" marL="0">
-              <a:spcBef>
-                <a:spcPts val="0"/>
-              </a:spcBef>
-              <a:spcAft>
-                <a:spcPts val="0"/>
-              </a:spcAft>
-              <a:buNone/>
-            </a:pPr>
-            <a:r>
-              <a:t/>
-            </a:r>
-            <a:endParaRPr/>
-          </a:p>
-        </p:txBody>
-      </p:sp>
-      <p:sp>
-        <p:nvSpPr>
-          <p:cNvPr id="381" name="Shape 381"/>
-          <p:cNvSpPr/>
-          <p:nvPr>
-            <p:ph idx="2" type="sldImg"/>
-          </p:nvPr>
-        </p:nvSpPr>
-        <p:spPr>
-          <a:xfrm>
-            <a:off x="1143225" y="685800"/>
-            <a:ext cx="4572300" cy="3429000"/>
-          </a:xfrm>
-          <a:custGeom>
-            <a:pathLst>
-              <a:path extrusionOk="0" h="120000" w="120000">
-                <a:moveTo>
-                  <a:pt x="0" y="0"/>
-                </a:moveTo>
-                <a:lnTo>
-                  <a:pt x="120000" y="0"/>
-                </a:lnTo>
-                <a:lnTo>
-                  <a:pt x="120000" y="120000"/>
-                </a:lnTo>
-                <a:lnTo>
-                  <a:pt x="0" y="120000"/>
-                </a:lnTo>
-                <a:close/>
-              </a:path>
-            </a:pathLst>
-          </a:custGeom>
-        </p:spPr>
-      </p:sp>
-    </p:spTree>
-  </p:cSld>
-  <p:clrMapOvr>
-    <a:masterClrMapping/>
-  </p:clrMapOvr>
-</p:notes>
-</file>
-
-<file path=ppt/notesSlides/notesSlide5.xml><?xml version="1.0" encoding="utf-8"?>
-<p:notes xmlns:a="http://schemas.openxmlformats.org/drawingml/2006/main" xmlns:r="http://schemas.openxmlformats.org/officeDocument/2006/relationships" xmlns:mc="http://schemas.openxmlformats.org/markup-compatibility/2006" xmlns:mv="urn:schemas-microsoft-com:mac:vml" xmlns:p="http://schemas.openxmlformats.org/presentationml/2006/main" xmlns:c="http://schemas.openxmlformats.org/drawingml/2006/chart" xmlns:dgm="http://schemas.openxmlformats.org/drawingml/2006/diagram" xmlns:o="urn:schemas-microsoft-com:office:office" xmlns:v="urn:schemas-microsoft-com:vml" xmlns:pvml="urn:schemas-microsoft-com:office:powerpoint" xmlns:com="http://schemas.openxmlformats.org/drawingml/2006/compatibility" xmlns:p14="http://schemas.microsoft.com/office/powerpoint/2010/main" xmlns:p15="http://schemas.microsoft.com/office/powerpoint/2012/main" showMasterPhAnim="0" showMasterSp="0">
-  <p:cSld>
-    <p:spTree>
-      <p:nvGrpSpPr>
-        <p:cNvPr id="386" name="Shape 386"/>
-        <p:cNvGrpSpPr/>
-        <p:nvPr/>
-      </p:nvGrpSpPr>
-      <p:grpSpPr>
-        <a:xfrm>
-          <a:off x="0" y="0"/>
-          <a:ext cx="0" cy="0"/>
-          <a:chOff x="0" y="0"/>
-          <a:chExt cx="0" cy="0"/>
-        </a:xfrm>
-      </p:grpSpPr>
-      <p:sp>
-        <p:nvSpPr>
-          <p:cNvPr id="387" name="Shape 387"/>
-          <p:cNvSpPr/>
-          <p:nvPr>
-            <p:ph idx="2" type="sldImg"/>
-          </p:nvPr>
-        </p:nvSpPr>
-        <p:spPr>
-          <a:xfrm>
-            <a:off x="381300" y="685800"/>
-            <a:ext cx="6096000" cy="3429000"/>
-          </a:xfrm>
-          <a:custGeom>
-            <a:pathLst>
-              <a:path extrusionOk="0" h="120000" w="120000">
-                <a:moveTo>
-                  <a:pt x="0" y="0"/>
-                </a:moveTo>
-                <a:lnTo>
-                  <a:pt x="120000" y="0"/>
-                </a:lnTo>
-                <a:lnTo>
-                  <a:pt x="120000" y="120000"/>
-                </a:lnTo>
-                <a:lnTo>
-                  <a:pt x="0" y="120000"/>
-                </a:lnTo>
-                <a:close/>
-              </a:path>
-            </a:pathLst>
-          </a:custGeom>
-        </p:spPr>
-      </p:sp>
-      <p:sp>
-        <p:nvSpPr>
-          <p:cNvPr id="388" name="Shape 388"/>
-          <p:cNvSpPr txBox="1"/>
-          <p:nvPr>
-            <p:ph idx="1" type="body"/>
-          </p:nvPr>
-        </p:nvSpPr>
-        <p:spPr>
-          <a:xfrm>
-            <a:off x="685800" y="4343400"/>
-            <a:ext cx="5486400" cy="4114800"/>
-          </a:xfrm>
-          <a:prstGeom prst="rect">
-            <a:avLst/>
-          </a:prstGeom>
-        </p:spPr>
-        <p:txBody>
-          <a:bodyPr anchorCtr="0" anchor="t" bIns="91425" lIns="91425" spcFirstLastPara="1" rIns="91425" wrap="square" tIns="91425">
-            <a:noAutofit/>
-          </a:bodyPr>
-          <a:lstStyle/>
-          <a:p>
-            <a:pPr indent="0" lvl="0" marL="0">
-              <a:spcBef>
-                <a:spcPts val="0"/>
-              </a:spcBef>
-              <a:spcAft>
-                <a:spcPts val="0"/>
-              </a:spcAft>
-              <a:buNone/>
-            </a:pPr>
-            <a:r>
-              <a:t/>
-            </a:r>
-            <a:endParaRPr/>
-          </a:p>
-        </p:txBody>
-      </p:sp>
-    </p:spTree>
-  </p:cSld>
-  <p:clrMapOvr>
-    <a:masterClrMapping/>
-  </p:clrMapOvr>
-</p:notes>
-</file>
-
-<file path=ppt/notesSlides/notesSlide6.xml><?xml version="1.0" encoding="utf-8"?>
-<p:notes xmlns:a="http://schemas.openxmlformats.org/drawingml/2006/main" xmlns:r="http://schemas.openxmlformats.org/officeDocument/2006/relationships" xmlns:mc="http://schemas.openxmlformats.org/markup-compatibility/2006" xmlns:mv="urn:schemas-microsoft-com:mac:vml" xmlns:p="http://schemas.openxmlformats.org/presentationml/2006/main" xmlns:c="http://schemas.openxmlformats.org/drawingml/2006/chart" xmlns:dgm="http://schemas.openxmlformats.org/drawingml/2006/diagram" xmlns:o="urn:schemas-microsoft-com:office:office" xmlns:v="urn:schemas-microsoft-com:vml" xmlns:pvml="urn:schemas-microsoft-com:office:powerpoint" xmlns:com="http://schemas.openxmlformats.org/drawingml/2006/compatibility" xmlns:p14="http://schemas.microsoft.com/office/powerpoint/2010/main" xmlns:p15="http://schemas.microsoft.com/office/powerpoint/2012/main" showMasterPhAnim="0" showMasterSp="0">
-  <p:cSld>
-    <p:spTree>
-      <p:nvGrpSpPr>
-        <p:cNvPr id="394" name="Shape 394"/>
-        <p:cNvGrpSpPr/>
-        <p:nvPr/>
-      </p:nvGrpSpPr>
-      <p:grpSpPr>
-        <a:xfrm>
-          <a:off x="0" y="0"/>
-          <a:ext cx="0" cy="0"/>
-          <a:chOff x="0" y="0"/>
-          <a:chExt cx="0" cy="0"/>
-        </a:xfrm>
-      </p:grpSpPr>
-      <p:sp>
-        <p:nvSpPr>
-          <p:cNvPr id="395" name="Shape 395"/>
+          <p:cNvPr id="396" name="Shape 396"/>
           <p:cNvSpPr/>
           <p:nvPr>
             <p:ph idx="2" type="sldImg"/>
@@ -1446,7 +1343,7 @@
       </p:sp>
       <p:sp>
         <p:nvSpPr>
-          <p:cNvPr id="396" name="Shape 396"/>
+          <p:cNvPr id="397" name="Shape 397"/>
           <p:cNvSpPr txBox="1"/>
           <p:nvPr>
             <p:ph idx="1" type="body"/>
@@ -1496,7 +1393,7 @@
   <p:cSld>
     <p:spTree>
       <p:nvGrpSpPr>
-        <p:cNvPr id="401" name="Shape 401"/>
+        <p:cNvPr id="402" name="Shape 402"/>
         <p:cNvGrpSpPr/>
         <p:nvPr/>
       </p:nvGrpSpPr>
@@ -1510,7 +1407,7 @@
       </p:grpSpPr>
       <p:sp>
         <p:nvSpPr>
-          <p:cNvPr id="402" name="Shape 402"/>
+          <p:cNvPr id="403" name="Shape 403"/>
           <p:cNvSpPr/>
           <p:nvPr>
             <p:ph idx="2" type="sldImg"/>
@@ -1544,7 +1441,7 @@
       </p:sp>
       <p:sp>
         <p:nvSpPr>
-          <p:cNvPr id="403" name="Shape 403"/>
+          <p:cNvPr id="404" name="Shape 404"/>
           <p:cNvSpPr txBox="1"/>
           <p:nvPr>
             <p:ph idx="1" type="body"/>
@@ -1594,7 +1491,7 @@
   <p:cSld>
     <p:spTree>
       <p:nvGrpSpPr>
-        <p:cNvPr id="408" name="Shape 408"/>
+        <p:cNvPr id="409" name="Shape 409"/>
         <p:cNvGrpSpPr/>
         <p:nvPr/>
       </p:nvGrpSpPr>
@@ -1608,7 +1505,7 @@
       </p:grpSpPr>
       <p:sp>
         <p:nvSpPr>
-          <p:cNvPr id="409" name="Shape 409"/>
+          <p:cNvPr id="410" name="Shape 410"/>
           <p:cNvSpPr/>
           <p:nvPr>
             <p:ph idx="2" type="sldImg"/>
@@ -1642,7 +1539,7 @@
       </p:sp>
       <p:sp>
         <p:nvSpPr>
-          <p:cNvPr id="410" name="Shape 410"/>
+          <p:cNvPr id="411" name="Shape 411"/>
           <p:cNvSpPr txBox="1"/>
           <p:nvPr>
             <p:ph idx="1" type="body"/>
@@ -1692,7 +1589,7 @@
   <p:cSld>
     <p:spTree>
       <p:nvGrpSpPr>
-        <p:cNvPr id="415" name="Shape 415"/>
+        <p:cNvPr id="418" name="Shape 418"/>
         <p:cNvGrpSpPr/>
         <p:nvPr/>
       </p:nvGrpSpPr>
@@ -1706,7 +1603,7 @@
       </p:grpSpPr>
       <p:sp>
         <p:nvSpPr>
-          <p:cNvPr id="416" name="Shape 416"/>
+          <p:cNvPr id="419" name="Shape 419"/>
           <p:cNvSpPr/>
           <p:nvPr>
             <p:ph idx="2" type="sldImg"/>
@@ -1740,7 +1637,7 @@
       </p:sp>
       <p:sp>
         <p:nvSpPr>
-          <p:cNvPr id="417" name="Shape 417"/>
+          <p:cNvPr id="420" name="Shape 420"/>
           <p:cNvSpPr txBox="1"/>
           <p:nvPr>
             <p:ph idx="1" type="body"/>
@@ -30225,7 +30122,7 @@
             </a:pPr>
             <a:r>
               <a:rPr lang="en-GB"/>
-              <a:t>Alisha, Dillion, Franklin, Jordan, Rob and Woojin</a:t>
+              <a:t>Alisha, Dillon, Franklin, Jordan, Rob and Woojin</a:t>
             </a:r>
             <a:endParaRPr/>
           </a:p>
@@ -30272,7 +30169,7 @@
   <p:cSld>
     <p:spTree>
       <p:nvGrpSpPr>
-        <p:cNvPr id="426" name="Shape 426"/>
+        <p:cNvPr id="428" name="Shape 428"/>
         <p:cNvGrpSpPr/>
         <p:nvPr/>
       </p:nvGrpSpPr>
@@ -30286,346 +30183,7 @@
       </p:grpSpPr>
       <p:sp>
         <p:nvSpPr>
-          <p:cNvPr id="427" name="Shape 427"/>
-          <p:cNvSpPr txBox="1"/>
-          <p:nvPr>
-            <p:ph type="title"/>
-          </p:nvPr>
-        </p:nvSpPr>
-        <p:spPr>
-          <a:xfrm>
-            <a:off x="1028700" y="514350"/>
-            <a:ext cx="7200900" cy="740700"/>
-          </a:xfrm>
-          <a:prstGeom prst="rect">
-            <a:avLst/>
-          </a:prstGeom>
-        </p:spPr>
-        <p:txBody>
-          <a:bodyPr anchorCtr="0" anchor="t" bIns="68575" lIns="68575" spcFirstLastPara="1" rIns="68575" wrap="square" tIns="68575">
-            <a:noAutofit/>
-          </a:bodyPr>
-          <a:lstStyle/>
-          <a:p>
-            <a:pPr indent="0" lvl="0" marL="0" rtl="0">
-              <a:spcBef>
-                <a:spcPts val="0"/>
-              </a:spcBef>
-              <a:spcAft>
-                <a:spcPts val="0"/>
-              </a:spcAft>
-              <a:buNone/>
-            </a:pPr>
-            <a:r>
-              <a:rPr lang="en-GB" sz="4500"/>
-              <a:t>Prototype-Iterative Process </a:t>
-            </a:r>
-            <a:endParaRPr sz="4500"/>
-          </a:p>
-        </p:txBody>
-      </p:sp>
-      <p:sp>
-        <p:nvSpPr>
-          <p:cNvPr id="428" name="Shape 428"/>
-          <p:cNvSpPr txBox="1"/>
-          <p:nvPr/>
-        </p:nvSpPr>
-        <p:spPr>
-          <a:xfrm>
-            <a:off x="1236425" y="1735150"/>
-            <a:ext cx="7451400" cy="3082800"/>
-          </a:xfrm>
-          <a:prstGeom prst="rect">
-            <a:avLst/>
-          </a:prstGeom>
-          <a:noFill/>
-          <a:ln>
-            <a:noFill/>
-          </a:ln>
-        </p:spPr>
-        <p:txBody>
-          <a:bodyPr anchorCtr="0" anchor="t" bIns="91425" lIns="91425" spcFirstLastPara="1" rIns="91425" wrap="square" tIns="91425">
-            <a:noAutofit/>
-          </a:bodyPr>
-          <a:lstStyle/>
-          <a:p>
-            <a:pPr indent="-342900" lvl="0" marL="457200" rtl="0">
-              <a:spcBef>
-                <a:spcPts val="0"/>
-              </a:spcBef>
-              <a:spcAft>
-                <a:spcPts val="0"/>
-              </a:spcAft>
-              <a:buSzPts val="1800"/>
-              <a:buFont typeface="Source Sans Pro"/>
-              <a:buChar char="■"/>
-            </a:pPr>
-            <a:r>
-              <a:rPr lang="en-GB" sz="1800">
-                <a:latin typeface="Source Sans Pro"/>
-                <a:ea typeface="Source Sans Pro"/>
-                <a:cs typeface="Source Sans Pro"/>
-                <a:sym typeface="Source Sans Pro"/>
-              </a:rPr>
-              <a:t>Iteration 1: Wireless </a:t>
-            </a:r>
-            <a:r>
-              <a:rPr lang="en-GB" sz="1800">
-                <a:latin typeface="Source Sans Pro"/>
-                <a:ea typeface="Source Sans Pro"/>
-                <a:cs typeface="Source Sans Pro"/>
-                <a:sym typeface="Source Sans Pro"/>
-              </a:rPr>
-              <a:t>transmitting</a:t>
-            </a:r>
-            <a:r>
-              <a:rPr lang="en-GB" sz="1800">
-                <a:latin typeface="Source Sans Pro"/>
-                <a:ea typeface="Source Sans Pro"/>
-                <a:cs typeface="Source Sans Pro"/>
-                <a:sym typeface="Source Sans Pro"/>
-              </a:rPr>
-              <a:t> and receiving</a:t>
-            </a:r>
-            <a:endParaRPr sz="1800">
-              <a:latin typeface="Source Sans Pro"/>
-              <a:ea typeface="Source Sans Pro"/>
-              <a:cs typeface="Source Sans Pro"/>
-              <a:sym typeface="Source Sans Pro"/>
-            </a:endParaRPr>
-          </a:p>
-          <a:p>
-            <a:pPr indent="-342900" lvl="1" marL="914400" rtl="0">
-              <a:spcBef>
-                <a:spcPts val="0"/>
-              </a:spcBef>
-              <a:spcAft>
-                <a:spcPts val="0"/>
-              </a:spcAft>
-              <a:buSzPts val="1800"/>
-              <a:buFont typeface="Source Sans Pro"/>
-              <a:buChar char="○"/>
-            </a:pPr>
-            <a:r>
-              <a:rPr lang="en-GB" sz="1800">
-                <a:latin typeface="Source Sans Pro"/>
-                <a:ea typeface="Source Sans Pro"/>
-                <a:cs typeface="Source Sans Pro"/>
-                <a:sym typeface="Source Sans Pro"/>
-              </a:rPr>
-              <a:t>Use a basic transmitter and </a:t>
-            </a:r>
-            <a:r>
-              <a:rPr lang="en-GB" sz="1800">
-                <a:latin typeface="Source Sans Pro"/>
-                <a:ea typeface="Source Sans Pro"/>
-                <a:cs typeface="Source Sans Pro"/>
-                <a:sym typeface="Source Sans Pro"/>
-              </a:rPr>
-              <a:t>receiver</a:t>
-            </a:r>
-            <a:r>
-              <a:rPr lang="en-GB" sz="1800">
-                <a:latin typeface="Source Sans Pro"/>
-                <a:ea typeface="Source Sans Pro"/>
-                <a:cs typeface="Source Sans Pro"/>
-                <a:sym typeface="Source Sans Pro"/>
-              </a:rPr>
-              <a:t> module to validate path loss models and of the shelf product claims</a:t>
-            </a:r>
-            <a:endParaRPr sz="1800">
-              <a:latin typeface="Source Sans Pro"/>
-              <a:ea typeface="Source Sans Pro"/>
-              <a:cs typeface="Source Sans Pro"/>
-              <a:sym typeface="Source Sans Pro"/>
-            </a:endParaRPr>
-          </a:p>
-          <a:p>
-            <a:pPr indent="-342900" lvl="0" marL="457200" rtl="0">
-              <a:spcBef>
-                <a:spcPts val="0"/>
-              </a:spcBef>
-              <a:spcAft>
-                <a:spcPts val="0"/>
-              </a:spcAft>
-              <a:buSzPts val="1800"/>
-              <a:buFont typeface="Source Sans Pro"/>
-              <a:buChar char="■"/>
-            </a:pPr>
-            <a:r>
-              <a:rPr lang="en-GB" sz="1800">
-                <a:latin typeface="Source Sans Pro"/>
-                <a:ea typeface="Source Sans Pro"/>
-                <a:cs typeface="Source Sans Pro"/>
-                <a:sym typeface="Source Sans Pro"/>
-              </a:rPr>
-              <a:t>Iteration 2: Accelerometer</a:t>
-            </a:r>
-            <a:endParaRPr sz="1800">
-              <a:latin typeface="Source Sans Pro"/>
-              <a:ea typeface="Source Sans Pro"/>
-              <a:cs typeface="Source Sans Pro"/>
-              <a:sym typeface="Source Sans Pro"/>
-            </a:endParaRPr>
-          </a:p>
-          <a:p>
-            <a:pPr indent="-342900" lvl="1" marL="914400" rtl="0">
-              <a:spcBef>
-                <a:spcPts val="0"/>
-              </a:spcBef>
-              <a:spcAft>
-                <a:spcPts val="0"/>
-              </a:spcAft>
-              <a:buSzPts val="1800"/>
-              <a:buFont typeface="Source Sans Pro"/>
-              <a:buChar char="○"/>
-            </a:pPr>
-            <a:r>
-              <a:rPr lang="en-GB" sz="1800">
-                <a:latin typeface="Source Sans Pro"/>
-                <a:ea typeface="Source Sans Pro"/>
-                <a:cs typeface="Source Sans Pro"/>
-                <a:sym typeface="Source Sans Pro"/>
-              </a:rPr>
-              <a:t>Add an accelerometer to the transmitter module to detect a fall .</a:t>
-            </a:r>
-            <a:endParaRPr sz="1800">
-              <a:latin typeface="Source Sans Pro"/>
-              <a:ea typeface="Source Sans Pro"/>
-              <a:cs typeface="Source Sans Pro"/>
-              <a:sym typeface="Source Sans Pro"/>
-            </a:endParaRPr>
-          </a:p>
-          <a:p>
-            <a:pPr indent="-342900" lvl="0" marL="457200" rtl="0">
-              <a:spcBef>
-                <a:spcPts val="0"/>
-              </a:spcBef>
-              <a:spcAft>
-                <a:spcPts val="0"/>
-              </a:spcAft>
-              <a:buSzPts val="1800"/>
-              <a:buFont typeface="Source Sans Pro"/>
-              <a:buChar char="■"/>
-            </a:pPr>
-            <a:r>
-              <a:rPr lang="en-GB" sz="1800">
-                <a:latin typeface="Source Sans Pro"/>
-                <a:ea typeface="Source Sans Pro"/>
-                <a:cs typeface="Source Sans Pro"/>
-                <a:sym typeface="Source Sans Pro"/>
-              </a:rPr>
-              <a:t>Iteration 3: Water Sensor</a:t>
-            </a:r>
-            <a:endParaRPr sz="1800">
-              <a:latin typeface="Source Sans Pro"/>
-              <a:ea typeface="Source Sans Pro"/>
-              <a:cs typeface="Source Sans Pro"/>
-              <a:sym typeface="Source Sans Pro"/>
-            </a:endParaRPr>
-          </a:p>
-          <a:p>
-            <a:pPr indent="-342900" lvl="1" marL="914400" rtl="0">
-              <a:spcBef>
-                <a:spcPts val="0"/>
-              </a:spcBef>
-              <a:spcAft>
-                <a:spcPts val="0"/>
-              </a:spcAft>
-              <a:buSzPts val="1800"/>
-              <a:buFont typeface="Source Sans Pro"/>
-              <a:buChar char="○"/>
-            </a:pPr>
-            <a:r>
-              <a:rPr lang="en-GB" sz="1800">
-                <a:latin typeface="Source Sans Pro"/>
-                <a:ea typeface="Source Sans Pro"/>
-                <a:cs typeface="Source Sans Pro"/>
-                <a:sym typeface="Source Sans Pro"/>
-              </a:rPr>
-              <a:t>Add a water sensor to detect a fall into the ocean.</a:t>
-            </a:r>
-            <a:endParaRPr sz="1800">
-              <a:latin typeface="Source Sans Pro"/>
-              <a:ea typeface="Source Sans Pro"/>
-              <a:cs typeface="Source Sans Pro"/>
-              <a:sym typeface="Source Sans Pro"/>
-            </a:endParaRPr>
-          </a:p>
-        </p:txBody>
-      </p:sp>
-      <p:sp>
-        <p:nvSpPr>
           <p:cNvPr id="429" name="Shape 429"/>
-          <p:cNvSpPr txBox="1"/>
-          <p:nvPr>
-            <p:ph idx="12" type="sldNum"/>
-          </p:nvPr>
-        </p:nvSpPr>
-        <p:spPr>
-          <a:xfrm>
-            <a:off x="7104552" y="4840039"/>
-            <a:ext cx="1197300" cy="303600"/>
-          </a:xfrm>
-          <a:prstGeom prst="rect">
-            <a:avLst/>
-          </a:prstGeom>
-        </p:spPr>
-        <p:txBody>
-          <a:bodyPr anchorCtr="0" anchor="ctr" bIns="34275" lIns="68575" spcFirstLastPara="1" rIns="68575" wrap="square" tIns="34275">
-            <a:noAutofit/>
-          </a:bodyPr>
-          <a:lstStyle/>
-          <a:p>
-            <a:pPr indent="0" lvl="0" marL="0">
-              <a:spcBef>
-                <a:spcPts val="0"/>
-              </a:spcBef>
-              <a:spcAft>
-                <a:spcPts val="0"/>
-              </a:spcAft>
-              <a:buClr>
-                <a:srgbClr val="000000"/>
-              </a:buClr>
-              <a:buFont typeface="Arial"/>
-              <a:buNone/>
-            </a:pPr>
-            <a:fld id="{00000000-1234-1234-1234-123412341234}" type="slidenum">
-              <a:rPr lang="en-GB"/>
-              <a:t>‹#›</a:t>
-            </a:fld>
-            <a:endParaRPr/>
-          </a:p>
-        </p:txBody>
-      </p:sp>
-    </p:spTree>
-  </p:cSld>
-  <p:clrMapOvr>
-    <a:masterClrMapping/>
-  </p:clrMapOvr>
-</p:sld>
-</file>
-
-<file path=ppt/slides/slide11.xml><?xml version="1.0" encoding="utf-8"?>
-<p:sld xmlns:a="http://schemas.openxmlformats.org/drawingml/2006/main" xmlns:r="http://schemas.openxmlformats.org/officeDocument/2006/relationships" xmlns:mc="http://schemas.openxmlformats.org/markup-compatibility/2006" xmlns:mv="urn:schemas-microsoft-com:mac:vml" xmlns:p="http://schemas.openxmlformats.org/presentationml/2006/main" xmlns:c="http://schemas.openxmlformats.org/drawingml/2006/chart" xmlns:dgm="http://schemas.openxmlformats.org/drawingml/2006/diagram" xmlns:o="urn:schemas-microsoft-com:office:office" xmlns:v="urn:schemas-microsoft-com:vml" xmlns:pvml="urn:schemas-microsoft-com:office:powerpoint" xmlns:com="http://schemas.openxmlformats.org/drawingml/2006/compatibility" xmlns:p14="http://schemas.microsoft.com/office/powerpoint/2010/main" xmlns:p15="http://schemas.microsoft.com/office/powerpoint/2012/main">
-  <p:cSld>
-    <p:spTree>
-      <p:nvGrpSpPr>
-        <p:cNvPr id="433" name="Shape 433"/>
-        <p:cNvGrpSpPr/>
-        <p:nvPr/>
-      </p:nvGrpSpPr>
-      <p:grpSpPr>
-        <a:xfrm>
-          <a:off x="0" y="0"/>
-          <a:ext cx="0" cy="0"/>
-          <a:chOff x="0" y="0"/>
-          <a:chExt cx="0" cy="0"/>
-        </a:xfrm>
-      </p:grpSpPr>
-      <p:sp>
-        <p:nvSpPr>
-          <p:cNvPr id="434" name="Shape 434"/>
           <p:cNvSpPr txBox="1"/>
           <p:nvPr>
             <p:ph type="title"/>
@@ -30665,7 +30223,7 @@
       </p:sp>
       <p:sp>
         <p:nvSpPr>
-          <p:cNvPr id="435" name="Shape 435"/>
+          <p:cNvPr id="430" name="Shape 430"/>
           <p:cNvSpPr txBox="1"/>
           <p:nvPr>
             <p:ph idx="1" type="body"/>
@@ -30753,7 +30311,7 @@
             <a:endParaRPr sz="1800"/>
           </a:p>
           <a:p>
-            <a:pPr indent="-342900" lvl="0" marL="457200">
+            <a:pPr indent="-342900" lvl="0" marL="457200" rtl="0">
               <a:spcBef>
                 <a:spcPts val="0"/>
               </a:spcBef>
@@ -30769,11 +30327,42 @@
             </a:r>
             <a:endParaRPr sz="1800"/>
           </a:p>
+          <a:p>
+            <a:pPr indent="0" lvl="0" marL="0" rtl="0">
+              <a:spcBef>
+                <a:spcPts val="800"/>
+              </a:spcBef>
+              <a:spcAft>
+                <a:spcPts val="0"/>
+              </a:spcAft>
+              <a:buNone/>
+            </a:pPr>
+            <a:r>
+              <a:t/>
+            </a:r>
+            <a:endParaRPr sz="1800"/>
+          </a:p>
+          <a:p>
+            <a:pPr indent="0" lvl="0" marL="0">
+              <a:spcBef>
+                <a:spcPts val="800"/>
+              </a:spcBef>
+              <a:spcAft>
+                <a:spcPts val="200"/>
+              </a:spcAft>
+              <a:buNone/>
+            </a:pPr>
+            <a:r>
+              <a:rPr lang="en-GB" sz="1800"/>
+              <a:t>These tasks have been allocated amongst the team.</a:t>
+            </a:r>
+            <a:endParaRPr sz="1800"/>
+          </a:p>
         </p:txBody>
       </p:sp>
       <p:sp>
         <p:nvSpPr>
-          <p:cNvPr id="436" name="Shape 436"/>
+          <p:cNvPr id="431" name="Shape 431"/>
           <p:cNvSpPr txBox="1"/>
           <p:nvPr>
             <p:ph idx="12" type="sldNum"/>
@@ -30850,45 +30439,48 @@
         </p:nvSpPr>
         <p:spPr>
           <a:xfrm>
-            <a:off x="1028700" y="389975"/>
-            <a:ext cx="7200900" cy="857400"/>
+            <a:off x="1028700" y="320250"/>
+            <a:ext cx="7200900" cy="894000"/>
           </a:xfrm>
           <a:prstGeom prst="rect">
             <a:avLst/>
           </a:prstGeom>
-          <a:noFill/>
-          <a:ln>
-            <a:noFill/>
-          </a:ln>
         </p:spPr>
         <p:txBody>
-          <a:bodyPr anchorCtr="0" anchor="t" bIns="34275" lIns="68575" spcFirstLastPara="1" rIns="68575" wrap="square" tIns="34275">
+          <a:bodyPr anchorCtr="0" anchor="t" bIns="68575" lIns="68575" spcFirstLastPara="1" rIns="68575" wrap="square" tIns="68575">
             <a:noAutofit/>
           </a:bodyPr>
           <a:lstStyle/>
           <a:p>
-            <a:pPr indent="0" lvl="0" marL="0" marR="0" rtl="0" algn="l">
-              <a:lnSpc>
-                <a:spcPct val="89000"/>
-              </a:lnSpc>
-              <a:spcBef>
-                <a:spcPts val="0"/>
-              </a:spcBef>
-              <a:spcAft>
-                <a:spcPts val="0"/>
-              </a:spcAft>
-              <a:buClr>
-                <a:schemeClr val="dk2"/>
-              </a:buClr>
-              <a:buSzPts val="3300"/>
-              <a:buFont typeface="Source Sans Pro"/>
+            <a:pPr indent="0" lvl="0" marL="0" rtl="0">
+              <a:spcBef>
+                <a:spcPts val="0"/>
+              </a:spcBef>
+              <a:spcAft>
+                <a:spcPts val="0"/>
+              </a:spcAft>
               <a:buNone/>
             </a:pPr>
             <a:r>
               <a:rPr lang="en-GB" sz="4500"/>
-              <a:t>The Project</a:t>
+              <a:t>Project Deliverables</a:t>
             </a:r>
             <a:endParaRPr sz="4500"/>
+          </a:p>
+          <a:p>
+            <a:pPr indent="0" lvl="0" marL="0" rtl="0">
+              <a:spcBef>
+                <a:spcPts val="0"/>
+              </a:spcBef>
+              <a:spcAft>
+                <a:spcPts val="0"/>
+              </a:spcAft>
+              <a:buNone/>
+            </a:pPr>
+            <a:r>
+              <a:t/>
+            </a:r>
+            <a:endParaRPr sz="1800"/>
           </a:p>
         </p:txBody>
       </p:sp>
@@ -30902,98 +30494,173 @@
         </p:nvSpPr>
         <p:spPr>
           <a:xfrm>
-            <a:off x="1028700" y="1378050"/>
-            <a:ext cx="7200900" cy="3597900"/>
+            <a:off x="1028700" y="1272225"/>
+            <a:ext cx="7200900" cy="2685900"/>
           </a:xfrm>
           <a:prstGeom prst="rect">
             <a:avLst/>
           </a:prstGeom>
-          <a:noFill/>
-          <a:ln>
-            <a:noFill/>
-          </a:ln>
         </p:spPr>
         <p:txBody>
-          <a:bodyPr anchorCtr="0" anchor="t" bIns="34275" lIns="68575" spcFirstLastPara="1" rIns="68575" wrap="square" tIns="34275">
+          <a:bodyPr anchorCtr="0" anchor="t" bIns="68575" lIns="68575" spcFirstLastPara="1" rIns="68575" wrap="square" tIns="68575">
             <a:noAutofit/>
           </a:bodyPr>
           <a:lstStyle/>
           <a:p>
-            <a:pPr indent="-342900" lvl="0" marL="457200" marR="0" rtl="0" algn="l">
-              <a:lnSpc>
-                <a:spcPct val="94000"/>
-              </a:lnSpc>
-              <a:spcBef>
-                <a:spcPts val="0"/>
-              </a:spcBef>
-              <a:spcAft>
-                <a:spcPts val="0"/>
-              </a:spcAft>
-              <a:buClr>
-                <a:schemeClr val="dk2"/>
-              </a:buClr>
-              <a:buSzPts val="1800"/>
-              <a:buFont typeface="Source Sans Pro"/>
-              <a:buChar char="■"/>
+            <a:pPr indent="-292100" lvl="0" marL="342900" rtl="0">
+              <a:spcBef>
+                <a:spcPts val="800"/>
+              </a:spcBef>
+              <a:spcAft>
+                <a:spcPts val="0"/>
+              </a:spcAft>
+              <a:buSzPts val="2000"/>
+              <a:buAutoNum type="arabicPeriod"/>
             </a:pPr>
             <a:r>
-              <a:t/>
+              <a:rPr b="1" lang="en-GB" sz="2000"/>
+              <a:t>Market Analysis</a:t>
             </a:r>
-            <a:endParaRPr sz="1800"/>
+            <a:endParaRPr b="1" sz="2000"/>
           </a:p>
           <a:p>
-            <a:pPr indent="0" lvl="0" marL="0" marR="0" rtl="0" algn="l">
-              <a:lnSpc>
-                <a:spcPct val="94000"/>
-              </a:lnSpc>
-              <a:spcBef>
-                <a:spcPts val="0"/>
-              </a:spcBef>
-              <a:spcAft>
-                <a:spcPts val="0"/>
-              </a:spcAft>
-              <a:buNone/>
+            <a:pPr indent="-292100" lvl="1" marL="685800" rtl="0">
+              <a:spcBef>
+                <a:spcPts val="0"/>
+              </a:spcBef>
+              <a:spcAft>
+                <a:spcPts val="0"/>
+              </a:spcAft>
+              <a:buSzPts val="2000"/>
+              <a:buAutoNum type="alphaLcPeriod"/>
             </a:pPr>
             <a:r>
-              <a:t/>
+              <a:rPr lang="en-GB" sz="2000"/>
+              <a:t>What is currently available on the market?</a:t>
             </a:r>
-            <a:endParaRPr sz="1800"/>
+            <a:endParaRPr sz="2000"/>
           </a:p>
           <a:p>
-            <a:pPr indent="0" lvl="0" marL="0" marR="0" rtl="0" algn="l">
-              <a:lnSpc>
-                <a:spcPct val="94000"/>
-              </a:lnSpc>
-              <a:spcBef>
-                <a:spcPts val="0"/>
-              </a:spcBef>
-              <a:spcAft>
-                <a:spcPts val="0"/>
-              </a:spcAft>
-              <a:buNone/>
+            <a:pPr indent="-292100" lvl="1" marL="685800" rtl="0">
+              <a:spcBef>
+                <a:spcPts val="0"/>
+              </a:spcBef>
+              <a:spcAft>
+                <a:spcPts val="0"/>
+              </a:spcAft>
+              <a:buSzPts val="2000"/>
+              <a:buAutoNum type="alphaLcPeriod"/>
             </a:pPr>
             <a:r>
-              <a:t/>
+              <a:rPr lang="en-GB" sz="2000"/>
+              <a:t>Can it be developed using COTS components?</a:t>
             </a:r>
-            <a:endParaRPr sz="1800"/>
+            <a:endParaRPr sz="2000"/>
           </a:p>
           <a:p>
-            <a:pPr indent="0" lvl="0" marL="0" marR="0" rtl="0" algn="l">
-              <a:lnSpc>
-                <a:spcPct val="94000"/>
-              </a:lnSpc>
-              <a:spcBef>
-                <a:spcPts val="0"/>
-              </a:spcBef>
-              <a:spcAft>
-                <a:spcPts val="0"/>
-              </a:spcAft>
-              <a:buNone/>
+            <a:pPr indent="-292100" lvl="1" marL="685800" rtl="0">
+              <a:spcBef>
+                <a:spcPts val="0"/>
+              </a:spcBef>
+              <a:spcAft>
+                <a:spcPts val="0"/>
+              </a:spcAft>
+              <a:buSzPts val="2000"/>
+              <a:buAutoNum type="alphaLcPeriod"/>
             </a:pPr>
             <a:r>
-              <a:t/>
+              <a:rPr lang="en-GB" sz="2000"/>
+              <a:t>Competitors in this area?</a:t>
             </a:r>
-            <a:endParaRPr sz="1800"/>
+            <a:br>
+              <a:rPr lang="en-GB" sz="2000"/>
+            </a:br>
+            <a:endParaRPr sz="2000"/>
+          </a:p>
+          <a:p>
+            <a:pPr indent="-292100" lvl="0" marL="342900" rtl="0">
+              <a:spcBef>
+                <a:spcPts val="0"/>
+              </a:spcBef>
+              <a:spcAft>
+                <a:spcPts val="0"/>
+              </a:spcAft>
+              <a:buSzPts val="2000"/>
+              <a:buAutoNum type="arabicPeriod"/>
+            </a:pPr>
+            <a:r>
+              <a:rPr b="1" lang="en-GB" sz="2000"/>
+              <a:t>High-level system design</a:t>
+            </a:r>
+            <a:endParaRPr b="1" sz="2000"/>
+          </a:p>
+          <a:p>
+            <a:pPr indent="-292100" lvl="1" marL="685800" rtl="0">
+              <a:spcBef>
+                <a:spcPts val="0"/>
+              </a:spcBef>
+              <a:spcAft>
+                <a:spcPts val="0"/>
+              </a:spcAft>
+              <a:buSzPts val="2000"/>
+              <a:buAutoNum type="alphaLcPeriod"/>
+            </a:pPr>
+            <a:r>
+              <a:rPr lang="en-GB" sz="2000"/>
+              <a:t>Requirements generation/analysis</a:t>
+            </a:r>
+            <a:endParaRPr sz="2000"/>
+          </a:p>
+          <a:p>
+            <a:pPr indent="-292100" lvl="1" marL="685800" rtl="0">
+              <a:spcBef>
+                <a:spcPts val="0"/>
+              </a:spcBef>
+              <a:spcAft>
+                <a:spcPts val="0"/>
+              </a:spcAft>
+              <a:buSzPts val="2000"/>
+              <a:buAutoNum type="alphaLcPeriod"/>
+            </a:pPr>
+            <a:r>
+              <a:rPr lang="en-GB" sz="2000"/>
+              <a:t>Functional flow/breakdown</a:t>
+            </a:r>
+            <a:endParaRPr sz="2000"/>
+          </a:p>
+          <a:p>
+            <a:pPr indent="-292100" lvl="1" marL="685800" rtl="0">
+              <a:spcBef>
+                <a:spcPts val="0"/>
+              </a:spcBef>
+              <a:spcAft>
+                <a:spcPts val="0"/>
+              </a:spcAft>
+              <a:buSzPts val="2000"/>
+              <a:buAutoNum type="alphaLcPeriod"/>
+            </a:pPr>
+            <a:r>
+              <a:rPr lang="en-GB" sz="2000"/>
+              <a:t>System/Subsystem interfaces</a:t>
+            </a:r>
+            <a:endParaRPr sz="2000"/>
+          </a:p>
+          <a:p>
+            <a:pPr indent="-292100" lvl="1" marL="685800" rtl="0">
+              <a:spcBef>
+                <a:spcPts val="0"/>
+              </a:spcBef>
+              <a:spcAft>
+                <a:spcPts val="0"/>
+              </a:spcAft>
+              <a:buSzPts val="2000"/>
+              <a:buAutoNum type="alphaLcPeriod"/>
+            </a:pPr>
+            <a:r>
+              <a:rPr lang="en-GB" sz="2000"/>
+              <a:t>Operational prototype</a:t>
+            </a:r>
+            <a:endParaRPr sz="2000"/>
           </a:p>
         </p:txBody>
       </p:sp>
@@ -31020,7 +30687,7 @@
           </a:bodyPr>
           <a:lstStyle/>
           <a:p>
-            <a:pPr indent="0" lvl="0" marL="0" rtl="0">
+            <a:pPr indent="0" lvl="0" marL="0">
               <a:spcBef>
                 <a:spcPts val="0"/>
               </a:spcBef>
@@ -31076,49 +30743,49 @@
         </p:nvSpPr>
         <p:spPr>
           <a:xfrm>
-            <a:off x="1028700" y="320250"/>
-            <a:ext cx="7200900" cy="1114500"/>
+            <a:off x="1028700" y="389975"/>
+            <a:ext cx="7200900" cy="857400"/>
           </a:xfrm>
           <a:prstGeom prst="rect">
             <a:avLst/>
           </a:prstGeom>
+          <a:noFill/>
+          <a:ln>
+            <a:noFill/>
+          </a:ln>
         </p:spPr>
         <p:txBody>
-          <a:bodyPr anchorCtr="0" anchor="t" bIns="68575" lIns="68575" spcFirstLastPara="1" rIns="68575" wrap="square" tIns="68575">
+          <a:bodyPr anchorCtr="0" anchor="t" bIns="34275" lIns="68575" spcFirstLastPara="1" rIns="68575" wrap="square" tIns="34275">
             <a:noAutofit/>
           </a:bodyPr>
           <a:lstStyle/>
           <a:p>
-            <a:pPr indent="0" lvl="0" marL="0" rtl="0">
-              <a:spcBef>
-                <a:spcPts val="0"/>
-              </a:spcBef>
-              <a:spcAft>
-                <a:spcPts val="0"/>
-              </a:spcAft>
+            <a:pPr indent="0" lvl="0" marL="0" marR="0" rtl="0" algn="l">
+              <a:lnSpc>
+                <a:spcPct val="89000"/>
+              </a:lnSpc>
+              <a:spcBef>
+                <a:spcPts val="0"/>
+              </a:spcBef>
+              <a:spcAft>
+                <a:spcPts val="0"/>
+              </a:spcAft>
+              <a:buClr>
+                <a:schemeClr val="dk2"/>
+              </a:buClr>
+              <a:buSzPts val="3300"/>
+              <a:buFont typeface="Source Sans Pro"/>
               <a:buNone/>
             </a:pPr>
             <a:r>
               <a:rPr lang="en-GB" sz="4500"/>
-              <a:t>Project Deliverables</a:t>
+              <a:t>Changes to the</a:t>
+            </a:r>
+            <a:r>
+              <a:rPr lang="en-GB" sz="4500"/>
+              <a:t> Project</a:t>
             </a:r>
             <a:endParaRPr sz="4500"/>
-          </a:p>
-          <a:p>
-            <a:pPr indent="0" lvl="0" marL="0" rtl="0">
-              <a:spcBef>
-                <a:spcPts val="0"/>
-              </a:spcBef>
-              <a:spcAft>
-                <a:spcPts val="0"/>
-              </a:spcAft>
-              <a:buNone/>
-            </a:pPr>
-            <a:r>
-              <a:rPr lang="en-GB" sz="1800"/>
-              <a:t> [Client &amp; Stakeholder Expectations] </a:t>
-            </a:r>
-            <a:endParaRPr sz="1800"/>
           </a:p>
         </p:txBody>
       </p:sp>
@@ -31132,194 +30799,8 @@
         </p:nvSpPr>
         <p:spPr>
           <a:xfrm>
-            <a:off x="1028700" y="1577175"/>
-            <a:ext cx="7200900" cy="2685900"/>
-          </a:xfrm>
-          <a:prstGeom prst="rect">
-            <a:avLst/>
-          </a:prstGeom>
-        </p:spPr>
-        <p:txBody>
-          <a:bodyPr anchorCtr="0" anchor="t" bIns="68575" lIns="68575" spcFirstLastPara="1" rIns="68575" wrap="square" tIns="68575">
-            <a:noAutofit/>
-          </a:bodyPr>
-          <a:lstStyle/>
-          <a:p>
-            <a:pPr indent="-292100" lvl="0" marL="342900" rtl="0">
-              <a:spcBef>
-                <a:spcPts val="800"/>
-              </a:spcBef>
-              <a:spcAft>
-                <a:spcPts val="0"/>
-              </a:spcAft>
-              <a:buSzPts val="2000"/>
-              <a:buAutoNum type="arabicPeriod"/>
-            </a:pPr>
-            <a:r>
-              <a:rPr b="1" lang="en-GB" sz="2000"/>
-              <a:t>Market Analysis</a:t>
-            </a:r>
-            <a:endParaRPr b="1" sz="2000"/>
-          </a:p>
-          <a:p>
-            <a:pPr indent="-292100" lvl="1" marL="685800" rtl="0">
-              <a:spcBef>
-                <a:spcPts val="0"/>
-              </a:spcBef>
-              <a:spcAft>
-                <a:spcPts val="0"/>
-              </a:spcAft>
-              <a:buSzPts val="2000"/>
-              <a:buAutoNum type="alphaLcPeriod"/>
-            </a:pPr>
-            <a:r>
-              <a:rPr lang="en-GB" sz="2000"/>
-              <a:t>What is currently available on the market?</a:t>
-            </a:r>
-            <a:endParaRPr sz="2000"/>
-          </a:p>
-          <a:p>
-            <a:pPr indent="-292100" lvl="1" marL="685800" rtl="0">
-              <a:spcBef>
-                <a:spcPts val="0"/>
-              </a:spcBef>
-              <a:spcAft>
-                <a:spcPts val="0"/>
-              </a:spcAft>
-              <a:buSzPts val="2000"/>
-              <a:buAutoNum type="alphaLcPeriod"/>
-            </a:pPr>
-            <a:r>
-              <a:rPr lang="en-GB" sz="2000"/>
-              <a:t>Can it be developed using COTS components?</a:t>
-            </a:r>
-            <a:endParaRPr sz="2000"/>
-          </a:p>
-          <a:p>
-            <a:pPr indent="-292100" lvl="1" marL="685800" rtl="0">
-              <a:spcBef>
-                <a:spcPts val="0"/>
-              </a:spcBef>
-              <a:spcAft>
-                <a:spcPts val="0"/>
-              </a:spcAft>
-              <a:buSzPts val="2000"/>
-              <a:buAutoNum type="alphaLcPeriod"/>
-            </a:pPr>
-            <a:r>
-              <a:rPr lang="en-GB" sz="2000"/>
-              <a:t>Competitors in this area?</a:t>
-            </a:r>
-            <a:br>
-              <a:rPr lang="en-GB" sz="2000"/>
-            </a:br>
-            <a:endParaRPr sz="2000"/>
-          </a:p>
-          <a:p>
-            <a:pPr indent="-292100" lvl="0" marL="342900" rtl="0">
-              <a:spcBef>
-                <a:spcPts val="0"/>
-              </a:spcBef>
-              <a:spcAft>
-                <a:spcPts val="0"/>
-              </a:spcAft>
-              <a:buSzPts val="2000"/>
-              <a:buAutoNum type="arabicPeriod"/>
-            </a:pPr>
-            <a:r>
-              <a:rPr b="1" lang="en-GB" sz="2000"/>
-              <a:t>High-level system design</a:t>
-            </a:r>
-            <a:endParaRPr b="1" sz="2000"/>
-          </a:p>
-          <a:p>
-            <a:pPr indent="-292100" lvl="1" marL="685800" rtl="0">
-              <a:spcBef>
-                <a:spcPts val="0"/>
-              </a:spcBef>
-              <a:spcAft>
-                <a:spcPts val="0"/>
-              </a:spcAft>
-              <a:buSzPts val="2000"/>
-              <a:buAutoNum type="alphaLcPeriod"/>
-            </a:pPr>
-            <a:r>
-              <a:rPr lang="en-GB" sz="2000"/>
-              <a:t>Requirements generation/analysis</a:t>
-            </a:r>
-            <a:endParaRPr sz="2000"/>
-          </a:p>
-          <a:p>
-            <a:pPr indent="-292100" lvl="1" marL="685800" rtl="0">
-              <a:spcBef>
-                <a:spcPts val="0"/>
-              </a:spcBef>
-              <a:spcAft>
-                <a:spcPts val="0"/>
-              </a:spcAft>
-              <a:buSzPts val="2000"/>
-              <a:buAutoNum type="alphaLcPeriod"/>
-            </a:pPr>
-            <a:r>
-              <a:rPr lang="en-GB" sz="2000"/>
-              <a:t>Functional flow/breakdown</a:t>
-            </a:r>
-            <a:endParaRPr sz="2000"/>
-          </a:p>
-          <a:p>
-            <a:pPr indent="-292100" lvl="1" marL="685800" rtl="0">
-              <a:spcBef>
-                <a:spcPts val="0"/>
-              </a:spcBef>
-              <a:spcAft>
-                <a:spcPts val="0"/>
-              </a:spcAft>
-              <a:buSzPts val="2000"/>
-              <a:buAutoNum type="alphaLcPeriod"/>
-            </a:pPr>
-            <a:r>
-              <a:rPr lang="en-GB" sz="2000"/>
-              <a:t>System/Subsystem interfaces</a:t>
-            </a:r>
-            <a:endParaRPr sz="2000"/>
-          </a:p>
-          <a:p>
-            <a:pPr indent="-292100" lvl="1" marL="685800" rtl="0">
-              <a:spcBef>
-                <a:spcPts val="0"/>
-              </a:spcBef>
-              <a:spcAft>
-                <a:spcPts val="0"/>
-              </a:spcAft>
-              <a:buSzPts val="2000"/>
-              <a:buAutoNum type="alphaLcPeriod"/>
-            </a:pPr>
-            <a:r>
-              <a:rPr lang="en-GB" sz="2000"/>
-              <a:t>Operational prototype</a:t>
-            </a:r>
-            <a:endParaRPr sz="2000"/>
-          </a:p>
-        </p:txBody>
-      </p:sp>
-      <p:pic>
-        <p:nvPicPr>
-          <p:cNvPr id="377" name="Shape 377"/>
-          <p:cNvPicPr preferRelativeResize="0"/>
-          <p:nvPr/>
-        </p:nvPicPr>
-        <p:blipFill>
-          <a:blip r:embed="rId3">
-            <a:alphaModFix/>
-          </a:blip>
-          <a:stretch>
-            <a:fillRect/>
-          </a:stretch>
-        </p:blipFill>
-        <p:spPr>
-          <a:xfrm>
-            <a:off x="6395813" y="2849887"/>
-            <a:ext cx="2001113" cy="1496831"/>
+            <a:off x="1028700" y="1378050"/>
+            <a:ext cx="7200900" cy="3597900"/>
           </a:xfrm>
           <a:prstGeom prst="rect">
             <a:avLst/>
@@ -31329,10 +30810,238 @@
             <a:noFill/>
           </a:ln>
         </p:spPr>
-      </p:pic>
+        <p:txBody>
+          <a:bodyPr anchorCtr="0" anchor="t" bIns="34275" lIns="68575" spcFirstLastPara="1" rIns="68575" wrap="square" tIns="34275">
+            <a:noAutofit/>
+          </a:bodyPr>
+          <a:lstStyle/>
+          <a:p>
+            <a:pPr indent="-342900" lvl="0" marL="457200" marR="0" rtl="0" algn="l">
+              <a:lnSpc>
+                <a:spcPct val="94000"/>
+              </a:lnSpc>
+              <a:spcBef>
+                <a:spcPts val="0"/>
+              </a:spcBef>
+              <a:spcAft>
+                <a:spcPts val="0"/>
+              </a:spcAft>
+              <a:buSzPts val="1800"/>
+              <a:buChar char="■"/>
+            </a:pPr>
+            <a:r>
+              <a:rPr lang="en-GB" sz="1800"/>
+              <a:t>Narrowed down the scope to Oil Rigs</a:t>
+            </a:r>
+            <a:endParaRPr sz="1800"/>
+          </a:p>
+          <a:p>
+            <a:pPr indent="-342900" lvl="0" marL="457200" marR="0" rtl="0" algn="l">
+              <a:lnSpc>
+                <a:spcPct val="94000"/>
+              </a:lnSpc>
+              <a:spcBef>
+                <a:spcPts val="0"/>
+              </a:spcBef>
+              <a:spcAft>
+                <a:spcPts val="0"/>
+              </a:spcAft>
+              <a:buSzPts val="1800"/>
+              <a:buChar char="■"/>
+            </a:pPr>
+            <a:r>
+              <a:rPr lang="en-GB" sz="1800"/>
+              <a:t>Market Analysis Report </a:t>
+            </a:r>
+            <a:endParaRPr sz="1800"/>
+          </a:p>
+          <a:p>
+            <a:pPr indent="-342900" lvl="1" marL="914400" marR="0" rtl="0" algn="l">
+              <a:lnSpc>
+                <a:spcPct val="94000"/>
+              </a:lnSpc>
+              <a:spcBef>
+                <a:spcPts val="0"/>
+              </a:spcBef>
+              <a:spcAft>
+                <a:spcPts val="0"/>
+              </a:spcAft>
+              <a:buSzPts val="1800"/>
+              <a:buChar char="–"/>
+            </a:pPr>
+            <a:r>
+              <a:rPr lang="en-GB" sz="1800"/>
+              <a:t>Main focus of the project</a:t>
+            </a:r>
+            <a:endParaRPr sz="1800"/>
+          </a:p>
+          <a:p>
+            <a:pPr indent="-342900" lvl="1" marL="914400" marR="0" rtl="0" algn="l">
+              <a:lnSpc>
+                <a:spcPct val="94000"/>
+              </a:lnSpc>
+              <a:spcBef>
+                <a:spcPts val="0"/>
+              </a:spcBef>
+              <a:spcAft>
+                <a:spcPts val="0"/>
+              </a:spcAft>
+              <a:buSzPts val="1800"/>
+              <a:buChar char="–"/>
+            </a:pPr>
+            <a:r>
+              <a:rPr lang="en-GB" sz="1800"/>
+              <a:t>Preliminary Report completed this week </a:t>
+            </a:r>
+            <a:endParaRPr sz="1800"/>
+          </a:p>
+          <a:p>
+            <a:pPr indent="-342900" lvl="1" marL="914400" marR="0" rtl="0" algn="l">
+              <a:lnSpc>
+                <a:spcPct val="94000"/>
+              </a:lnSpc>
+              <a:spcBef>
+                <a:spcPts val="0"/>
+              </a:spcBef>
+              <a:spcAft>
+                <a:spcPts val="0"/>
+              </a:spcAft>
+              <a:buSzPts val="1800"/>
+              <a:buChar char="–"/>
+            </a:pPr>
+            <a:r>
+              <a:rPr lang="en-GB" sz="1800"/>
+              <a:t>Final report to contain greater detail</a:t>
+            </a:r>
+            <a:endParaRPr sz="1800"/>
+          </a:p>
+          <a:p>
+            <a:pPr indent="-342900" lvl="0" marL="457200" marR="0" rtl="0" algn="l">
+              <a:lnSpc>
+                <a:spcPct val="94000"/>
+              </a:lnSpc>
+              <a:spcBef>
+                <a:spcPts val="0"/>
+              </a:spcBef>
+              <a:spcAft>
+                <a:spcPts val="0"/>
+              </a:spcAft>
+              <a:buSzPts val="1800"/>
+              <a:buChar char="■"/>
+            </a:pPr>
+            <a:r>
+              <a:rPr lang="en-GB" sz="1800"/>
+              <a:t>Prototype</a:t>
+            </a:r>
+            <a:endParaRPr sz="1800"/>
+          </a:p>
+          <a:p>
+            <a:pPr indent="-342900" lvl="1" marL="914400" marR="0" rtl="0" algn="l">
+              <a:lnSpc>
+                <a:spcPct val="94000"/>
+              </a:lnSpc>
+              <a:spcBef>
+                <a:spcPts val="0"/>
+              </a:spcBef>
+              <a:spcAft>
+                <a:spcPts val="0"/>
+              </a:spcAft>
+              <a:buSzPts val="1800"/>
+              <a:buChar char="–"/>
+            </a:pPr>
+            <a:r>
+              <a:rPr lang="en-GB" sz="1800"/>
+              <a:t>Scope has been narrowed down further to focu</a:t>
+            </a:r>
+            <a:r>
+              <a:rPr lang="en-GB" sz="1800"/>
+              <a:t>s</a:t>
+            </a:r>
+            <a:r>
+              <a:rPr lang="en-GB" sz="1800"/>
+              <a:t> on an aspect of the market where there is a gap.</a:t>
+            </a:r>
+            <a:endParaRPr sz="1800"/>
+          </a:p>
+          <a:p>
+            <a:pPr indent="-342900" lvl="1" marL="914400" marR="0" rtl="0" algn="l">
+              <a:lnSpc>
+                <a:spcPct val="94000"/>
+              </a:lnSpc>
+              <a:spcBef>
+                <a:spcPts val="0"/>
+              </a:spcBef>
+              <a:spcAft>
+                <a:spcPts val="0"/>
+              </a:spcAft>
+              <a:buSzPts val="1800"/>
+              <a:buChar char="–"/>
+            </a:pPr>
+            <a:r>
+              <a:rPr lang="en-GB" sz="1800"/>
+              <a:t>Prototype will be built and tested with the potential to add the findings of our testing to the report.</a:t>
+            </a:r>
+            <a:endParaRPr sz="1800"/>
+          </a:p>
+          <a:p>
+            <a:pPr indent="0" lvl="0" marL="0" marR="0" rtl="0" algn="l">
+              <a:lnSpc>
+                <a:spcPct val="94000"/>
+              </a:lnSpc>
+              <a:spcBef>
+                <a:spcPts val="0"/>
+              </a:spcBef>
+              <a:spcAft>
+                <a:spcPts val="0"/>
+              </a:spcAft>
+              <a:buNone/>
+            </a:pPr>
+            <a:r>
+              <a:t/>
+            </a:r>
+            <a:endParaRPr sz="1800"/>
+          </a:p>
+          <a:p>
+            <a:pPr indent="0" lvl="0" marL="0" marR="0" rtl="0" algn="l">
+              <a:lnSpc>
+                <a:spcPct val="94000"/>
+              </a:lnSpc>
+              <a:spcBef>
+                <a:spcPts val="0"/>
+              </a:spcBef>
+              <a:spcAft>
+                <a:spcPts val="0"/>
+              </a:spcAft>
+              <a:buNone/>
+            </a:pPr>
+            <a:r>
+              <a:t/>
+            </a:r>
+            <a:endParaRPr sz="1800"/>
+          </a:p>
+          <a:p>
+            <a:pPr indent="0" lvl="0" marL="0" marR="0" rtl="0" algn="l">
+              <a:lnSpc>
+                <a:spcPct val="94000"/>
+              </a:lnSpc>
+              <a:spcBef>
+                <a:spcPts val="0"/>
+              </a:spcBef>
+              <a:spcAft>
+                <a:spcPts val="0"/>
+              </a:spcAft>
+              <a:buNone/>
+            </a:pPr>
+            <a:r>
+              <a:t/>
+            </a:r>
+            <a:endParaRPr sz="1800"/>
+          </a:p>
+        </p:txBody>
+      </p:sp>
       <p:sp>
         <p:nvSpPr>
-          <p:cNvPr id="378" name="Shape 378"/>
+          <p:cNvPr id="377" name="Shape 377"/>
           <p:cNvSpPr txBox="1"/>
           <p:nvPr>
             <p:ph idx="12" type="sldNum"/>
@@ -31374,6 +31083,34 @@
           </a:p>
         </p:txBody>
       </p:sp>
+      <p:pic>
+        <p:nvPicPr>
+          <p:cNvPr id="378" name="Shape 378"/>
+          <p:cNvPicPr preferRelativeResize="0"/>
+          <p:nvPr/>
+        </p:nvPicPr>
+        <p:blipFill>
+          <a:blip r:embed="rId3">
+            <a:alphaModFix/>
+          </a:blip>
+          <a:stretch>
+            <a:fillRect/>
+          </a:stretch>
+        </p:blipFill>
+        <p:spPr>
+          <a:xfrm>
+            <a:off x="6001050" y="1097100"/>
+            <a:ext cx="2625526" cy="1870675"/>
+          </a:xfrm>
+          <a:prstGeom prst="rect">
+            <a:avLst/>
+          </a:prstGeom>
+          <a:noFill/>
+          <a:ln>
+            <a:noFill/>
+          </a:ln>
+        </p:spPr>
+      </p:pic>
     </p:spTree>
   </p:cSld>
   <p:clrMapOvr>
@@ -31409,47 +31146,31 @@
         </p:nvSpPr>
         <p:spPr>
           <a:xfrm>
-            <a:off x="1028700" y="389975"/>
-            <a:ext cx="7200900" cy="857400"/>
+            <a:off x="971550" y="322600"/>
+            <a:ext cx="7200900" cy="709200"/>
           </a:xfrm>
           <a:prstGeom prst="rect">
             <a:avLst/>
           </a:prstGeom>
-          <a:noFill/>
-          <a:ln>
-            <a:noFill/>
-          </a:ln>
         </p:spPr>
         <p:txBody>
-          <a:bodyPr anchorCtr="0" anchor="t" bIns="34275" lIns="68575" spcFirstLastPara="1" rIns="68575" wrap="square" tIns="34275">
+          <a:bodyPr anchorCtr="0" anchor="t" bIns="68575" lIns="68575" spcFirstLastPara="1" rIns="68575" wrap="square" tIns="68575">
             <a:noAutofit/>
           </a:bodyPr>
           <a:lstStyle/>
           <a:p>
-            <a:pPr indent="0" lvl="0" marL="0" marR="0" rtl="0" algn="l">
-              <a:lnSpc>
-                <a:spcPct val="89000"/>
-              </a:lnSpc>
-              <a:spcBef>
-                <a:spcPts val="0"/>
-              </a:spcBef>
-              <a:spcAft>
-                <a:spcPts val="0"/>
-              </a:spcAft>
-              <a:buClr>
-                <a:schemeClr val="dk2"/>
-              </a:buClr>
-              <a:buSzPts val="3300"/>
-              <a:buFont typeface="Source Sans Pro"/>
+            <a:pPr indent="0" lvl="0" marL="0">
+              <a:spcBef>
+                <a:spcPts val="0"/>
+              </a:spcBef>
+              <a:spcAft>
+                <a:spcPts val="0"/>
+              </a:spcAft>
               <a:buNone/>
             </a:pPr>
             <a:r>
               <a:rPr lang="en-GB" sz="4500"/>
-              <a:t>Changes to the</a:t>
-            </a:r>
-            <a:r>
-              <a:rPr lang="en-GB" sz="4500"/>
-              <a:t> Project</a:t>
+              <a:t>Action tasks since last audit</a:t>
             </a:r>
             <a:endParaRPr sz="4500"/>
           </a:p>
@@ -31465,8 +31186,215 @@
         </p:nvSpPr>
         <p:spPr>
           <a:xfrm>
-            <a:off x="1028700" y="1378050"/>
-            <a:ext cx="7200900" cy="3597900"/>
+            <a:off x="993200" y="1325175"/>
+            <a:ext cx="4140000" cy="3225900"/>
+          </a:xfrm>
+          <a:prstGeom prst="rect">
+            <a:avLst/>
+          </a:prstGeom>
+        </p:spPr>
+        <p:txBody>
+          <a:bodyPr anchorCtr="0" anchor="t" bIns="68575" lIns="68575" spcFirstLastPara="1" rIns="68575" wrap="square" tIns="68575">
+            <a:noAutofit/>
+          </a:bodyPr>
+          <a:lstStyle/>
+          <a:p>
+            <a:pPr indent="-342900" lvl="0" marL="457200" rtl="0">
+              <a:spcBef>
+                <a:spcPts val="800"/>
+              </a:spcBef>
+              <a:spcAft>
+                <a:spcPts val="0"/>
+              </a:spcAft>
+              <a:buSzPts val="1800"/>
+              <a:buChar char="■"/>
+            </a:pPr>
+            <a:r>
+              <a:rPr lang="en-GB" sz="1800"/>
+              <a:t>Preliminary report with Diagrams</a:t>
+            </a:r>
+            <a:endParaRPr sz="1800"/>
+          </a:p>
+          <a:p>
+            <a:pPr indent="-342900" lvl="1" marL="914400" rtl="0">
+              <a:spcBef>
+                <a:spcPts val="0"/>
+              </a:spcBef>
+              <a:spcAft>
+                <a:spcPts val="0"/>
+              </a:spcAft>
+              <a:buSzPts val="1800"/>
+              <a:buChar char="–"/>
+            </a:pPr>
+            <a:r>
+              <a:rPr lang="en-GB" sz="1800"/>
+              <a:t>All members </a:t>
+            </a:r>
+            <a:endParaRPr sz="1800"/>
+          </a:p>
+          <a:p>
+            <a:pPr indent="-342900" lvl="0" marL="457200" rtl="0">
+              <a:spcBef>
+                <a:spcPts val="0"/>
+              </a:spcBef>
+              <a:spcAft>
+                <a:spcPts val="0"/>
+              </a:spcAft>
+              <a:buSzPts val="1800"/>
+              <a:buChar char="■"/>
+            </a:pPr>
+            <a:r>
+              <a:rPr lang="en-GB" sz="1800"/>
+              <a:t>Planned prototype</a:t>
+            </a:r>
+            <a:endParaRPr sz="1800"/>
+          </a:p>
+          <a:p>
+            <a:pPr indent="-342900" lvl="1" marL="914400" rtl="0">
+              <a:spcBef>
+                <a:spcPts val="0"/>
+              </a:spcBef>
+              <a:spcAft>
+                <a:spcPts val="0"/>
+              </a:spcAft>
+              <a:buSzPts val="1800"/>
+              <a:buChar char="–"/>
+            </a:pPr>
+            <a:r>
+              <a:rPr lang="en-GB" sz="1800"/>
+              <a:t>Jordan</a:t>
+            </a:r>
+            <a:endParaRPr sz="1800"/>
+          </a:p>
+          <a:p>
+            <a:pPr indent="-342900" lvl="0" marL="457200" rtl="0">
+              <a:spcBef>
+                <a:spcPts val="0"/>
+              </a:spcBef>
+              <a:spcAft>
+                <a:spcPts val="0"/>
+              </a:spcAft>
+              <a:buSzPts val="1800"/>
+              <a:buChar char="■"/>
+            </a:pPr>
+            <a:r>
+              <a:rPr lang="en-GB" sz="1800"/>
+              <a:t>Managed drive</a:t>
+            </a:r>
+            <a:endParaRPr sz="1800"/>
+          </a:p>
+          <a:p>
+            <a:pPr indent="-342900" lvl="1" marL="914400" rtl="0">
+              <a:spcBef>
+                <a:spcPts val="0"/>
+              </a:spcBef>
+              <a:spcAft>
+                <a:spcPts val="0"/>
+              </a:spcAft>
+              <a:buSzPts val="1800"/>
+              <a:buChar char="–"/>
+            </a:pPr>
+            <a:r>
+              <a:rPr lang="en-GB" sz="1800"/>
+              <a:t>Rob</a:t>
+            </a:r>
+            <a:endParaRPr sz="1800"/>
+          </a:p>
+          <a:p>
+            <a:pPr indent="-342900" lvl="0" marL="457200" rtl="0">
+              <a:spcBef>
+                <a:spcPts val="0"/>
+              </a:spcBef>
+              <a:spcAft>
+                <a:spcPts val="0"/>
+              </a:spcAft>
+              <a:buSzPts val="1800"/>
+              <a:buChar char="■"/>
+            </a:pPr>
+            <a:r>
+              <a:rPr lang="en-GB" sz="1800"/>
+              <a:t>Prepared audit material</a:t>
+            </a:r>
+            <a:endParaRPr sz="1800"/>
+          </a:p>
+          <a:p>
+            <a:pPr indent="-342900" lvl="1" marL="914400" rtl="0">
+              <a:spcBef>
+                <a:spcPts val="0"/>
+              </a:spcBef>
+              <a:spcAft>
+                <a:spcPts val="0"/>
+              </a:spcAft>
+              <a:buSzPts val="1800"/>
+              <a:buChar char="–"/>
+            </a:pPr>
+            <a:r>
+              <a:rPr lang="en-GB" sz="1800"/>
+              <a:t>Rob</a:t>
+            </a:r>
+            <a:endParaRPr sz="1800"/>
+          </a:p>
+          <a:p>
+            <a:pPr indent="-342900" lvl="0" marL="457200" rtl="0">
+              <a:spcBef>
+                <a:spcPts val="0"/>
+              </a:spcBef>
+              <a:spcAft>
+                <a:spcPts val="0"/>
+              </a:spcAft>
+              <a:buSzPts val="1800"/>
+              <a:buChar char="■"/>
+            </a:pPr>
+            <a:r>
+              <a:rPr lang="en-GB" sz="1800"/>
+              <a:t>Updated GitHub landing page</a:t>
+            </a:r>
+            <a:endParaRPr sz="1800"/>
+          </a:p>
+          <a:p>
+            <a:pPr indent="-342900" lvl="1" marL="914400" rtl="0">
+              <a:spcBef>
+                <a:spcPts val="0"/>
+              </a:spcBef>
+              <a:spcAft>
+                <a:spcPts val="0"/>
+              </a:spcAft>
+              <a:buSzPts val="1800"/>
+              <a:buChar char="–"/>
+            </a:pPr>
+            <a:r>
+              <a:rPr lang="en-GB" sz="1800"/>
+              <a:t>Woojin</a:t>
+            </a:r>
+            <a:endParaRPr sz="1800"/>
+          </a:p>
+          <a:p>
+            <a:pPr indent="0" lvl="0" marL="0" rtl="0">
+              <a:spcBef>
+                <a:spcPts val="800"/>
+              </a:spcBef>
+              <a:spcAft>
+                <a:spcPts val="200"/>
+              </a:spcAft>
+              <a:buNone/>
+            </a:pPr>
+            <a:r>
+              <a:t/>
+            </a:r>
+            <a:endParaRPr/>
+          </a:p>
+        </p:txBody>
+      </p:sp>
+      <p:sp>
+        <p:nvSpPr>
+          <p:cNvPr id="385" name="Shape 385"/>
+          <p:cNvSpPr txBox="1"/>
+          <p:nvPr/>
+        </p:nvSpPr>
+        <p:spPr>
+          <a:xfrm>
+            <a:off x="4812088" y="4551075"/>
+            <a:ext cx="3692100" cy="421200"/>
           </a:xfrm>
           <a:prstGeom prst="rect">
             <a:avLst/>
@@ -31477,313 +31405,31 @@
           </a:ln>
         </p:spPr>
         <p:txBody>
-          <a:bodyPr anchorCtr="0" anchor="t" bIns="34275" lIns="68575" spcFirstLastPara="1" rIns="68575" wrap="square" tIns="34275">
+          <a:bodyPr anchorCtr="0" anchor="t" bIns="91425" lIns="91425" spcFirstLastPara="1" rIns="91425" wrap="square" tIns="91425">
             <a:noAutofit/>
           </a:bodyPr>
           <a:lstStyle/>
           <a:p>
-            <a:pPr indent="-342900" lvl="0" marL="457200" marR="0" rtl="0" algn="l">
-              <a:lnSpc>
-                <a:spcPct val="94000"/>
-              </a:lnSpc>
-              <a:spcBef>
-                <a:spcPts val="0"/>
-              </a:spcBef>
-              <a:spcAft>
-                <a:spcPts val="0"/>
-              </a:spcAft>
-              <a:buSzPts val="1800"/>
-              <a:buChar char="■"/>
+            <a:pPr indent="0" lvl="0" marL="0">
+              <a:spcBef>
+                <a:spcPts val="0"/>
+              </a:spcBef>
+              <a:spcAft>
+                <a:spcPts val="0"/>
+              </a:spcAft>
+              <a:buNone/>
             </a:pPr>
             <a:r>
-              <a:rPr lang="en-GB" sz="1800"/>
-              <a:t>Market Analysis Report </a:t>
+              <a:rPr i="1" lang="en-GB" sz="1000"/>
+              <a:t>Table of Contents of the Preliminary Market Research Report </a:t>
             </a:r>
-            <a:endParaRPr sz="1800"/>
-          </a:p>
-          <a:p>
-            <a:pPr indent="-342900" lvl="1" marL="914400" marR="0" rtl="0" algn="l">
-              <a:lnSpc>
-                <a:spcPct val="94000"/>
-              </a:lnSpc>
-              <a:spcBef>
-                <a:spcPts val="0"/>
-              </a:spcBef>
-              <a:spcAft>
-                <a:spcPts val="0"/>
-              </a:spcAft>
-              <a:buSzPts val="1800"/>
-              <a:buChar char="–"/>
-            </a:pPr>
-            <a:r>
-              <a:rPr lang="en-GB" sz="1800"/>
-              <a:t>Main focus of the project</a:t>
-            </a:r>
-            <a:endParaRPr sz="1800"/>
-          </a:p>
-          <a:p>
-            <a:pPr indent="-342900" lvl="1" marL="914400" marR="0" rtl="0" algn="l">
-              <a:lnSpc>
-                <a:spcPct val="94000"/>
-              </a:lnSpc>
-              <a:spcBef>
-                <a:spcPts val="0"/>
-              </a:spcBef>
-              <a:spcAft>
-                <a:spcPts val="0"/>
-              </a:spcAft>
-              <a:buSzPts val="1800"/>
-              <a:buChar char="–"/>
-            </a:pPr>
-            <a:r>
-              <a:rPr lang="en-GB" sz="1800"/>
-              <a:t>Preliminary Report completed this week </a:t>
-            </a:r>
-            <a:endParaRPr sz="1800"/>
-          </a:p>
-          <a:p>
-            <a:pPr indent="-342900" lvl="1" marL="914400" marR="0" rtl="0" algn="l">
-              <a:lnSpc>
-                <a:spcPct val="94000"/>
-              </a:lnSpc>
-              <a:spcBef>
-                <a:spcPts val="0"/>
-              </a:spcBef>
-              <a:spcAft>
-                <a:spcPts val="0"/>
-              </a:spcAft>
-              <a:buSzPts val="1800"/>
-              <a:buChar char="–"/>
-            </a:pPr>
-            <a:r>
-              <a:rPr lang="en-GB" sz="1800"/>
-              <a:t>Final report to contain greater detail</a:t>
-            </a:r>
-            <a:endParaRPr sz="1800"/>
-          </a:p>
-          <a:p>
-            <a:pPr indent="0" lvl="0" marL="457200" marR="0" rtl="0" algn="l">
-              <a:lnSpc>
-                <a:spcPct val="94000"/>
-              </a:lnSpc>
-              <a:spcBef>
-                <a:spcPts val="0"/>
-              </a:spcBef>
-              <a:spcAft>
-                <a:spcPts val="0"/>
-              </a:spcAft>
-              <a:buNone/>
-            </a:pPr>
-            <a:r>
-              <a:t/>
-            </a:r>
-            <a:endParaRPr sz="1800"/>
-          </a:p>
-          <a:p>
-            <a:pPr indent="-342900" lvl="0" marL="457200" marR="0" rtl="0" algn="l">
-              <a:lnSpc>
-                <a:spcPct val="94000"/>
-              </a:lnSpc>
-              <a:spcBef>
-                <a:spcPts val="0"/>
-              </a:spcBef>
-              <a:spcAft>
-                <a:spcPts val="0"/>
-              </a:spcAft>
-              <a:buSzPts val="1800"/>
-              <a:buChar char="■"/>
-            </a:pPr>
-            <a:r>
-              <a:rPr lang="en-GB" sz="1800"/>
-              <a:t>System </a:t>
-            </a:r>
-            <a:r>
-              <a:rPr lang="en-GB" sz="1800"/>
-              <a:t>Architecture</a:t>
-            </a:r>
-            <a:r>
-              <a:rPr lang="en-GB" sz="1800"/>
-              <a:t> </a:t>
-            </a:r>
-            <a:endParaRPr sz="1800"/>
-          </a:p>
-          <a:p>
-            <a:pPr indent="-342900" lvl="1" marL="914400" marR="0" rtl="0" algn="l">
-              <a:lnSpc>
-                <a:spcPct val="94000"/>
-              </a:lnSpc>
-              <a:spcBef>
-                <a:spcPts val="0"/>
-              </a:spcBef>
-              <a:spcAft>
-                <a:spcPts val="0"/>
-              </a:spcAft>
-              <a:buSzPts val="1800"/>
-              <a:buChar char="–"/>
-            </a:pPr>
-            <a:r>
-              <a:rPr lang="en-GB" sz="1800"/>
-              <a:t>Full system design </a:t>
-            </a:r>
-            <a:endParaRPr sz="1800"/>
-          </a:p>
-          <a:p>
-            <a:pPr indent="0" lvl="0" marL="457200" marR="0" rtl="0" algn="l">
-              <a:lnSpc>
-                <a:spcPct val="94000"/>
-              </a:lnSpc>
-              <a:spcBef>
-                <a:spcPts val="0"/>
-              </a:spcBef>
-              <a:spcAft>
-                <a:spcPts val="0"/>
-              </a:spcAft>
-              <a:buNone/>
-            </a:pPr>
-            <a:r>
-              <a:t/>
-            </a:r>
-            <a:endParaRPr sz="1800"/>
-          </a:p>
-          <a:p>
-            <a:pPr indent="-342900" lvl="0" marL="457200" marR="0" rtl="0" algn="l">
-              <a:lnSpc>
-                <a:spcPct val="94000"/>
-              </a:lnSpc>
-              <a:spcBef>
-                <a:spcPts val="0"/>
-              </a:spcBef>
-              <a:spcAft>
-                <a:spcPts val="0"/>
-              </a:spcAft>
-              <a:buSzPts val="1800"/>
-              <a:buChar char="■"/>
-            </a:pPr>
-            <a:r>
-              <a:rPr lang="en-GB" sz="1800"/>
-              <a:t>Prototype</a:t>
-            </a:r>
-            <a:endParaRPr sz="1800"/>
-          </a:p>
-          <a:p>
-            <a:pPr indent="-342900" lvl="1" marL="914400" marR="0" rtl="0" algn="l">
-              <a:lnSpc>
-                <a:spcPct val="94000"/>
-              </a:lnSpc>
-              <a:spcBef>
-                <a:spcPts val="0"/>
-              </a:spcBef>
-              <a:spcAft>
-                <a:spcPts val="0"/>
-              </a:spcAft>
-              <a:buSzPts val="1800"/>
-              <a:buChar char="–"/>
-            </a:pPr>
-            <a:r>
-              <a:rPr lang="en-GB" sz="1800"/>
-              <a:t>Validate path loss models </a:t>
-            </a:r>
-            <a:endParaRPr sz="1800"/>
-          </a:p>
-          <a:p>
-            <a:pPr indent="-342900" lvl="1" marL="914400" marR="0" rtl="0" algn="l">
-              <a:lnSpc>
-                <a:spcPct val="94000"/>
-              </a:lnSpc>
-              <a:spcBef>
-                <a:spcPts val="0"/>
-              </a:spcBef>
-              <a:spcAft>
-                <a:spcPts val="0"/>
-              </a:spcAft>
-              <a:buSzPts val="1800"/>
-              <a:buChar char="–"/>
-            </a:pPr>
-            <a:r>
-              <a:rPr lang="en-GB" sz="1800"/>
-              <a:t>Validate COTS products </a:t>
-            </a:r>
-            <a:endParaRPr sz="1800"/>
-          </a:p>
-          <a:p>
-            <a:pPr indent="-342900" lvl="1" marL="914400" marR="0" rtl="0" algn="l">
-              <a:lnSpc>
-                <a:spcPct val="94000"/>
-              </a:lnSpc>
-              <a:spcBef>
-                <a:spcPts val="0"/>
-              </a:spcBef>
-              <a:spcAft>
-                <a:spcPts val="0"/>
-              </a:spcAft>
-              <a:buSzPts val="1800"/>
-              <a:buChar char="–"/>
-            </a:pPr>
-            <a:r>
-              <a:rPr lang="en-GB" sz="1800"/>
-              <a:t>Proof of Concept</a:t>
-            </a:r>
-            <a:endParaRPr sz="1800"/>
-          </a:p>
-          <a:p>
-            <a:pPr indent="0" lvl="0" marL="0" marR="0" rtl="0" algn="l">
-              <a:lnSpc>
-                <a:spcPct val="94000"/>
-              </a:lnSpc>
-              <a:spcBef>
-                <a:spcPts val="0"/>
-              </a:spcBef>
-              <a:spcAft>
-                <a:spcPts val="0"/>
-              </a:spcAft>
-              <a:buNone/>
-            </a:pPr>
-            <a:r>
-              <a:t/>
-            </a:r>
-            <a:endParaRPr sz="1800"/>
-          </a:p>
-          <a:p>
-            <a:pPr indent="0" lvl="0" marL="0" marR="0" rtl="0" algn="l">
-              <a:lnSpc>
-                <a:spcPct val="94000"/>
-              </a:lnSpc>
-              <a:spcBef>
-                <a:spcPts val="0"/>
-              </a:spcBef>
-              <a:spcAft>
-                <a:spcPts val="0"/>
-              </a:spcAft>
-              <a:buNone/>
-            </a:pPr>
-            <a:r>
-              <a:t/>
-            </a:r>
-            <a:endParaRPr sz="1800"/>
-          </a:p>
-          <a:p>
-            <a:pPr indent="0" lvl="0" marL="0" marR="0" rtl="0" algn="l">
-              <a:lnSpc>
-                <a:spcPct val="94000"/>
-              </a:lnSpc>
-              <a:spcBef>
-                <a:spcPts val="0"/>
-              </a:spcBef>
-              <a:spcAft>
-                <a:spcPts val="0"/>
-              </a:spcAft>
-              <a:buNone/>
-            </a:pPr>
-            <a:r>
-              <a:t/>
-            </a:r>
-            <a:endParaRPr sz="1800"/>
+            <a:endParaRPr i="1" sz="1000"/>
           </a:p>
         </p:txBody>
       </p:sp>
       <p:sp>
         <p:nvSpPr>
-          <p:cNvPr id="385" name="Shape 385"/>
+          <p:cNvPr id="386" name="Shape 386"/>
           <p:cNvSpPr txBox="1"/>
           <p:nvPr>
             <p:ph idx="12" type="sldNum"/>
@@ -31825,6 +31471,34 @@
           </a:p>
         </p:txBody>
       </p:sp>
+      <p:pic>
+        <p:nvPicPr>
+          <p:cNvPr id="387" name="Shape 387"/>
+          <p:cNvPicPr preferRelativeResize="0"/>
+          <p:nvPr/>
+        </p:nvPicPr>
+        <p:blipFill>
+          <a:blip r:embed="rId3">
+            <a:alphaModFix/>
+          </a:blip>
+          <a:stretch>
+            <a:fillRect/>
+          </a:stretch>
+        </p:blipFill>
+        <p:spPr>
+          <a:xfrm>
+            <a:off x="4812104" y="1325175"/>
+            <a:ext cx="4013196" cy="3300750"/>
+          </a:xfrm>
+          <a:prstGeom prst="rect">
+            <a:avLst/>
+          </a:prstGeom>
+          <a:noFill/>
+          <a:ln>
+            <a:noFill/>
+          </a:ln>
+        </p:spPr>
+      </p:pic>
     </p:spTree>
   </p:cSld>
   <p:clrMapOvr>
@@ -31838,7 +31512,7 @@
   <p:cSld>
     <p:spTree>
       <p:nvGrpSpPr>
-        <p:cNvPr id="389" name="Shape 389"/>
+        <p:cNvPr id="391" name="Shape 391"/>
         <p:cNvGrpSpPr/>
         <p:nvPr/>
       </p:nvGrpSpPr>
@@ -31852,7 +31526,7 @@
       </p:grpSpPr>
       <p:sp>
         <p:nvSpPr>
-          <p:cNvPr id="390" name="Shape 390"/>
+          <p:cNvPr id="392" name="Shape 392"/>
           <p:cNvSpPr txBox="1"/>
           <p:nvPr>
             <p:ph type="title"/>
@@ -31860,8 +31534,48 @@
         </p:nvSpPr>
         <p:spPr>
           <a:xfrm>
-            <a:off x="971550" y="322600"/>
-            <a:ext cx="7200900" cy="709200"/>
+            <a:off x="873819" y="176050"/>
+            <a:ext cx="7200900" cy="1114500"/>
+          </a:xfrm>
+          <a:prstGeom prst="rect">
+            <a:avLst/>
+          </a:prstGeom>
+        </p:spPr>
+        <p:txBody>
+          <a:bodyPr anchorCtr="0" anchor="t" bIns="68575" lIns="68575" spcFirstLastPara="1" rIns="68575" wrap="square" tIns="68575">
+            <a:noAutofit/>
+          </a:bodyPr>
+          <a:lstStyle/>
+          <a:p>
+            <a:pPr indent="0" lvl="0" marL="0" rtl="0">
+              <a:spcBef>
+                <a:spcPts val="0"/>
+              </a:spcBef>
+              <a:spcAft>
+                <a:spcPts val="0"/>
+              </a:spcAft>
+              <a:buNone/>
+            </a:pPr>
+            <a:r>
+              <a:rPr lang="en-GB" sz="4500"/>
+              <a:t>Communication</a:t>
+            </a:r>
+            <a:endParaRPr sz="4500"/>
+          </a:p>
+        </p:txBody>
+      </p:sp>
+      <p:sp>
+        <p:nvSpPr>
+          <p:cNvPr id="393" name="Shape 393"/>
+          <p:cNvSpPr txBox="1"/>
+          <p:nvPr>
+            <p:ph idx="1" type="body"/>
+          </p:nvPr>
+        </p:nvSpPr>
+        <p:spPr>
+          <a:xfrm>
+            <a:off x="935400" y="1290550"/>
+            <a:ext cx="7273200" cy="3135300"/>
           </a:xfrm>
           <a:prstGeom prst="rect">
             <a:avLst/>
@@ -31875,7 +31589,7 @@
           <a:p>
             <a:pPr indent="0" lvl="0" marL="0">
               <a:spcBef>
-                <a:spcPts val="0"/>
+                <a:spcPts val="800"/>
               </a:spcBef>
               <a:spcAft>
                 <a:spcPts val="0"/>
@@ -31883,267 +31597,121 @@
               <a:buNone/>
             </a:pPr>
             <a:r>
-              <a:rPr lang="en-GB" sz="4500"/>
-              <a:t>Action tasks since last audit</a:t>
+              <a:rPr b="1" lang="en-GB" sz="1800"/>
+              <a:t>Team</a:t>
             </a:r>
-            <a:endParaRPr sz="4500"/>
+            <a:endParaRPr b="1" sz="1800"/>
+          </a:p>
+          <a:p>
+            <a:pPr indent="-342900" lvl="0" marL="457200" rtl="0">
+              <a:spcBef>
+                <a:spcPts val="800"/>
+              </a:spcBef>
+              <a:spcAft>
+                <a:spcPts val="0"/>
+              </a:spcAft>
+              <a:buSzPts val="1800"/>
+              <a:buChar char="■"/>
+            </a:pPr>
+            <a:r>
+              <a:rPr lang="en-GB" sz="1800"/>
+              <a:t>Weekly</a:t>
+            </a:r>
+            <a:r>
+              <a:rPr lang="en-GB" sz="1800"/>
+              <a:t> team meetings: Wednesday 8-10am.</a:t>
+            </a:r>
+            <a:endParaRPr sz="1800"/>
+          </a:p>
+          <a:p>
+            <a:pPr indent="-342900" lvl="0" marL="457200" rtl="0">
+              <a:spcBef>
+                <a:spcPts val="0"/>
+              </a:spcBef>
+              <a:spcAft>
+                <a:spcPts val="0"/>
+              </a:spcAft>
+              <a:buSzPts val="1800"/>
+              <a:buChar char="■"/>
+            </a:pPr>
+            <a:r>
+              <a:rPr lang="en-GB" sz="1800"/>
+              <a:t>Slack communication.</a:t>
+            </a:r>
+            <a:endParaRPr b="1" sz="1800"/>
+          </a:p>
+          <a:p>
+            <a:pPr indent="0" lvl="0" marL="0" rtl="0">
+              <a:spcBef>
+                <a:spcPts val="800"/>
+              </a:spcBef>
+              <a:spcAft>
+                <a:spcPts val="0"/>
+              </a:spcAft>
+              <a:buNone/>
+            </a:pPr>
+            <a:r>
+              <a:rPr b="1" lang="en-GB" sz="1800"/>
+              <a:t>Client</a:t>
+            </a:r>
+            <a:endParaRPr b="1" sz="1800"/>
+          </a:p>
+          <a:p>
+            <a:pPr indent="-342900" lvl="0" marL="457200" rtl="0">
+              <a:spcBef>
+                <a:spcPts val="800"/>
+              </a:spcBef>
+              <a:spcAft>
+                <a:spcPts val="0"/>
+              </a:spcAft>
+              <a:buSzPts val="1800"/>
+              <a:buChar char="■"/>
+            </a:pPr>
+            <a:r>
+              <a:rPr lang="en-GB" sz="1800"/>
+              <a:t>Weekly report to the client to update them on our progress.</a:t>
+            </a:r>
+            <a:endParaRPr sz="1800"/>
+          </a:p>
+          <a:p>
+            <a:pPr indent="-342900" lvl="0" marL="457200" rtl="0">
+              <a:spcBef>
+                <a:spcPts val="0"/>
+              </a:spcBef>
+              <a:spcAft>
+                <a:spcPts val="0"/>
+              </a:spcAft>
+              <a:buSzPts val="1800"/>
+              <a:buChar char="■"/>
+            </a:pPr>
+            <a:r>
+              <a:rPr lang="en-GB" sz="1800"/>
+              <a:t>Starting Week 5, upload Google Drive to GitHub on a weekly basis so the client can access our work.</a:t>
+            </a:r>
+            <a:endParaRPr sz="1800"/>
+          </a:p>
+          <a:p>
+            <a:pPr indent="-342900" lvl="0" marL="457200" rtl="0">
+              <a:spcBef>
+                <a:spcPts val="0"/>
+              </a:spcBef>
+              <a:spcAft>
+                <a:spcPts val="0"/>
+              </a:spcAft>
+              <a:buSzPts val="1800"/>
+              <a:buChar char="■"/>
+            </a:pPr>
+            <a:r>
+              <a:rPr lang="en-GB" sz="1800"/>
+              <a:t>Client meetings fortnightly.</a:t>
+            </a:r>
+            <a:endParaRPr sz="1800"/>
           </a:p>
         </p:txBody>
       </p:sp>
       <p:sp>
         <p:nvSpPr>
-          <p:cNvPr id="391" name="Shape 391"/>
-          <p:cNvSpPr txBox="1"/>
-          <p:nvPr>
-            <p:ph idx="1" type="body"/>
-          </p:nvPr>
-        </p:nvSpPr>
-        <p:spPr>
-          <a:xfrm>
-            <a:off x="993200" y="1325175"/>
-            <a:ext cx="4140000" cy="3225900"/>
-          </a:xfrm>
-          <a:prstGeom prst="rect">
-            <a:avLst/>
-          </a:prstGeom>
-        </p:spPr>
-        <p:txBody>
-          <a:bodyPr anchorCtr="0" anchor="t" bIns="68575" lIns="68575" spcFirstLastPara="1" rIns="68575" wrap="square" tIns="68575">
-            <a:noAutofit/>
-          </a:bodyPr>
-          <a:lstStyle/>
-          <a:p>
-            <a:pPr indent="-342900" lvl="0" marL="457200" rtl="0">
-              <a:spcBef>
-                <a:spcPts val="800"/>
-              </a:spcBef>
-              <a:spcAft>
-                <a:spcPts val="0"/>
-              </a:spcAft>
-              <a:buSzPts val="1800"/>
-              <a:buChar char="■"/>
-            </a:pPr>
-            <a:r>
-              <a:rPr lang="en-GB" sz="1800"/>
-              <a:t>Preliminary report</a:t>
-            </a:r>
-            <a:endParaRPr sz="1800"/>
-          </a:p>
-          <a:p>
-            <a:pPr indent="-342900" lvl="1" marL="914400" rtl="0">
-              <a:spcBef>
-                <a:spcPts val="0"/>
-              </a:spcBef>
-              <a:spcAft>
-                <a:spcPts val="0"/>
-              </a:spcAft>
-              <a:buSzPts val="1800"/>
-              <a:buChar char="–"/>
-            </a:pPr>
-            <a:r>
-              <a:rPr lang="en-GB" sz="1800"/>
-              <a:t>All members </a:t>
-            </a:r>
-            <a:endParaRPr sz="1800"/>
-          </a:p>
-          <a:p>
-            <a:pPr indent="-342900" lvl="0" marL="457200" rtl="0">
-              <a:spcBef>
-                <a:spcPts val="0"/>
-              </a:spcBef>
-              <a:spcAft>
-                <a:spcPts val="0"/>
-              </a:spcAft>
-              <a:buSzPts val="1800"/>
-              <a:buChar char="■"/>
-            </a:pPr>
-            <a:r>
-              <a:rPr lang="en-GB" sz="1800"/>
-              <a:t>Prepared prototype</a:t>
-            </a:r>
-            <a:endParaRPr sz="1800"/>
-          </a:p>
-          <a:p>
-            <a:pPr indent="-342900" lvl="1" marL="914400" rtl="0">
-              <a:spcBef>
-                <a:spcPts val="0"/>
-              </a:spcBef>
-              <a:spcAft>
-                <a:spcPts val="0"/>
-              </a:spcAft>
-              <a:buSzPts val="1800"/>
-              <a:buChar char="–"/>
-            </a:pPr>
-            <a:r>
-              <a:rPr lang="en-GB" sz="1800"/>
-              <a:t>Jordan</a:t>
-            </a:r>
-            <a:endParaRPr sz="1800"/>
-          </a:p>
-          <a:p>
-            <a:pPr indent="-342900" lvl="0" marL="457200" rtl="0">
-              <a:spcBef>
-                <a:spcPts val="0"/>
-              </a:spcBef>
-              <a:spcAft>
-                <a:spcPts val="0"/>
-              </a:spcAft>
-              <a:buSzPts val="1800"/>
-              <a:buChar char="■"/>
-            </a:pPr>
-            <a:r>
-              <a:rPr lang="en-GB" sz="1800"/>
-              <a:t>Managed drive</a:t>
-            </a:r>
-            <a:endParaRPr sz="1800"/>
-          </a:p>
-          <a:p>
-            <a:pPr indent="-342900" lvl="1" marL="914400" rtl="0">
-              <a:spcBef>
-                <a:spcPts val="0"/>
-              </a:spcBef>
-              <a:spcAft>
-                <a:spcPts val="0"/>
-              </a:spcAft>
-              <a:buSzPts val="1800"/>
-              <a:buChar char="–"/>
-            </a:pPr>
-            <a:r>
-              <a:rPr lang="en-GB" sz="1800"/>
-              <a:t>Rob</a:t>
-            </a:r>
-            <a:endParaRPr sz="1800"/>
-          </a:p>
-          <a:p>
-            <a:pPr indent="-342900" lvl="0" marL="457200" rtl="0">
-              <a:spcBef>
-                <a:spcPts val="0"/>
-              </a:spcBef>
-              <a:spcAft>
-                <a:spcPts val="0"/>
-              </a:spcAft>
-              <a:buSzPts val="1800"/>
-              <a:buChar char="■"/>
-            </a:pPr>
-            <a:r>
-              <a:rPr lang="en-GB" sz="1800"/>
-              <a:t>Prepared audit material</a:t>
-            </a:r>
-            <a:endParaRPr sz="1800"/>
-          </a:p>
-          <a:p>
-            <a:pPr indent="-342900" lvl="1" marL="914400" rtl="0">
-              <a:spcBef>
-                <a:spcPts val="0"/>
-              </a:spcBef>
-              <a:spcAft>
-                <a:spcPts val="0"/>
-              </a:spcAft>
-              <a:buSzPts val="1800"/>
-              <a:buChar char="–"/>
-            </a:pPr>
-            <a:r>
-              <a:rPr lang="en-GB" sz="1800"/>
-              <a:t>Rob</a:t>
-            </a:r>
-            <a:endParaRPr sz="1800"/>
-          </a:p>
-          <a:p>
-            <a:pPr indent="-342900" lvl="0" marL="457200" rtl="0">
-              <a:spcBef>
-                <a:spcPts val="0"/>
-              </a:spcBef>
-              <a:spcAft>
-                <a:spcPts val="0"/>
-              </a:spcAft>
-              <a:buSzPts val="1800"/>
-              <a:buChar char="■"/>
-            </a:pPr>
-            <a:r>
-              <a:rPr lang="en-GB" sz="1800"/>
-              <a:t>Updated GitHub landing page</a:t>
-            </a:r>
-            <a:endParaRPr sz="1800"/>
-          </a:p>
-          <a:p>
-            <a:pPr indent="-342900" lvl="1" marL="914400" rtl="0">
-              <a:spcBef>
-                <a:spcPts val="0"/>
-              </a:spcBef>
-              <a:spcAft>
-                <a:spcPts val="0"/>
-              </a:spcAft>
-              <a:buSzPts val="1800"/>
-              <a:buChar char="–"/>
-            </a:pPr>
-            <a:r>
-              <a:rPr lang="en-GB" sz="1800"/>
-              <a:t>Woojin</a:t>
-            </a:r>
-            <a:endParaRPr sz="1800"/>
-          </a:p>
-          <a:p>
-            <a:pPr indent="0" lvl="0" marL="0" rtl="0">
-              <a:spcBef>
-                <a:spcPts val="800"/>
-              </a:spcBef>
-              <a:spcAft>
-                <a:spcPts val="200"/>
-              </a:spcAft>
-              <a:buNone/>
-            </a:pPr>
-            <a:r>
-              <a:t/>
-            </a:r>
-            <a:endParaRPr/>
-          </a:p>
-        </p:txBody>
-      </p:sp>
-      <p:sp>
-        <p:nvSpPr>
-          <p:cNvPr id="392" name="Shape 392"/>
-          <p:cNvSpPr txBox="1"/>
-          <p:nvPr/>
-        </p:nvSpPr>
-        <p:spPr>
-          <a:xfrm>
-            <a:off x="5677750" y="4129875"/>
-            <a:ext cx="2624100" cy="421200"/>
-          </a:xfrm>
-          <a:prstGeom prst="rect">
-            <a:avLst/>
-          </a:prstGeom>
-          <a:noFill/>
-          <a:ln>
-            <a:noFill/>
-          </a:ln>
-        </p:spPr>
-        <p:txBody>
-          <a:bodyPr anchorCtr="0" anchor="t" bIns="91425" lIns="91425" spcFirstLastPara="1" rIns="91425" wrap="square" tIns="91425">
-            <a:noAutofit/>
-          </a:bodyPr>
-          <a:lstStyle/>
-          <a:p>
-            <a:pPr indent="0" lvl="0" marL="0" algn="ctr">
-              <a:spcBef>
-                <a:spcPts val="0"/>
-              </a:spcBef>
-              <a:spcAft>
-                <a:spcPts val="0"/>
-              </a:spcAft>
-              <a:buNone/>
-            </a:pPr>
-            <a:r>
-              <a:rPr i="1" lang="en-GB" sz="1000"/>
-              <a:t>Table of Contents of Preliminary Market Research Report </a:t>
-            </a:r>
-            <a:endParaRPr i="1" sz="1000"/>
-          </a:p>
-        </p:txBody>
-      </p:sp>
-      <p:sp>
-        <p:nvSpPr>
-          <p:cNvPr id="393" name="Shape 393"/>
+          <p:cNvPr id="394" name="Shape 394"/>
           <p:cNvSpPr txBox="1"/>
           <p:nvPr>
             <p:ph idx="12" type="sldNum"/>
@@ -32198,7 +31766,7 @@
   <p:cSld>
     <p:spTree>
       <p:nvGrpSpPr>
-        <p:cNvPr id="397" name="Shape 397"/>
+        <p:cNvPr id="398" name="Shape 398"/>
         <p:cNvGrpSpPr/>
         <p:nvPr/>
       </p:nvGrpSpPr>
@@ -32212,7 +31780,7 @@
       </p:grpSpPr>
       <p:sp>
         <p:nvSpPr>
-          <p:cNvPr id="398" name="Shape 398"/>
+          <p:cNvPr id="399" name="Shape 399"/>
           <p:cNvSpPr txBox="1"/>
           <p:nvPr>
             <p:ph type="title"/>
@@ -32220,7 +31788,7 @@
         </p:nvSpPr>
         <p:spPr>
           <a:xfrm>
-            <a:off x="864269" y="376450"/>
+            <a:off x="971544" y="335550"/>
             <a:ext cx="7200900" cy="1114500"/>
           </a:xfrm>
           <a:prstGeom prst="rect">
@@ -32244,7 +31812,7 @@
             </a:pPr>
             <a:r>
               <a:rPr lang="en-GB" sz="4500"/>
-              <a:t>Team Communication</a:t>
+              <a:t>Implementation of Feedback</a:t>
             </a:r>
             <a:endParaRPr sz="4500"/>
           </a:p>
@@ -32252,7 +31820,7 @@
       </p:sp>
       <p:sp>
         <p:nvSpPr>
-          <p:cNvPr id="399" name="Shape 399"/>
+          <p:cNvPr id="400" name="Shape 400"/>
           <p:cNvSpPr txBox="1"/>
           <p:nvPr>
             <p:ph idx="1" type="body"/>
@@ -32260,8 +31828,8 @@
         </p:nvSpPr>
         <p:spPr>
           <a:xfrm>
-            <a:off x="1028700" y="1369725"/>
-            <a:ext cx="7273200" cy="3135300"/>
+            <a:off x="1033800" y="1214075"/>
+            <a:ext cx="7200900" cy="3674100"/>
           </a:xfrm>
           <a:prstGeom prst="rect">
             <a:avLst/>
@@ -32284,7 +31852,7 @@
             </a:pPr>
             <a:r>
               <a:rPr b="1" lang="en-GB" sz="1800"/>
-              <a:t>Team</a:t>
+              <a:t>Ways of receiving feedback</a:t>
             </a:r>
             <a:endParaRPr b="1" sz="1800"/>
           </a:p>
@@ -32297,20 +31865,16 @@
                 <a:spcPts val="0"/>
               </a:spcAft>
               <a:buSzPts val="1800"/>
-              <a:buChar char="■"/>
+              <a:buChar char="-"/>
             </a:pPr>
             <a:r>
-              <a:rPr lang="en-GB" sz="1800"/>
-              <a:t>Weekly</a:t>
+              <a:rPr i="1" lang="en-GB" sz="1800"/>
+              <a:t>Observers (Meetings and Audits)</a:t>
             </a:r>
-            <a:r>
-              <a:rPr lang="en-GB" sz="1800"/>
-              <a:t> team meetings: Wednesday 8-10am.</a:t>
-            </a:r>
-            <a:endParaRPr sz="1800"/>
+            <a:endParaRPr i="1" sz="1800"/>
           </a:p>
           <a:p>
-            <a:pPr indent="-342900" lvl="0" marL="457200">
+            <a:pPr indent="-342900" lvl="0" marL="457200" rtl="0">
               <a:spcBef>
                 <a:spcPts val="0"/>
               </a:spcBef>
@@ -32318,31 +31882,50 @@
                 <a:spcPts val="0"/>
               </a:spcAft>
               <a:buSzPts val="1800"/>
-              <a:buChar char="■"/>
+              <a:buChar char="-"/>
             </a:pPr>
             <a:r>
-              <a:rPr lang="en-GB" sz="1800"/>
-              <a:t>Slack communication.</a:t>
+              <a:rPr i="1" lang="en-GB" sz="1800"/>
+              <a:t>Tutors (Meetings and Audits)</a:t>
             </a:r>
-            <a:endParaRPr sz="1800"/>
+            <a:endParaRPr i="1" sz="1800"/>
           </a:p>
           <a:p>
-            <a:pPr indent="0" lvl="0" marL="0" rtl="0">
-              <a:spcBef>
-                <a:spcPts val="800"/>
-              </a:spcBef>
-              <a:spcAft>
-                <a:spcPts val="0"/>
-              </a:spcAft>
-              <a:buNone/>
+            <a:pPr indent="-342900" lvl="0" marL="457200" rtl="0">
+              <a:spcBef>
+                <a:spcPts val="0"/>
+              </a:spcBef>
+              <a:spcAft>
+                <a:spcPts val="0"/>
+              </a:spcAft>
+              <a:buSzPts val="1800"/>
+              <a:buChar char="-"/>
             </a:pPr>
             <a:r>
-              <a:t/>
+              <a:rPr i="1" lang="en-GB" sz="1800"/>
+              <a:t>Clients (Meetings, Audits and e-mails)</a:t>
             </a:r>
-            <a:endParaRPr b="1" sz="1800"/>
+            <a:endParaRPr i="1" sz="1800"/>
           </a:p>
           <a:p>
-            <a:pPr indent="0" lvl="0" marL="0" rtl="0">
+            <a:pPr indent="-342900" lvl="0" marL="457200" rtl="0">
+              <a:spcBef>
+                <a:spcPts val="0"/>
+              </a:spcBef>
+              <a:spcAft>
+                <a:spcPts val="0"/>
+              </a:spcAft>
+              <a:buSzPts val="1800"/>
+              <a:buChar char="-"/>
+            </a:pPr>
+            <a:r>
+              <a:rPr i="1" lang="en-GB" sz="1800"/>
+              <a:t>Team members (Meetings, Slack and Audits)</a:t>
+            </a:r>
+            <a:endParaRPr b="1" i="1" sz="1800"/>
+          </a:p>
+          <a:p>
+            <a:pPr indent="0" lvl="0" marL="0">
               <a:spcBef>
                 <a:spcPts val="800"/>
               </a:spcBef>
@@ -32353,7 +31936,7 @@
             </a:pPr>
             <a:r>
               <a:rPr b="1" lang="en-GB" sz="1800"/>
-              <a:t>Client</a:t>
+              <a:t>What we are doing to improve our project through feedback</a:t>
             </a:r>
             <a:endParaRPr b="1" sz="1800"/>
           </a:p>
@@ -32366,13 +31949,21 @@
                 <a:spcPts val="0"/>
               </a:spcAft>
               <a:buSzPts val="1800"/>
-              <a:buChar char="■"/>
+              <a:buChar char="-"/>
             </a:pPr>
             <a:r>
-              <a:rPr lang="en-GB" sz="1800"/>
-              <a:t>Weekly report to the client to update them on our progress.</a:t>
+              <a:rPr i="1" lang="en-GB" sz="1800"/>
+              <a:t>Allocated </a:t>
             </a:r>
-            <a:endParaRPr sz="1800"/>
+            <a:r>
+              <a:rPr i="1" lang="en-GB" sz="1800"/>
+              <a:t>time slot</a:t>
+            </a:r>
+            <a:r>
+              <a:rPr i="1" lang="en-GB" sz="1800"/>
+              <a:t> in our meetings to address feedback.</a:t>
+            </a:r>
+            <a:endParaRPr i="1" sz="1800"/>
           </a:p>
           <a:p>
             <a:pPr indent="-342900" lvl="0" marL="457200" rtl="0">
@@ -32383,19 +31974,52 @@
                 <a:spcPts val="0"/>
               </a:spcAft>
               <a:buSzPts val="1800"/>
-              <a:buChar char="■"/>
+              <a:buChar char="-"/>
             </a:pPr>
             <a:r>
-              <a:rPr lang="en-GB" sz="1800"/>
-              <a:t>Starting Week 5, upload Google Drive to GitHub on a weekly basis so the client can access our work.</a:t>
+              <a:rPr i="1" lang="en-GB" sz="1800"/>
+              <a:t>Understanding which pieces of feedback provide suggestions that can be useful to the project.</a:t>
             </a:r>
-            <a:endParaRPr sz="1800"/>
+            <a:endParaRPr i="1" sz="1800"/>
+          </a:p>
+          <a:p>
+            <a:pPr indent="-342900" lvl="0" marL="457200" rtl="0">
+              <a:spcBef>
+                <a:spcPts val="0"/>
+              </a:spcBef>
+              <a:spcAft>
+                <a:spcPts val="0"/>
+              </a:spcAft>
+              <a:buSzPts val="1800"/>
+              <a:buChar char="-"/>
+            </a:pPr>
+            <a:r>
+              <a:rPr i="1" lang="en-GB" sz="1800"/>
+              <a:t>Changing the way in which we approach the project (new perspective)</a:t>
+            </a:r>
+            <a:endParaRPr i="1" sz="1800"/>
+          </a:p>
+          <a:p>
+            <a:pPr indent="0" lvl="0" marL="0" rtl="0">
+              <a:spcBef>
+                <a:spcPts val="800"/>
+              </a:spcBef>
+              <a:spcAft>
+                <a:spcPts val="200"/>
+              </a:spcAft>
+              <a:buNone/>
+            </a:pPr>
+            <a:r>
+              <a:rPr b="1" lang="en-GB" sz="1800"/>
+              <a:t>Feedback is recorded on the Google Drive</a:t>
+            </a:r>
+            <a:endParaRPr b="1" sz="1800"/>
           </a:p>
         </p:txBody>
       </p:sp>
       <p:sp>
         <p:nvSpPr>
-          <p:cNvPr id="400" name="Shape 400"/>
+          <p:cNvPr id="401" name="Shape 401"/>
           <p:cNvSpPr txBox="1"/>
           <p:nvPr>
             <p:ph idx="12" type="sldNum"/>
@@ -32450,7 +32074,7 @@
   <p:cSld>
     <p:spTree>
       <p:nvGrpSpPr>
-        <p:cNvPr id="404" name="Shape 404"/>
+        <p:cNvPr id="405" name="Shape 405"/>
         <p:cNvGrpSpPr/>
         <p:nvPr/>
       </p:nvGrpSpPr>
@@ -32464,7 +32088,7 @@
       </p:grpSpPr>
       <p:sp>
         <p:nvSpPr>
-          <p:cNvPr id="405" name="Shape 405"/>
+          <p:cNvPr id="406" name="Shape 406"/>
           <p:cNvSpPr txBox="1"/>
           <p:nvPr>
             <p:ph type="title"/>
@@ -32472,7 +32096,7 @@
         </p:nvSpPr>
         <p:spPr>
           <a:xfrm>
-            <a:off x="971544" y="335550"/>
+            <a:off x="1028700" y="361950"/>
             <a:ext cx="7200900" cy="1114500"/>
           </a:xfrm>
           <a:prstGeom prst="rect">
@@ -32496,7 +32120,7 @@
             </a:pPr>
             <a:r>
               <a:rPr lang="en-GB" sz="4500"/>
-              <a:t>Implementation of Feedback</a:t>
+              <a:t>Report Progress</a:t>
             </a:r>
             <a:endParaRPr sz="4500"/>
           </a:p>
@@ -32504,7 +32128,7 @@
       </p:sp>
       <p:sp>
         <p:nvSpPr>
-          <p:cNvPr id="406" name="Shape 406"/>
+          <p:cNvPr id="407" name="Shape 407"/>
           <p:cNvSpPr txBox="1"/>
           <p:nvPr>
             <p:ph idx="1" type="body"/>
@@ -32512,8 +32136,8 @@
         </p:nvSpPr>
         <p:spPr>
           <a:xfrm>
-            <a:off x="1033800" y="1214075"/>
-            <a:ext cx="7200900" cy="3674100"/>
+            <a:off x="1028700" y="1628850"/>
+            <a:ext cx="7200900" cy="2771700"/>
           </a:xfrm>
           <a:prstGeom prst="rect">
             <a:avLst/>
@@ -32525,37 +32149,38 @@
           </a:bodyPr>
           <a:lstStyle/>
           <a:p>
-            <a:pPr indent="0" lvl="0" marL="0">
+            <a:pPr indent="-342900" lvl="0" marL="457200" rtl="0">
               <a:spcBef>
                 <a:spcPts val="800"/>
               </a:spcBef>
               <a:spcAft>
                 <a:spcPts val="0"/>
               </a:spcAft>
-              <a:buNone/>
+              <a:buSzPts val="1800"/>
+              <a:buChar char="■"/>
             </a:pPr>
             <a:r>
-              <a:rPr b="1" lang="en-GB" sz="1800"/>
-              <a:t>Ways of receiving feedback</a:t>
+              <a:rPr lang="en-GB" sz="1800"/>
+              <a:t>Analysis of the challenges a tracking system in oil rigs possess.</a:t>
             </a:r>
-            <a:endParaRPr b="1" sz="1800"/>
+            <a:endParaRPr sz="1800"/>
           </a:p>
           <a:p>
             <a:pPr indent="-342900" lvl="0" marL="457200" rtl="0">
               <a:spcBef>
-                <a:spcPts val="800"/>
+                <a:spcPts val="0"/>
               </a:spcBef>
               <a:spcAft>
                 <a:spcPts val="0"/>
               </a:spcAft>
               <a:buSzPts val="1800"/>
-              <a:buChar char="-"/>
+              <a:buChar char="■"/>
             </a:pPr>
             <a:r>
-              <a:rPr i="1" lang="en-GB" sz="1800"/>
-              <a:t>Observers (Meetings and Audits)</a:t>
+              <a:rPr lang="en-GB" sz="1800"/>
+              <a:t>Requirements breakdown .</a:t>
             </a:r>
-            <a:endParaRPr i="1" sz="1800"/>
+            <a:endParaRPr sz="1800"/>
           </a:p>
           <a:p>
             <a:pPr indent="-342900" lvl="0" marL="457200" rtl="0">
@@ -32566,13 +32191,13 @@
                 <a:spcPts val="0"/>
               </a:spcAft>
               <a:buSzPts val="1800"/>
-              <a:buChar char="-"/>
+              <a:buChar char="■"/>
             </a:pPr>
             <a:r>
-              <a:rPr i="1" lang="en-GB" sz="1800"/>
-              <a:t>Tutors (Meetings and Audits)</a:t>
+              <a:rPr lang="en-GB" sz="1800"/>
+              <a:t>Research into products and systems offered by competitors .</a:t>
             </a:r>
-            <a:endParaRPr i="1" sz="1800"/>
+            <a:endParaRPr sz="1800"/>
           </a:p>
           <a:p>
             <a:pPr indent="-342900" lvl="0" marL="457200" rtl="0">
@@ -32583,13 +32208,13 @@
                 <a:spcPts val="0"/>
               </a:spcAft>
               <a:buSzPts val="1800"/>
-              <a:buChar char="-"/>
+              <a:buChar char="■"/>
             </a:pPr>
             <a:r>
-              <a:rPr i="1" lang="en-GB" sz="1800"/>
-              <a:t>Clients (Meetings, Audits and e-mails)</a:t>
+              <a:rPr lang="en-GB" sz="1800"/>
+              <a:t>Scope for Innovation/Gaps in the market.</a:t>
             </a:r>
-            <a:endParaRPr i="1" sz="1800"/>
+            <a:endParaRPr sz="1800"/>
           </a:p>
           <a:p>
             <a:pPr indent="-342900" lvl="0" marL="457200" rtl="0">
@@ -32600,16 +32225,16 @@
                 <a:spcPts val="0"/>
               </a:spcAft>
               <a:buSzPts val="1800"/>
-              <a:buChar char="-"/>
+              <a:buChar char="■"/>
             </a:pPr>
             <a:r>
-              <a:rPr i="1" lang="en-GB" sz="1800"/>
-              <a:t>Team members (Meetings, Slack and Audits)</a:t>
+              <a:rPr lang="en-GB" sz="1800"/>
+              <a:t>House of Quality Diagram</a:t>
             </a:r>
-            <a:endParaRPr b="1" i="1" sz="1800"/>
+            <a:endParaRPr sz="1800"/>
           </a:p>
           <a:p>
-            <a:pPr indent="0" lvl="0" marL="0">
+            <a:pPr indent="0" lvl="0" marL="0" rtl="0">
               <a:spcBef>
                 <a:spcPts val="800"/>
               </a:spcBef>
@@ -32619,10 +32244,9 @@
               <a:buNone/>
             </a:pPr>
             <a:r>
-              <a:rPr b="1" lang="en-GB" sz="1800"/>
-              <a:t>What we are doing to improve our project through feedback</a:t>
+              <a:t/>
             </a:r>
-            <a:endParaRPr b="1" sz="1800"/>
+            <a:endParaRPr sz="1800"/>
           </a:p>
           <a:p>
             <a:pPr indent="-342900" lvl="0" marL="457200" rtl="0">
@@ -32633,55 +32257,34 @@
                 <a:spcPts val="0"/>
               </a:spcAft>
               <a:buSzPts val="1800"/>
-              <a:buChar char="-"/>
+              <a:buChar char="■"/>
             </a:pPr>
             <a:r>
-              <a:rPr i="1" lang="en-GB" sz="1800"/>
-              <a:t>Allocated </a:t>
+              <a:rPr lang="en-GB" sz="1800"/>
+              <a:t>We submit the preliminary report to the client tomorrow.</a:t>
             </a:r>
-            <a:r>
-              <a:rPr i="1" lang="en-GB" sz="1800"/>
-              <a:t>time slot</a:t>
-            </a:r>
-            <a:r>
-              <a:rPr i="1" lang="en-GB" sz="1800"/>
-              <a:t> in our meetings to address feedback.</a:t>
-            </a:r>
-            <a:endParaRPr i="1" sz="1800"/>
+            <a:endParaRPr sz="1800"/>
           </a:p>
           <a:p>
-            <a:pPr indent="-342900" lvl="0" marL="457200" rtl="0">
-              <a:spcBef>
-                <a:spcPts val="0"/>
-              </a:spcBef>
-              <a:spcAft>
-                <a:spcPts val="0"/>
-              </a:spcAft>
-              <a:buSzPts val="1800"/>
-              <a:buChar char="-"/>
+            <a:pPr indent="0" lvl="0" marL="0" rtl="0" algn="ctr">
+              <a:spcBef>
+                <a:spcPts val="800"/>
+              </a:spcBef>
+              <a:spcAft>
+                <a:spcPts val="0"/>
+              </a:spcAft>
+              <a:buNone/>
             </a:pPr>
             <a:r>
-              <a:rPr i="1" lang="en-GB" sz="1800"/>
-              <a:t>Understanding which pieces of feedback provide suggestions that can be useful to the project.</a:t>
+              <a:rPr lang="en-GB" sz="1800" u="sng">
+                <a:solidFill>
+                  <a:schemeClr val="hlink"/>
+                </a:solidFill>
+                <a:hlinkClick r:id="rId3"/>
+              </a:rPr>
+              <a:t>Link to Report</a:t>
             </a:r>
-            <a:endParaRPr i="1" sz="1800"/>
-          </a:p>
-          <a:p>
-            <a:pPr indent="-342900" lvl="0" marL="457200" rtl="0">
-              <a:spcBef>
-                <a:spcPts val="0"/>
-              </a:spcBef>
-              <a:spcAft>
-                <a:spcPts val="0"/>
-              </a:spcAft>
-              <a:buSzPts val="1800"/>
-              <a:buChar char="-"/>
-            </a:pPr>
-            <a:r>
-              <a:rPr i="1" lang="en-GB" sz="1800"/>
-              <a:t>Changing the way in which we approach the project (new perspective)</a:t>
-            </a:r>
-            <a:endParaRPr i="1" sz="1800"/>
+            <a:endParaRPr sz="1800"/>
           </a:p>
           <a:p>
             <a:pPr indent="0" lvl="0" marL="0" rtl="0">
@@ -32689,21 +32292,35 @@
                 <a:spcPts val="800"/>
               </a:spcBef>
               <a:spcAft>
-                <a:spcPts val="200"/>
+                <a:spcPts val="0"/>
               </a:spcAft>
               <a:buNone/>
             </a:pPr>
             <a:r>
-              <a:rPr b="1" lang="en-GB" sz="1800"/>
-              <a:t>Feedback is recorded on the Google Drive</a:t>
+              <a:t/>
             </a:r>
-            <a:endParaRPr b="1" sz="1800"/>
+            <a:endParaRPr sz="1800"/>
+          </a:p>
+          <a:p>
+            <a:pPr indent="0" lvl="0" marL="0" rtl="0">
+              <a:spcBef>
+                <a:spcPts val="800"/>
+              </a:spcBef>
+              <a:spcAft>
+                <a:spcPts val="200"/>
+              </a:spcAft>
+              <a:buNone/>
+            </a:pPr>
+            <a:r>
+              <a:t/>
+            </a:r>
+            <a:endParaRPr/>
           </a:p>
         </p:txBody>
       </p:sp>
       <p:sp>
         <p:nvSpPr>
-          <p:cNvPr id="407" name="Shape 407"/>
+          <p:cNvPr id="408" name="Shape 408"/>
           <p:cNvSpPr txBox="1"/>
           <p:nvPr>
             <p:ph idx="12" type="sldNum"/>
@@ -32758,7 +32375,7 @@
   <p:cSld>
     <p:spTree>
       <p:nvGrpSpPr>
-        <p:cNvPr id="411" name="Shape 411"/>
+        <p:cNvPr id="412" name="Shape 412"/>
         <p:cNvGrpSpPr/>
         <p:nvPr/>
       </p:nvGrpSpPr>
@@ -32772,7 +32389,7 @@
       </p:grpSpPr>
       <p:sp>
         <p:nvSpPr>
-          <p:cNvPr id="412" name="Shape 412"/>
+          <p:cNvPr id="413" name="Shape 413"/>
           <p:cNvSpPr txBox="1"/>
           <p:nvPr>
             <p:ph type="title"/>
@@ -32780,8 +32397,8 @@
         </p:nvSpPr>
         <p:spPr>
           <a:xfrm>
-            <a:off x="1028700" y="514350"/>
-            <a:ext cx="7200900" cy="1114500"/>
+            <a:off x="1028700" y="429250"/>
+            <a:ext cx="7200900" cy="740700"/>
           </a:xfrm>
           <a:prstGeom prst="rect">
             <a:avLst/>
@@ -32804,150 +32421,9 @@
             </a:pPr>
             <a:r>
               <a:rPr lang="en-GB" sz="4500"/>
-              <a:t>Report Progress</a:t>
+              <a:t>Prototype</a:t>
             </a:r>
             <a:endParaRPr sz="4500"/>
-          </a:p>
-        </p:txBody>
-      </p:sp>
-      <p:sp>
-        <p:nvSpPr>
-          <p:cNvPr id="413" name="Shape 413"/>
-          <p:cNvSpPr txBox="1"/>
-          <p:nvPr>
-            <p:ph idx="1" type="body"/>
-          </p:nvPr>
-        </p:nvSpPr>
-        <p:spPr>
-          <a:xfrm>
-            <a:off x="1028700" y="1628850"/>
-            <a:ext cx="7200900" cy="2771700"/>
-          </a:xfrm>
-          <a:prstGeom prst="rect">
-            <a:avLst/>
-          </a:prstGeom>
-        </p:spPr>
-        <p:txBody>
-          <a:bodyPr anchorCtr="0" anchor="t" bIns="68575" lIns="68575" spcFirstLastPara="1" rIns="68575" wrap="square" tIns="68575">
-            <a:noAutofit/>
-          </a:bodyPr>
-          <a:lstStyle/>
-          <a:p>
-            <a:pPr indent="-342900" lvl="0" marL="457200" rtl="0">
-              <a:spcBef>
-                <a:spcPts val="800"/>
-              </a:spcBef>
-              <a:spcAft>
-                <a:spcPts val="0"/>
-              </a:spcAft>
-              <a:buSzPts val="1800"/>
-              <a:buChar char="■"/>
-            </a:pPr>
-            <a:r>
-              <a:rPr lang="en-GB" sz="1800"/>
-              <a:t>Analysis of the challenges a tracking system in oil rigs possess</a:t>
-            </a:r>
-            <a:endParaRPr sz="1800"/>
-          </a:p>
-          <a:p>
-            <a:pPr indent="-342900" lvl="1" marL="914400" rtl="0">
-              <a:spcBef>
-                <a:spcPts val="0"/>
-              </a:spcBef>
-              <a:spcAft>
-                <a:spcPts val="0"/>
-              </a:spcAft>
-              <a:buSzPts val="1800"/>
-              <a:buChar char="–"/>
-            </a:pPr>
-            <a:r>
-              <a:rPr lang="en-GB" sz="1800"/>
-              <a:t>Environmental factors </a:t>
-            </a:r>
-            <a:endParaRPr sz="1800"/>
-          </a:p>
-          <a:p>
-            <a:pPr indent="-342900" lvl="1" marL="914400" rtl="0">
-              <a:spcBef>
-                <a:spcPts val="0"/>
-              </a:spcBef>
-              <a:spcAft>
-                <a:spcPts val="0"/>
-              </a:spcAft>
-              <a:buSzPts val="1800"/>
-              <a:buChar char="–"/>
-            </a:pPr>
-            <a:r>
-              <a:rPr lang="en-GB" sz="1800"/>
-              <a:t>Path Loss Models </a:t>
-            </a:r>
-            <a:endParaRPr sz="1800"/>
-          </a:p>
-          <a:p>
-            <a:pPr indent="-342900" lvl="0" marL="457200" rtl="0">
-              <a:spcBef>
-                <a:spcPts val="0"/>
-              </a:spcBef>
-              <a:spcAft>
-                <a:spcPts val="0"/>
-              </a:spcAft>
-              <a:buSzPts val="1800"/>
-              <a:buChar char="■"/>
-            </a:pPr>
-            <a:r>
-              <a:rPr lang="en-GB" sz="1800"/>
-              <a:t>Requirements breakdown </a:t>
-            </a:r>
-            <a:endParaRPr sz="1800"/>
-          </a:p>
-          <a:p>
-            <a:pPr indent="-342900" lvl="0" marL="457200" rtl="0">
-              <a:spcBef>
-                <a:spcPts val="0"/>
-              </a:spcBef>
-              <a:spcAft>
-                <a:spcPts val="0"/>
-              </a:spcAft>
-              <a:buSzPts val="1800"/>
-              <a:buChar char="■"/>
-            </a:pPr>
-            <a:r>
-              <a:rPr lang="en-GB" sz="1800"/>
-              <a:t>Research into products and systems offered by competitors </a:t>
-            </a:r>
-            <a:endParaRPr sz="1800"/>
-          </a:p>
-          <a:p>
-            <a:pPr indent="-342900" lvl="0" marL="457200" rtl="0">
-              <a:spcBef>
-                <a:spcPts val="0"/>
-              </a:spcBef>
-              <a:spcAft>
-                <a:spcPts val="0"/>
-              </a:spcAft>
-              <a:buSzPts val="1800"/>
-              <a:buChar char="■"/>
-            </a:pPr>
-            <a:r>
-              <a:rPr lang="en-GB" sz="1800"/>
-              <a:t>House of quality to inform decisions </a:t>
-            </a:r>
-            <a:endParaRPr sz="1800"/>
-          </a:p>
-          <a:p>
-            <a:pPr indent="0" lvl="0" marL="0" rtl="0">
-              <a:spcBef>
-                <a:spcPts val="800"/>
-              </a:spcBef>
-              <a:spcAft>
-                <a:spcPts val="200"/>
-              </a:spcAft>
-              <a:buNone/>
-            </a:pPr>
-            <a:r>
-              <a:t/>
-            </a:r>
-            <a:endParaRPr/>
           </a:p>
         </p:txBody>
       </p:sp>
@@ -32995,6 +32471,518 @@
           </a:p>
         </p:txBody>
       </p:sp>
+      <p:pic>
+        <p:nvPicPr>
+          <p:cNvPr id="415" name="Shape 415"/>
+          <p:cNvPicPr preferRelativeResize="0"/>
+          <p:nvPr/>
+        </p:nvPicPr>
+        <p:blipFill>
+          <a:blip r:embed="rId3">
+            <a:alphaModFix/>
+          </a:blip>
+          <a:stretch>
+            <a:fillRect/>
+          </a:stretch>
+        </p:blipFill>
+        <p:spPr>
+          <a:xfrm>
+            <a:off x="687775" y="1169941"/>
+            <a:ext cx="8456225" cy="2317334"/>
+          </a:xfrm>
+          <a:prstGeom prst="rect">
+            <a:avLst/>
+          </a:prstGeom>
+          <a:noFill/>
+          <a:ln>
+            <a:noFill/>
+          </a:ln>
+        </p:spPr>
+      </p:pic>
+      <p:sp>
+        <p:nvSpPr>
+          <p:cNvPr id="416" name="Shape 416"/>
+          <p:cNvSpPr txBox="1"/>
+          <p:nvPr>
+            <p:ph idx="1" type="body"/>
+          </p:nvPr>
+        </p:nvSpPr>
+        <p:spPr>
+          <a:xfrm>
+            <a:off x="687775" y="3487275"/>
+            <a:ext cx="3729000" cy="3003000"/>
+          </a:xfrm>
+          <a:prstGeom prst="rect">
+            <a:avLst/>
+          </a:prstGeom>
+          <a:noFill/>
+          <a:ln>
+            <a:noFill/>
+          </a:ln>
+        </p:spPr>
+        <p:txBody>
+          <a:bodyPr anchorCtr="0" anchor="t" bIns="68575" lIns="68575" spcFirstLastPara="1" rIns="68575" wrap="square" tIns="68575">
+            <a:noAutofit/>
+          </a:bodyPr>
+          <a:lstStyle/>
+          <a:p>
+            <a:pPr indent="0" lvl="0" marL="0" rtl="0">
+              <a:spcBef>
+                <a:spcPts val="800"/>
+              </a:spcBef>
+              <a:spcAft>
+                <a:spcPts val="0"/>
+              </a:spcAft>
+              <a:buNone/>
+            </a:pPr>
+            <a:r>
+              <a:rPr b="1" lang="en-GB" sz="1200"/>
+              <a:t>Components - All parts have been ordered</a:t>
+            </a:r>
+            <a:endParaRPr b="1" sz="1200"/>
+          </a:p>
+          <a:p>
+            <a:pPr indent="-304800" lvl="0" marL="457200" rtl="0">
+              <a:lnSpc>
+                <a:spcPct val="115000"/>
+              </a:lnSpc>
+              <a:spcBef>
+                <a:spcPts val="200"/>
+              </a:spcBef>
+              <a:spcAft>
+                <a:spcPts val="0"/>
+              </a:spcAft>
+              <a:buClr>
+                <a:schemeClr val="dk1"/>
+              </a:buClr>
+              <a:buSzPts val="1200"/>
+              <a:buFont typeface="Arial"/>
+              <a:buChar char="●"/>
+            </a:pPr>
+            <a:r>
+              <a:rPr lang="en-GB" sz="1200">
+                <a:solidFill>
+                  <a:schemeClr val="dk1"/>
+                </a:solidFill>
+                <a:latin typeface="Arial"/>
+                <a:ea typeface="Arial"/>
+                <a:cs typeface="Arial"/>
+                <a:sym typeface="Arial"/>
+              </a:rPr>
+              <a:t>2 x Arduino Uno</a:t>
+            </a:r>
+            <a:endParaRPr sz="1200">
+              <a:solidFill>
+                <a:schemeClr val="dk1"/>
+              </a:solidFill>
+              <a:latin typeface="Arial"/>
+              <a:ea typeface="Arial"/>
+              <a:cs typeface="Arial"/>
+              <a:sym typeface="Arial"/>
+            </a:endParaRPr>
+          </a:p>
+          <a:p>
+            <a:pPr indent="-304800" lvl="0" marL="457200" rtl="0">
+              <a:lnSpc>
+                <a:spcPct val="115000"/>
+              </a:lnSpc>
+              <a:spcBef>
+                <a:spcPts val="0"/>
+              </a:spcBef>
+              <a:spcAft>
+                <a:spcPts val="0"/>
+              </a:spcAft>
+              <a:buClr>
+                <a:schemeClr val="dk1"/>
+              </a:buClr>
+              <a:buSzPts val="1200"/>
+              <a:buFont typeface="Arial"/>
+              <a:buChar char="●"/>
+            </a:pPr>
+            <a:r>
+              <a:rPr lang="en-GB" sz="1200">
+                <a:solidFill>
+                  <a:schemeClr val="dk1"/>
+                </a:solidFill>
+                <a:latin typeface="Arial"/>
+                <a:ea typeface="Arial"/>
+                <a:cs typeface="Arial"/>
+                <a:sym typeface="Arial"/>
+              </a:rPr>
+              <a:t>Arduino 3 Axis Accelerometer</a:t>
+            </a:r>
+            <a:endParaRPr sz="1200">
+              <a:solidFill>
+                <a:schemeClr val="dk1"/>
+              </a:solidFill>
+              <a:latin typeface="Arial"/>
+              <a:ea typeface="Arial"/>
+              <a:cs typeface="Arial"/>
+              <a:sym typeface="Arial"/>
+            </a:endParaRPr>
+          </a:p>
+          <a:p>
+            <a:pPr indent="-304800" lvl="0" marL="457200" rtl="0">
+              <a:lnSpc>
+                <a:spcPct val="115000"/>
+              </a:lnSpc>
+              <a:spcBef>
+                <a:spcPts val="0"/>
+              </a:spcBef>
+              <a:spcAft>
+                <a:spcPts val="0"/>
+              </a:spcAft>
+              <a:buClr>
+                <a:schemeClr val="dk1"/>
+              </a:buClr>
+              <a:buSzPts val="1200"/>
+              <a:buFont typeface="Arial"/>
+              <a:buChar char="●"/>
+            </a:pPr>
+            <a:r>
+              <a:rPr lang="en-GB" sz="1200">
+                <a:solidFill>
+                  <a:schemeClr val="dk1"/>
+                </a:solidFill>
+                <a:latin typeface="Arial"/>
+                <a:ea typeface="Arial"/>
+                <a:cs typeface="Arial"/>
+                <a:sym typeface="Arial"/>
+              </a:rPr>
+              <a:t>Arduino Water/ Liquid Sensor Module</a:t>
+            </a:r>
+            <a:endParaRPr sz="1200">
+              <a:solidFill>
+                <a:schemeClr val="dk1"/>
+              </a:solidFill>
+              <a:latin typeface="Arial"/>
+              <a:ea typeface="Arial"/>
+              <a:cs typeface="Arial"/>
+              <a:sym typeface="Arial"/>
+            </a:endParaRPr>
+          </a:p>
+          <a:p>
+            <a:pPr indent="-304800" lvl="0" marL="457200" rtl="0">
+              <a:lnSpc>
+                <a:spcPct val="115000"/>
+              </a:lnSpc>
+              <a:spcBef>
+                <a:spcPts val="0"/>
+              </a:spcBef>
+              <a:spcAft>
+                <a:spcPts val="0"/>
+              </a:spcAft>
+              <a:buClr>
+                <a:schemeClr val="dk1"/>
+              </a:buClr>
+              <a:buSzPts val="1200"/>
+              <a:buFont typeface="Arial"/>
+              <a:buChar char="●"/>
+            </a:pPr>
+            <a:r>
+              <a:rPr lang="en-GB" sz="1200">
+                <a:solidFill>
+                  <a:schemeClr val="dk1"/>
+                </a:solidFill>
+                <a:latin typeface="Arial"/>
+                <a:ea typeface="Arial"/>
+                <a:cs typeface="Arial"/>
+                <a:sym typeface="Arial"/>
+              </a:rPr>
+              <a:t>Battery</a:t>
+            </a:r>
+            <a:endParaRPr sz="1200">
+              <a:solidFill>
+                <a:schemeClr val="dk1"/>
+              </a:solidFill>
+              <a:latin typeface="Arial"/>
+              <a:ea typeface="Arial"/>
+              <a:cs typeface="Arial"/>
+              <a:sym typeface="Arial"/>
+            </a:endParaRPr>
+          </a:p>
+          <a:p>
+            <a:pPr indent="-304800" lvl="0" marL="457200" rtl="0">
+              <a:lnSpc>
+                <a:spcPct val="115000"/>
+              </a:lnSpc>
+              <a:spcBef>
+                <a:spcPts val="0"/>
+              </a:spcBef>
+              <a:spcAft>
+                <a:spcPts val="0"/>
+              </a:spcAft>
+              <a:buClr>
+                <a:schemeClr val="dk1"/>
+              </a:buClr>
+              <a:buSzPts val="1200"/>
+              <a:buFont typeface="Arial"/>
+              <a:buChar char="●"/>
+            </a:pPr>
+            <a:r>
+              <a:rPr lang="en-GB" sz="1200">
+                <a:solidFill>
+                  <a:schemeClr val="dk1"/>
+                </a:solidFill>
+                <a:latin typeface="Arial"/>
+                <a:ea typeface="Arial"/>
+                <a:cs typeface="Arial"/>
+                <a:sym typeface="Arial"/>
+              </a:rPr>
+              <a:t>Wireless Transmitter</a:t>
+            </a:r>
+            <a:endParaRPr sz="1200">
+              <a:solidFill>
+                <a:schemeClr val="dk1"/>
+              </a:solidFill>
+              <a:latin typeface="Arial"/>
+              <a:ea typeface="Arial"/>
+              <a:cs typeface="Arial"/>
+              <a:sym typeface="Arial"/>
+            </a:endParaRPr>
+          </a:p>
+          <a:p>
+            <a:pPr indent="0" lvl="0" marL="0" rtl="0">
+              <a:spcBef>
+                <a:spcPts val="800"/>
+              </a:spcBef>
+              <a:spcAft>
+                <a:spcPts val="200"/>
+              </a:spcAft>
+              <a:buNone/>
+            </a:pPr>
+            <a:r>
+              <a:t/>
+            </a:r>
+            <a:endParaRPr b="1" sz="1200"/>
+          </a:p>
+        </p:txBody>
+      </p:sp>
+      <p:sp>
+        <p:nvSpPr>
+          <p:cNvPr id="417" name="Shape 417"/>
+          <p:cNvSpPr txBox="1"/>
+          <p:nvPr>
+            <p:ph idx="1" type="body"/>
+          </p:nvPr>
+        </p:nvSpPr>
+        <p:spPr>
+          <a:xfrm>
+            <a:off x="4884225" y="3490350"/>
+            <a:ext cx="3729000" cy="3003000"/>
+          </a:xfrm>
+          <a:prstGeom prst="rect">
+            <a:avLst/>
+          </a:prstGeom>
+        </p:spPr>
+        <p:txBody>
+          <a:bodyPr anchorCtr="0" anchor="t" bIns="68575" lIns="68575" spcFirstLastPara="1" rIns="68575" wrap="square" tIns="68575">
+            <a:noAutofit/>
+          </a:bodyPr>
+          <a:lstStyle/>
+          <a:p>
+            <a:pPr indent="0" lvl="0" marL="0" rtl="0">
+              <a:lnSpc>
+                <a:spcPct val="115000"/>
+              </a:lnSpc>
+              <a:spcBef>
+                <a:spcPts val="0"/>
+              </a:spcBef>
+              <a:spcAft>
+                <a:spcPts val="0"/>
+              </a:spcAft>
+              <a:buNone/>
+            </a:pPr>
+            <a:r>
+              <a:t/>
+            </a:r>
+            <a:endParaRPr sz="1200">
+              <a:solidFill>
+                <a:schemeClr val="dk1"/>
+              </a:solidFill>
+              <a:latin typeface="Arial"/>
+              <a:ea typeface="Arial"/>
+              <a:cs typeface="Arial"/>
+              <a:sym typeface="Arial"/>
+            </a:endParaRPr>
+          </a:p>
+          <a:p>
+            <a:pPr indent="-304800" lvl="0" marL="457200" rtl="0">
+              <a:lnSpc>
+                <a:spcPct val="115000"/>
+              </a:lnSpc>
+              <a:spcBef>
+                <a:spcPts val="0"/>
+              </a:spcBef>
+              <a:spcAft>
+                <a:spcPts val="0"/>
+              </a:spcAft>
+              <a:buClr>
+                <a:schemeClr val="dk1"/>
+              </a:buClr>
+              <a:buSzPts val="1200"/>
+              <a:buFont typeface="Arial"/>
+              <a:buChar char="●"/>
+            </a:pPr>
+            <a:r>
+              <a:rPr lang="en-GB" sz="1200">
+                <a:solidFill>
+                  <a:schemeClr val="dk1"/>
+                </a:solidFill>
+                <a:latin typeface="Arial"/>
+                <a:ea typeface="Arial"/>
+                <a:cs typeface="Arial"/>
+                <a:sym typeface="Arial"/>
+              </a:rPr>
+              <a:t>Wireless Receiver</a:t>
+            </a:r>
+            <a:endParaRPr sz="1200">
+              <a:solidFill>
+                <a:schemeClr val="dk1"/>
+              </a:solidFill>
+              <a:latin typeface="Arial"/>
+              <a:ea typeface="Arial"/>
+              <a:cs typeface="Arial"/>
+              <a:sym typeface="Arial"/>
+            </a:endParaRPr>
+          </a:p>
+          <a:p>
+            <a:pPr indent="-304800" lvl="0" marL="457200" rtl="0">
+              <a:lnSpc>
+                <a:spcPct val="115000"/>
+              </a:lnSpc>
+              <a:spcBef>
+                <a:spcPts val="0"/>
+              </a:spcBef>
+              <a:spcAft>
+                <a:spcPts val="0"/>
+              </a:spcAft>
+              <a:buClr>
+                <a:schemeClr val="dk1"/>
+              </a:buClr>
+              <a:buSzPts val="1200"/>
+              <a:buFont typeface="Arial"/>
+              <a:buChar char="●"/>
+            </a:pPr>
+            <a:r>
+              <a:rPr lang="en-GB" sz="1200">
+                <a:solidFill>
+                  <a:schemeClr val="dk1"/>
+                </a:solidFill>
+                <a:latin typeface="Arial"/>
+                <a:ea typeface="Arial"/>
+                <a:cs typeface="Arial"/>
+                <a:sym typeface="Arial"/>
+              </a:rPr>
+              <a:t>Universal Pre-Punched Experimenters Board - Small</a:t>
+            </a:r>
+            <a:endParaRPr sz="1200">
+              <a:solidFill>
+                <a:schemeClr val="dk1"/>
+              </a:solidFill>
+              <a:latin typeface="Arial"/>
+              <a:ea typeface="Arial"/>
+              <a:cs typeface="Arial"/>
+              <a:sym typeface="Arial"/>
+            </a:endParaRPr>
+          </a:p>
+          <a:p>
+            <a:pPr indent="-304800" lvl="0" marL="457200" rtl="0">
+              <a:lnSpc>
+                <a:spcPct val="115000"/>
+              </a:lnSpc>
+              <a:spcBef>
+                <a:spcPts val="0"/>
+              </a:spcBef>
+              <a:spcAft>
+                <a:spcPts val="0"/>
+              </a:spcAft>
+              <a:buClr>
+                <a:schemeClr val="dk1"/>
+              </a:buClr>
+              <a:buSzPts val="1200"/>
+              <a:buFont typeface="Arial"/>
+              <a:buChar char="●"/>
+            </a:pPr>
+            <a:r>
+              <a:rPr lang="en-GB" sz="1200">
+                <a:solidFill>
+                  <a:schemeClr val="dk1"/>
+                </a:solidFill>
+                <a:latin typeface="Arial"/>
+                <a:ea typeface="Arial"/>
+                <a:cs typeface="Arial"/>
+                <a:sym typeface="Arial"/>
+              </a:rPr>
+              <a:t>1/4 Watt Carbon Film Resistors -300 Pieces</a:t>
+            </a:r>
+            <a:endParaRPr sz="1200">
+              <a:solidFill>
+                <a:schemeClr val="dk1"/>
+              </a:solidFill>
+              <a:latin typeface="Arial"/>
+              <a:ea typeface="Arial"/>
+              <a:cs typeface="Arial"/>
+              <a:sym typeface="Arial"/>
+            </a:endParaRPr>
+          </a:p>
+          <a:p>
+            <a:pPr indent="-304800" lvl="0" marL="457200" rtl="0">
+              <a:lnSpc>
+                <a:spcPct val="115000"/>
+              </a:lnSpc>
+              <a:spcBef>
+                <a:spcPts val="0"/>
+              </a:spcBef>
+              <a:spcAft>
+                <a:spcPts val="0"/>
+              </a:spcAft>
+              <a:buClr>
+                <a:schemeClr val="dk1"/>
+              </a:buClr>
+              <a:buSzPts val="1200"/>
+              <a:buFont typeface="Arial"/>
+              <a:buChar char="●"/>
+            </a:pPr>
+            <a:r>
+              <a:rPr lang="en-GB" sz="1200">
+                <a:solidFill>
+                  <a:schemeClr val="dk1"/>
+                </a:solidFill>
+                <a:latin typeface="Arial"/>
+                <a:ea typeface="Arial"/>
+                <a:cs typeface="Arial"/>
+                <a:sym typeface="Arial"/>
+              </a:rPr>
+              <a:t>Arduino 3 axis accelerometer </a:t>
+            </a:r>
+            <a:endParaRPr sz="1200">
+              <a:solidFill>
+                <a:schemeClr val="dk1"/>
+              </a:solidFill>
+              <a:latin typeface="Arial"/>
+              <a:ea typeface="Arial"/>
+              <a:cs typeface="Arial"/>
+              <a:sym typeface="Arial"/>
+            </a:endParaRPr>
+          </a:p>
+          <a:p>
+            <a:pPr indent="0" lvl="0" marL="0" rtl="0">
+              <a:spcBef>
+                <a:spcPts val="800"/>
+              </a:spcBef>
+              <a:spcAft>
+                <a:spcPts val="200"/>
+              </a:spcAft>
+              <a:buNone/>
+            </a:pPr>
+            <a:r>
+              <a:t/>
+            </a:r>
+            <a:endParaRPr b="1" sz="1200"/>
+          </a:p>
+        </p:txBody>
+      </p:sp>
     </p:spTree>
   </p:cSld>
   <p:clrMapOvr>
@@ -33008,7 +32996,7 @@
   <p:cSld>
     <p:spTree>
       <p:nvGrpSpPr>
-        <p:cNvPr id="418" name="Shape 418"/>
+        <p:cNvPr id="421" name="Shape 421"/>
         <p:cNvGrpSpPr/>
         <p:nvPr/>
       </p:nvGrpSpPr>
@@ -33022,7 +33010,7 @@
       </p:grpSpPr>
       <p:sp>
         <p:nvSpPr>
-          <p:cNvPr id="419" name="Shape 419"/>
+          <p:cNvPr id="422" name="Shape 422"/>
           <p:cNvSpPr txBox="1"/>
           <p:nvPr>
             <p:ph type="title"/>
@@ -33030,7 +33018,7 @@
         </p:nvSpPr>
         <p:spPr>
           <a:xfrm>
-            <a:off x="1028700" y="514350"/>
+            <a:off x="1028700" y="448175"/>
             <a:ext cx="7200900" cy="740700"/>
           </a:xfrm>
           <a:prstGeom prst="rect">
@@ -33054,7 +33042,7 @@
             </a:pPr>
             <a:r>
               <a:rPr lang="en-GB" sz="4500"/>
-              <a:t>Prototype</a:t>
+              <a:t>Prototype-Iterative Process </a:t>
             </a:r>
             <a:endParaRPr sz="4500"/>
           </a:p>
@@ -33062,435 +33050,237 @@
       </p:sp>
       <p:sp>
         <p:nvSpPr>
-          <p:cNvPr id="420" name="Shape 420"/>
+          <p:cNvPr id="423" name="Shape 423"/>
           <p:cNvSpPr txBox="1"/>
-          <p:nvPr>
-            <p:ph idx="1" type="body"/>
-          </p:nvPr>
+          <p:nvPr/>
         </p:nvSpPr>
         <p:spPr>
           <a:xfrm>
-            <a:off x="4469450" y="1432900"/>
-            <a:ext cx="4450500" cy="3307200"/>
+            <a:off x="1236425" y="1735150"/>
+            <a:ext cx="7451400" cy="3082800"/>
           </a:xfrm>
           <a:prstGeom prst="rect">
             <a:avLst/>
           </a:prstGeom>
+          <a:noFill/>
+          <a:ln>
+            <a:noFill/>
+          </a:ln>
         </p:spPr>
         <p:txBody>
-          <a:bodyPr anchorCtr="0" anchor="t" bIns="68575" lIns="68575" spcFirstLastPara="1" rIns="68575" wrap="square" tIns="68575">
+          <a:bodyPr anchorCtr="0" anchor="t" bIns="91425" lIns="91425" spcFirstLastPara="1" rIns="91425" wrap="square" tIns="91425">
             <a:noAutofit/>
           </a:bodyPr>
           <a:lstStyle/>
           <a:p>
-            <a:pPr indent="0" lvl="0" marL="0" rtl="0">
-              <a:spcBef>
-                <a:spcPts val="800"/>
-              </a:spcBef>
-              <a:spcAft>
-                <a:spcPts val="0"/>
-              </a:spcAft>
-              <a:buNone/>
+            <a:pPr indent="-342900" lvl="0" marL="457200" rtl="0">
+              <a:spcBef>
+                <a:spcPts val="0"/>
+              </a:spcBef>
+              <a:spcAft>
+                <a:spcPts val="0"/>
+              </a:spcAft>
+              <a:buSzPts val="1800"/>
+              <a:buFont typeface="Source Sans Pro"/>
+              <a:buChar char="■"/>
             </a:pPr>
             <a:r>
-              <a:rPr b="1" lang="en-GB" sz="1400"/>
-              <a:t>Components</a:t>
+              <a:rPr lang="en-GB" sz="1800">
+                <a:latin typeface="Source Sans Pro"/>
+                <a:ea typeface="Source Sans Pro"/>
+                <a:cs typeface="Source Sans Pro"/>
+                <a:sym typeface="Source Sans Pro"/>
+              </a:rPr>
+              <a:t>Iteration 1: Wireless </a:t>
             </a:r>
-            <a:endParaRPr b="1" sz="1400"/>
-          </a:p>
-          <a:p>
-            <a:pPr indent="-317500" lvl="0" marL="457200" rtl="0">
-              <a:lnSpc>
-                <a:spcPct val="115000"/>
-              </a:lnSpc>
-              <a:spcBef>
-                <a:spcPts val="200"/>
-              </a:spcBef>
-              <a:spcAft>
-                <a:spcPts val="0"/>
-              </a:spcAft>
-              <a:buClr>
-                <a:schemeClr val="dk1"/>
-              </a:buClr>
-              <a:buSzPts val="1400"/>
-              <a:buChar char="●"/>
-            </a:pPr>
             <a:r>
-              <a:rPr lang="en-GB" sz="1400">
-                <a:solidFill>
-                  <a:schemeClr val="dk1"/>
-                </a:solidFill>
+              <a:rPr lang="en-GB" sz="1800">
+                <a:latin typeface="Source Sans Pro"/>
+                <a:ea typeface="Source Sans Pro"/>
+                <a:cs typeface="Source Sans Pro"/>
+                <a:sym typeface="Source Sans Pro"/>
               </a:rPr>
-              <a:t>2 x Arduino Uno</a:t>
+              <a:t>transmitting</a:t>
             </a:r>
-            <a:endParaRPr sz="1400">
-              <a:solidFill>
-                <a:schemeClr val="dk1"/>
-              </a:solidFill>
+            <a:r>
+              <a:rPr lang="en-GB" sz="1800">
+                <a:latin typeface="Source Sans Pro"/>
+                <a:ea typeface="Source Sans Pro"/>
+                <a:cs typeface="Source Sans Pro"/>
+                <a:sym typeface="Source Sans Pro"/>
+              </a:rPr>
+              <a:t> and receiving</a:t>
+            </a:r>
+            <a:endParaRPr sz="1800">
+              <a:latin typeface="Source Sans Pro"/>
+              <a:ea typeface="Source Sans Pro"/>
+              <a:cs typeface="Source Sans Pro"/>
+              <a:sym typeface="Source Sans Pro"/>
             </a:endParaRPr>
           </a:p>
           <a:p>
-            <a:pPr indent="-317500" lvl="0" marL="457200" rtl="0">
-              <a:lnSpc>
-                <a:spcPct val="115000"/>
-              </a:lnSpc>
-              <a:spcBef>
-                <a:spcPts val="0"/>
-              </a:spcBef>
-              <a:spcAft>
-                <a:spcPts val="0"/>
-              </a:spcAft>
-              <a:buClr>
-                <a:schemeClr val="dk1"/>
-              </a:buClr>
-              <a:buSzPts val="1400"/>
-              <a:buChar char="●"/>
+            <a:pPr indent="-342900" lvl="1" marL="914400" rtl="0">
+              <a:spcBef>
+                <a:spcPts val="0"/>
+              </a:spcBef>
+              <a:spcAft>
+                <a:spcPts val="0"/>
+              </a:spcAft>
+              <a:buSzPts val="1800"/>
+              <a:buFont typeface="Source Sans Pro"/>
+              <a:buChar char="○"/>
             </a:pPr>
             <a:r>
-              <a:rPr lang="en-GB" sz="1400">
-                <a:solidFill>
-                  <a:schemeClr val="dk1"/>
-                </a:solidFill>
+              <a:rPr lang="en-GB" sz="1800">
+                <a:latin typeface="Source Sans Pro"/>
+                <a:ea typeface="Source Sans Pro"/>
+                <a:cs typeface="Source Sans Pro"/>
+                <a:sym typeface="Source Sans Pro"/>
               </a:rPr>
-              <a:t>Accelerometer</a:t>
+              <a:t>Use a basic transmitter and </a:t>
             </a:r>
-            <a:endParaRPr sz="1400">
-              <a:solidFill>
-                <a:schemeClr val="dk1"/>
-              </a:solidFill>
+            <a:r>
+              <a:rPr lang="en-GB" sz="1800">
+                <a:latin typeface="Source Sans Pro"/>
+                <a:ea typeface="Source Sans Pro"/>
+                <a:cs typeface="Source Sans Pro"/>
+                <a:sym typeface="Source Sans Pro"/>
+              </a:rPr>
+              <a:t>receiver</a:t>
+            </a:r>
+            <a:r>
+              <a:rPr lang="en-GB" sz="1800">
+                <a:latin typeface="Source Sans Pro"/>
+                <a:ea typeface="Source Sans Pro"/>
+                <a:cs typeface="Source Sans Pro"/>
+                <a:sym typeface="Source Sans Pro"/>
+              </a:rPr>
+              <a:t> module to validate path loss models and of the shelf product claims.</a:t>
+            </a:r>
+            <a:endParaRPr sz="1800">
+              <a:latin typeface="Source Sans Pro"/>
+              <a:ea typeface="Source Sans Pro"/>
+              <a:cs typeface="Source Sans Pro"/>
+              <a:sym typeface="Source Sans Pro"/>
             </a:endParaRPr>
           </a:p>
           <a:p>
-            <a:pPr indent="-317500" lvl="0" marL="457200" rtl="0">
-              <a:lnSpc>
-                <a:spcPct val="115000"/>
-              </a:lnSpc>
-              <a:spcBef>
-                <a:spcPts val="0"/>
-              </a:spcBef>
-              <a:spcAft>
-                <a:spcPts val="0"/>
-              </a:spcAft>
-              <a:buClr>
-                <a:schemeClr val="dk1"/>
-              </a:buClr>
-              <a:buSzPts val="1400"/>
-              <a:buChar char="●"/>
+            <a:pPr indent="-342900" lvl="0" marL="457200" rtl="0">
+              <a:spcBef>
+                <a:spcPts val="0"/>
+              </a:spcBef>
+              <a:spcAft>
+                <a:spcPts val="0"/>
+              </a:spcAft>
+              <a:buSzPts val="1800"/>
+              <a:buFont typeface="Source Sans Pro"/>
+              <a:buChar char="■"/>
             </a:pPr>
             <a:r>
-              <a:rPr lang="en-GB" sz="1400">
-                <a:solidFill>
-                  <a:schemeClr val="dk1"/>
-                </a:solidFill>
+              <a:rPr lang="en-GB" sz="1800">
+                <a:latin typeface="Source Sans Pro"/>
+                <a:ea typeface="Source Sans Pro"/>
+                <a:cs typeface="Source Sans Pro"/>
+                <a:sym typeface="Source Sans Pro"/>
               </a:rPr>
-              <a:t>Arduino Water/ Liquid Sensor Module</a:t>
+              <a:t>Iteration 2: Accelerometer</a:t>
             </a:r>
-            <a:endParaRPr sz="1400">
-              <a:solidFill>
-                <a:schemeClr val="dk1"/>
-              </a:solidFill>
+            <a:endParaRPr sz="1800">
+              <a:latin typeface="Source Sans Pro"/>
+              <a:ea typeface="Source Sans Pro"/>
+              <a:cs typeface="Source Sans Pro"/>
+              <a:sym typeface="Source Sans Pro"/>
             </a:endParaRPr>
           </a:p>
           <a:p>
-            <a:pPr indent="-317500" lvl="0" marL="457200" rtl="0">
-              <a:lnSpc>
-                <a:spcPct val="115000"/>
-              </a:lnSpc>
-              <a:spcBef>
-                <a:spcPts val="0"/>
-              </a:spcBef>
-              <a:spcAft>
-                <a:spcPts val="0"/>
-              </a:spcAft>
-              <a:buClr>
-                <a:schemeClr val="dk1"/>
-              </a:buClr>
-              <a:buSzPts val="1400"/>
-              <a:buChar char="●"/>
+            <a:pPr indent="-342900" lvl="1" marL="914400" rtl="0">
+              <a:spcBef>
+                <a:spcPts val="0"/>
+              </a:spcBef>
+              <a:spcAft>
+                <a:spcPts val="0"/>
+              </a:spcAft>
+              <a:buSzPts val="1800"/>
+              <a:buFont typeface="Source Sans Pro"/>
+              <a:buChar char="○"/>
             </a:pPr>
             <a:r>
-              <a:rPr lang="en-GB" sz="1400">
-                <a:solidFill>
-                  <a:schemeClr val="dk1"/>
-                </a:solidFill>
+              <a:rPr lang="en-GB" sz="1800">
+                <a:latin typeface="Source Sans Pro"/>
+                <a:ea typeface="Source Sans Pro"/>
+                <a:cs typeface="Source Sans Pro"/>
+                <a:sym typeface="Source Sans Pro"/>
               </a:rPr>
-              <a:t>Battery</a:t>
+              <a:t>Add an accelerometer to the transmitter module to detect a fall .</a:t>
             </a:r>
-            <a:endParaRPr sz="1400">
-              <a:solidFill>
-                <a:schemeClr val="dk1"/>
-              </a:solidFill>
+            <a:endParaRPr sz="1800">
+              <a:latin typeface="Source Sans Pro"/>
+              <a:ea typeface="Source Sans Pro"/>
+              <a:cs typeface="Source Sans Pro"/>
+              <a:sym typeface="Source Sans Pro"/>
             </a:endParaRPr>
           </a:p>
           <a:p>
-            <a:pPr indent="-317500" lvl="0" marL="457200" rtl="0">
-              <a:lnSpc>
-                <a:spcPct val="115000"/>
-              </a:lnSpc>
-              <a:spcBef>
-                <a:spcPts val="0"/>
-              </a:spcBef>
-              <a:spcAft>
-                <a:spcPts val="0"/>
-              </a:spcAft>
-              <a:buClr>
-                <a:schemeClr val="dk1"/>
-              </a:buClr>
-              <a:buSzPts val="1400"/>
-              <a:buChar char="●"/>
+            <a:pPr indent="-342900" lvl="0" marL="457200" rtl="0">
+              <a:spcBef>
+                <a:spcPts val="0"/>
+              </a:spcBef>
+              <a:spcAft>
+                <a:spcPts val="0"/>
+              </a:spcAft>
+              <a:buSzPts val="1800"/>
+              <a:buFont typeface="Source Sans Pro"/>
+              <a:buChar char="■"/>
             </a:pPr>
             <a:r>
-              <a:rPr lang="en-GB" sz="1400">
-                <a:solidFill>
-                  <a:schemeClr val="dk1"/>
-                </a:solidFill>
+              <a:rPr lang="en-GB" sz="1800">
+                <a:latin typeface="Source Sans Pro"/>
+                <a:ea typeface="Source Sans Pro"/>
+                <a:cs typeface="Source Sans Pro"/>
+                <a:sym typeface="Source Sans Pro"/>
               </a:rPr>
-              <a:t>Wireless Transmitter</a:t>
+              <a:t>Iteration 3: Water Sensor</a:t>
             </a:r>
-            <a:endParaRPr sz="1400">
-              <a:solidFill>
-                <a:schemeClr val="dk1"/>
-              </a:solidFill>
+            <a:endParaRPr sz="1800">
+              <a:latin typeface="Source Sans Pro"/>
+              <a:ea typeface="Source Sans Pro"/>
+              <a:cs typeface="Source Sans Pro"/>
+              <a:sym typeface="Source Sans Pro"/>
             </a:endParaRPr>
           </a:p>
           <a:p>
-            <a:pPr indent="-317500" lvl="0" marL="457200" rtl="0">
-              <a:lnSpc>
-                <a:spcPct val="115000"/>
-              </a:lnSpc>
-              <a:spcBef>
-                <a:spcPts val="0"/>
-              </a:spcBef>
-              <a:spcAft>
-                <a:spcPts val="0"/>
-              </a:spcAft>
-              <a:buClr>
-                <a:schemeClr val="dk1"/>
-              </a:buClr>
-              <a:buSzPts val="1400"/>
-              <a:buChar char="●"/>
+            <a:pPr indent="-342900" lvl="1" marL="914400" rtl="0">
+              <a:spcBef>
+                <a:spcPts val="0"/>
+              </a:spcBef>
+              <a:spcAft>
+                <a:spcPts val="0"/>
+              </a:spcAft>
+              <a:buSzPts val="1800"/>
+              <a:buFont typeface="Source Sans Pro"/>
+              <a:buChar char="○"/>
             </a:pPr>
             <a:r>
-              <a:rPr lang="en-GB" sz="1400">
-                <a:solidFill>
-                  <a:schemeClr val="dk1"/>
-                </a:solidFill>
+              <a:rPr lang="en-GB" sz="1800">
+                <a:latin typeface="Source Sans Pro"/>
+                <a:ea typeface="Source Sans Pro"/>
+                <a:cs typeface="Source Sans Pro"/>
+                <a:sym typeface="Source Sans Pro"/>
               </a:rPr>
-              <a:t>Wireless Receiver</a:t>
+              <a:t>Add a water sensor to detect a fall into the ocean.</a:t>
             </a:r>
-            <a:endParaRPr sz="1400">
-              <a:solidFill>
-                <a:schemeClr val="dk1"/>
-              </a:solidFill>
+            <a:endParaRPr sz="1800">
+              <a:latin typeface="Source Sans Pro"/>
+              <a:ea typeface="Source Sans Pro"/>
+              <a:cs typeface="Source Sans Pro"/>
+              <a:sym typeface="Source Sans Pro"/>
             </a:endParaRPr>
-          </a:p>
-          <a:p>
-            <a:pPr indent="-317500" lvl="0" marL="457200" rtl="0">
-              <a:lnSpc>
-                <a:spcPct val="115000"/>
-              </a:lnSpc>
-              <a:spcBef>
-                <a:spcPts val="0"/>
-              </a:spcBef>
-              <a:spcAft>
-                <a:spcPts val="0"/>
-              </a:spcAft>
-              <a:buClr>
-                <a:schemeClr val="dk1"/>
-              </a:buClr>
-              <a:buSzPts val="1400"/>
-              <a:buChar char="●"/>
-            </a:pPr>
-            <a:r>
-              <a:rPr lang="en-GB" sz="1400">
-                <a:solidFill>
-                  <a:schemeClr val="dk1"/>
-                </a:solidFill>
-              </a:rPr>
-              <a:t>Universal Pre-Punched Experimenters Board - Small</a:t>
-            </a:r>
-            <a:endParaRPr sz="1400">
-              <a:solidFill>
-                <a:schemeClr val="dk1"/>
-              </a:solidFill>
-            </a:endParaRPr>
-          </a:p>
-          <a:p>
-            <a:pPr indent="-317500" lvl="0" marL="457200" rtl="0">
-              <a:lnSpc>
-                <a:spcPct val="115000"/>
-              </a:lnSpc>
-              <a:spcBef>
-                <a:spcPts val="0"/>
-              </a:spcBef>
-              <a:spcAft>
-                <a:spcPts val="0"/>
-              </a:spcAft>
-              <a:buClr>
-                <a:schemeClr val="dk1"/>
-              </a:buClr>
-              <a:buSzPts val="1400"/>
-              <a:buChar char="●"/>
-            </a:pPr>
-            <a:r>
-              <a:rPr lang="en-GB" sz="1400">
-                <a:solidFill>
-                  <a:schemeClr val="dk1"/>
-                </a:solidFill>
-              </a:rPr>
-              <a:t>1/4 Watt Carbon Film Resistors -300 Pieces</a:t>
-            </a:r>
-            <a:endParaRPr sz="1400">
-              <a:solidFill>
-                <a:schemeClr val="dk1"/>
-              </a:solidFill>
-            </a:endParaRPr>
-          </a:p>
-          <a:p>
-            <a:pPr indent="-317500" lvl="0" marL="457200" rtl="0">
-              <a:lnSpc>
-                <a:spcPct val="115000"/>
-              </a:lnSpc>
-              <a:spcBef>
-                <a:spcPts val="0"/>
-              </a:spcBef>
-              <a:spcAft>
-                <a:spcPts val="0"/>
-              </a:spcAft>
-              <a:buClr>
-                <a:schemeClr val="dk1"/>
-              </a:buClr>
-              <a:buSzPts val="1400"/>
-              <a:buChar char="●"/>
-            </a:pPr>
-            <a:r>
-              <a:rPr lang="en-GB" sz="1400">
-                <a:solidFill>
-                  <a:schemeClr val="dk1"/>
-                </a:solidFill>
-              </a:rPr>
-              <a:t>Arduino 3 axis </a:t>
-            </a:r>
-            <a:r>
-              <a:rPr lang="en-GB" sz="1400">
-                <a:solidFill>
-                  <a:schemeClr val="dk1"/>
-                </a:solidFill>
-              </a:rPr>
-              <a:t>accelerometer</a:t>
-            </a:r>
-            <a:r>
-              <a:rPr lang="en-GB" sz="1400">
-                <a:solidFill>
-                  <a:schemeClr val="dk1"/>
-                </a:solidFill>
-              </a:rPr>
-              <a:t> </a:t>
-            </a:r>
-            <a:endParaRPr sz="1400">
-              <a:solidFill>
-                <a:schemeClr val="dk1"/>
-              </a:solidFill>
-            </a:endParaRPr>
-          </a:p>
-          <a:p>
-            <a:pPr indent="0" lvl="0" marL="0" rtl="0">
-              <a:lnSpc>
-                <a:spcPct val="115000"/>
-              </a:lnSpc>
-              <a:spcBef>
-                <a:spcPts val="0"/>
-              </a:spcBef>
-              <a:spcAft>
-                <a:spcPts val="0"/>
-              </a:spcAft>
-              <a:buNone/>
-            </a:pPr>
-            <a:r>
-              <a:t/>
-            </a:r>
-            <a:endParaRPr sz="1400">
-              <a:solidFill>
-                <a:schemeClr val="dk1"/>
-              </a:solidFill>
-              <a:latin typeface="Arial"/>
-              <a:ea typeface="Arial"/>
-              <a:cs typeface="Arial"/>
-              <a:sym typeface="Arial"/>
-            </a:endParaRPr>
-          </a:p>
-          <a:p>
-            <a:pPr indent="0" lvl="0" marL="0" rtl="0">
-              <a:lnSpc>
-                <a:spcPct val="115000"/>
-              </a:lnSpc>
-              <a:spcBef>
-                <a:spcPts val="0"/>
-              </a:spcBef>
-              <a:spcAft>
-                <a:spcPts val="0"/>
-              </a:spcAft>
-              <a:buNone/>
-            </a:pPr>
-            <a:r>
-              <a:t/>
-            </a:r>
-            <a:endParaRPr sz="1400">
-              <a:solidFill>
-                <a:schemeClr val="dk1"/>
-              </a:solidFill>
-              <a:latin typeface="Arial"/>
-              <a:ea typeface="Arial"/>
-              <a:cs typeface="Arial"/>
-              <a:sym typeface="Arial"/>
-            </a:endParaRPr>
-          </a:p>
-          <a:p>
-            <a:pPr indent="0" lvl="0" marL="0" rtl="0">
-              <a:lnSpc>
-                <a:spcPct val="115000"/>
-              </a:lnSpc>
-              <a:spcBef>
-                <a:spcPts val="0"/>
-              </a:spcBef>
-              <a:spcAft>
-                <a:spcPts val="0"/>
-              </a:spcAft>
-              <a:buNone/>
-            </a:pPr>
-            <a:r>
-              <a:t/>
-            </a:r>
-            <a:endParaRPr sz="1400">
-              <a:solidFill>
-                <a:schemeClr val="dk1"/>
-              </a:solidFill>
-              <a:latin typeface="Arial"/>
-              <a:ea typeface="Arial"/>
-              <a:cs typeface="Arial"/>
-              <a:sym typeface="Arial"/>
-            </a:endParaRPr>
-          </a:p>
-          <a:p>
-            <a:pPr indent="0" lvl="0" marL="0" rtl="0">
-              <a:spcBef>
-                <a:spcPts val="800"/>
-              </a:spcBef>
-              <a:spcAft>
-                <a:spcPts val="200"/>
-              </a:spcAft>
-              <a:buNone/>
-            </a:pPr>
-            <a:r>
-              <a:t/>
-            </a:r>
-            <a:endParaRPr b="1" sz="1400"/>
           </a:p>
         </p:txBody>
       </p:sp>
       <p:sp>
         <p:nvSpPr>
-          <p:cNvPr id="421" name="Shape 421"/>
+          <p:cNvPr id="424" name="Shape 424"/>
           <p:cNvSpPr txBox="1"/>
           <p:nvPr>
             <p:ph idx="12" type="sldNum"/>
@@ -33532,160 +33322,6 @@
           </a:p>
         </p:txBody>
       </p:sp>
-      <p:sp>
-        <p:nvSpPr>
-          <p:cNvPr id="422" name="Shape 422"/>
-          <p:cNvSpPr txBox="1"/>
-          <p:nvPr>
-            <p:ph idx="1" type="body"/>
-          </p:nvPr>
-        </p:nvSpPr>
-        <p:spPr>
-          <a:xfrm>
-            <a:off x="912400" y="1575725"/>
-            <a:ext cx="3447300" cy="3307200"/>
-          </a:xfrm>
-          <a:prstGeom prst="rect">
-            <a:avLst/>
-          </a:prstGeom>
-        </p:spPr>
-        <p:txBody>
-          <a:bodyPr anchorCtr="0" anchor="t" bIns="68575" lIns="68575" spcFirstLastPara="1" rIns="68575" wrap="square" tIns="68575">
-            <a:noAutofit/>
-          </a:bodyPr>
-          <a:lstStyle/>
-          <a:p>
-            <a:pPr indent="0" lvl="0" marL="0" rtl="0">
-              <a:lnSpc>
-                <a:spcPct val="115000"/>
-              </a:lnSpc>
-              <a:spcBef>
-                <a:spcPts val="0"/>
-              </a:spcBef>
-              <a:spcAft>
-                <a:spcPts val="0"/>
-              </a:spcAft>
-              <a:buNone/>
-            </a:pPr>
-            <a:r>
-              <a:rPr b="1" lang="en-GB" sz="1400"/>
-              <a:t>What it is</a:t>
-            </a:r>
-            <a:endParaRPr b="1" sz="1400"/>
-          </a:p>
-          <a:p>
-            <a:pPr indent="0" lvl="0" marL="0" rtl="0">
-              <a:lnSpc>
-                <a:spcPct val="115000"/>
-              </a:lnSpc>
-              <a:spcBef>
-                <a:spcPts val="0"/>
-              </a:spcBef>
-              <a:spcAft>
-                <a:spcPts val="0"/>
-              </a:spcAft>
-              <a:buNone/>
-            </a:pPr>
-            <a:r>
-              <a:t/>
-            </a:r>
-            <a:endParaRPr sz="1400"/>
-          </a:p>
-          <a:p>
-            <a:pPr indent="0" lvl="0" marL="0" rtl="0">
-              <a:lnSpc>
-                <a:spcPct val="115000"/>
-              </a:lnSpc>
-              <a:spcBef>
-                <a:spcPts val="0"/>
-              </a:spcBef>
-              <a:spcAft>
-                <a:spcPts val="0"/>
-              </a:spcAft>
-              <a:buNone/>
-            </a:pPr>
-            <a:r>
-              <a:t/>
-            </a:r>
-            <a:endParaRPr sz="1400">
-              <a:solidFill>
-                <a:schemeClr val="dk1"/>
-              </a:solidFill>
-              <a:latin typeface="Arial"/>
-              <a:ea typeface="Arial"/>
-              <a:cs typeface="Arial"/>
-              <a:sym typeface="Arial"/>
-            </a:endParaRPr>
-          </a:p>
-          <a:p>
-            <a:pPr indent="0" lvl="0" marL="0" rtl="0">
-              <a:lnSpc>
-                <a:spcPct val="115000"/>
-              </a:lnSpc>
-              <a:spcBef>
-                <a:spcPts val="0"/>
-              </a:spcBef>
-              <a:spcAft>
-                <a:spcPts val="0"/>
-              </a:spcAft>
-              <a:buNone/>
-            </a:pPr>
-            <a:r>
-              <a:t/>
-            </a:r>
-            <a:endParaRPr sz="1400">
-              <a:solidFill>
-                <a:schemeClr val="dk1"/>
-              </a:solidFill>
-              <a:latin typeface="Arial"/>
-              <a:ea typeface="Arial"/>
-              <a:cs typeface="Arial"/>
-              <a:sym typeface="Arial"/>
-            </a:endParaRPr>
-          </a:p>
-          <a:p>
-            <a:pPr indent="0" lvl="0" marL="0" rtl="0">
-              <a:lnSpc>
-                <a:spcPct val="115000"/>
-              </a:lnSpc>
-              <a:spcBef>
-                <a:spcPts val="0"/>
-              </a:spcBef>
-              <a:spcAft>
-                <a:spcPts val="0"/>
-              </a:spcAft>
-              <a:buNone/>
-            </a:pPr>
-            <a:r>
-              <a:t/>
-            </a:r>
-            <a:endParaRPr sz="1400">
-              <a:solidFill>
-                <a:schemeClr val="dk1"/>
-              </a:solidFill>
-              <a:latin typeface="Arial"/>
-              <a:ea typeface="Arial"/>
-              <a:cs typeface="Arial"/>
-              <a:sym typeface="Arial"/>
-            </a:endParaRPr>
-          </a:p>
-          <a:p>
-            <a:pPr indent="0" lvl="0" marL="0" rtl="0">
-              <a:spcBef>
-                <a:spcPts val="800"/>
-              </a:spcBef>
-              <a:spcAft>
-                <a:spcPts val="200"/>
-              </a:spcAft>
-              <a:buNone/>
-            </a:pPr>
-            <a:r>
-              <a:t/>
-            </a:r>
-            <a:endParaRPr b="1" sz="1400"/>
-          </a:p>
-        </p:txBody>
-      </p:sp>
     </p:spTree>
   </p:cSld>
   <p:clrMapOvr>
@@ -33695,44 +33331,44 @@
 </file>
 
 <file path=ppt/theme/theme1.xml><?xml version="1.0" encoding="utf-8"?>
-<a:theme xmlns:a="http://schemas.openxmlformats.org/drawingml/2006/main" xmlns:r="http://schemas.openxmlformats.org/officeDocument/2006/relationships" name="Crop">
+<a:theme xmlns:a="http://schemas.openxmlformats.org/drawingml/2006/main" xmlns:r="http://schemas.openxmlformats.org/officeDocument/2006/relationships" name="Momentum">
   <a:themeElements>
-    <a:clrScheme name="Crop">
+    <a:clrScheme name="Momentum">
       <a:dk1>
-        <a:srgbClr val="000000"/>
+        <a:srgbClr val="C0791B"/>
       </a:dk1>
       <a:lt1>
         <a:srgbClr val="FFFFFF"/>
       </a:lt1>
       <a:dk2>
-        <a:srgbClr val="191B0E"/>
+        <a:srgbClr val="424242"/>
       </a:dk2>
       <a:lt2>
-        <a:srgbClr val="EFEDE3"/>
+        <a:srgbClr val="8DD8D3"/>
       </a:lt2>
       <a:accent1>
-        <a:srgbClr val="8C8D86"/>
+        <a:srgbClr val="0B6374"/>
       </a:accent1>
       <a:accent2>
-        <a:srgbClr val="E6C069"/>
+        <a:srgbClr val="FD5B58"/>
       </a:accent2>
       <a:accent3>
-        <a:srgbClr val="897B61"/>
+        <a:srgbClr val="599191"/>
       </a:accent3>
       <a:accent4>
-        <a:srgbClr val="8DAB8E"/>
+        <a:srgbClr val="D7E6A3"/>
       </a:accent4>
       <a:accent5>
-        <a:srgbClr val="77A2BB"/>
+        <a:srgbClr val="27278B"/>
       </a:accent5>
       <a:accent6>
-        <a:srgbClr val="E28394"/>
+        <a:srgbClr val="D558AB"/>
       </a:accent6>
       <a:hlink>
-        <a:srgbClr val="77A2BB"/>
+        <a:srgbClr val="27278B"/>
       </a:hlink>
       <a:folHlink>
-        <a:srgbClr val="957A99"/>
+        <a:srgbClr val="27278B"/>
       </a:folHlink>
     </a:clrScheme>
     <a:fontScheme name="Office">
@@ -34253,44 +33889,44 @@
 </file>
 
 <file path=ppt/theme/theme3.xml><?xml version="1.0" encoding="utf-8"?>
-<a:theme xmlns:a="http://schemas.openxmlformats.org/drawingml/2006/main" xmlns:r="http://schemas.openxmlformats.org/officeDocument/2006/relationships" name="Momentum">
+<a:theme xmlns:a="http://schemas.openxmlformats.org/drawingml/2006/main" xmlns:r="http://schemas.openxmlformats.org/officeDocument/2006/relationships" name="Crop">
   <a:themeElements>
-    <a:clrScheme name="Momentum">
+    <a:clrScheme name="Crop">
       <a:dk1>
-        <a:srgbClr val="C0791B"/>
+        <a:srgbClr val="000000"/>
       </a:dk1>
       <a:lt1>
         <a:srgbClr val="FFFFFF"/>
       </a:lt1>
       <a:dk2>
-        <a:srgbClr val="424242"/>
+        <a:srgbClr val="191B0E"/>
       </a:dk2>
       <a:lt2>
-        <a:srgbClr val="8DD8D3"/>
+        <a:srgbClr val="EFEDE3"/>
       </a:lt2>
       <a:accent1>
-        <a:srgbClr val="0B6374"/>
+        <a:srgbClr val="8C8D86"/>
       </a:accent1>
       <a:accent2>
-        <a:srgbClr val="FD5B58"/>
+        <a:srgbClr val="E6C069"/>
       </a:accent2>
       <a:accent3>
-        <a:srgbClr val="599191"/>
+        <a:srgbClr val="897B61"/>
       </a:accent3>
       <a:accent4>
-        <a:srgbClr val="D7E6A3"/>
+        <a:srgbClr val="8DAB8E"/>
       </a:accent4>
       <a:accent5>
-        <a:srgbClr val="27278B"/>
+        <a:srgbClr val="77A2BB"/>
       </a:accent5>
       <a:accent6>
-        <a:srgbClr val="D558AB"/>
+        <a:srgbClr val="E28394"/>
       </a:accent6>
       <a:hlink>
-        <a:srgbClr val="27278B"/>
+        <a:srgbClr val="77A2BB"/>
       </a:hlink>
       <a:folHlink>
-        <a:srgbClr val="27278B"/>
+        <a:srgbClr val="957A99"/>
       </a:folHlink>
     </a:clrScheme>
     <a:fontScheme name="Office">

--- a/GoogleDrive/Audits/Audit 2/Audit 2.pptx
+++ b/GoogleDrive/Audits/Audit 2/Audit 2.pptx
@@ -8883,7 +8883,7 @@
           <p:cNvPr id="268" name="Shape 268"/>
           <p:cNvSpPr txBox="1"/>
           <p:nvPr>
-            <p:ph type="title"/>
+            <p:ph hasCustomPrompt="1" type="title"/>
           </p:nvPr>
         </p:nvSpPr>
         <p:spPr>
@@ -9061,7 +9061,11 @@
               </a:defRPr>
             </a:lvl9pPr>
           </a:lstStyle>
-          <a:p/>
+          <a:p>
+            <a:r>
+              <a:t>xx%</a:t>
+            </a:r>
+          </a:p>
         </p:txBody>
       </p:sp>
       <p:sp>
@@ -33331,44 +33335,44 @@
 </file>
 
 <file path=ppt/theme/theme1.xml><?xml version="1.0" encoding="utf-8"?>
-<a:theme xmlns:a="http://schemas.openxmlformats.org/drawingml/2006/main" xmlns:r="http://schemas.openxmlformats.org/officeDocument/2006/relationships" name="Momentum">
+<a:theme xmlns:a="http://schemas.openxmlformats.org/drawingml/2006/main" xmlns:r="http://schemas.openxmlformats.org/officeDocument/2006/relationships" name="Crop">
   <a:themeElements>
-    <a:clrScheme name="Momentum">
+    <a:clrScheme name="Crop">
       <a:dk1>
-        <a:srgbClr val="C0791B"/>
+        <a:srgbClr val="000000"/>
       </a:dk1>
       <a:lt1>
         <a:srgbClr val="FFFFFF"/>
       </a:lt1>
       <a:dk2>
-        <a:srgbClr val="424242"/>
+        <a:srgbClr val="191B0E"/>
       </a:dk2>
       <a:lt2>
-        <a:srgbClr val="8DD8D3"/>
+        <a:srgbClr val="EFEDE3"/>
       </a:lt2>
       <a:accent1>
-        <a:srgbClr val="0B6374"/>
+        <a:srgbClr val="8C8D86"/>
       </a:accent1>
       <a:accent2>
-        <a:srgbClr val="FD5B58"/>
+        <a:srgbClr val="E6C069"/>
       </a:accent2>
       <a:accent3>
-        <a:srgbClr val="599191"/>
+        <a:srgbClr val="897B61"/>
       </a:accent3>
       <a:accent4>
-        <a:srgbClr val="D7E6A3"/>
+        <a:srgbClr val="8DAB8E"/>
       </a:accent4>
       <a:accent5>
-        <a:srgbClr val="27278B"/>
+        <a:srgbClr val="77A2BB"/>
       </a:accent5>
       <a:accent6>
-        <a:srgbClr val="D558AB"/>
+        <a:srgbClr val="E28394"/>
       </a:accent6>
       <a:hlink>
-        <a:srgbClr val="27278B"/>
+        <a:srgbClr val="77A2BB"/>
       </a:hlink>
       <a:folHlink>
-        <a:srgbClr val="27278B"/>
+        <a:srgbClr val="957A99"/>
       </a:folHlink>
     </a:clrScheme>
     <a:fontScheme name="Office">
@@ -33889,44 +33893,44 @@
 </file>
 
 <file path=ppt/theme/theme3.xml><?xml version="1.0" encoding="utf-8"?>
-<a:theme xmlns:a="http://schemas.openxmlformats.org/drawingml/2006/main" xmlns:r="http://schemas.openxmlformats.org/officeDocument/2006/relationships" name="Crop">
+<a:theme xmlns:a="http://schemas.openxmlformats.org/drawingml/2006/main" xmlns:r="http://schemas.openxmlformats.org/officeDocument/2006/relationships" name="Momentum">
   <a:themeElements>
-    <a:clrScheme name="Crop">
+    <a:clrScheme name="Momentum">
       <a:dk1>
-        <a:srgbClr val="000000"/>
+        <a:srgbClr val="C0791B"/>
       </a:dk1>
       <a:lt1>
         <a:srgbClr val="FFFFFF"/>
       </a:lt1>
       <a:dk2>
-        <a:srgbClr val="191B0E"/>
+        <a:srgbClr val="424242"/>
       </a:dk2>
       <a:lt2>
-        <a:srgbClr val="EFEDE3"/>
+        <a:srgbClr val="8DD8D3"/>
       </a:lt2>
       <a:accent1>
-        <a:srgbClr val="8C8D86"/>
+        <a:srgbClr val="0B6374"/>
       </a:accent1>
       <a:accent2>
-        <a:srgbClr val="E6C069"/>
+        <a:srgbClr val="FD5B58"/>
       </a:accent2>
       <a:accent3>
-        <a:srgbClr val="897B61"/>
+        <a:srgbClr val="599191"/>
       </a:accent3>
       <a:accent4>
-        <a:srgbClr val="8DAB8E"/>
+        <a:srgbClr val="D7E6A3"/>
       </a:accent4>
       <a:accent5>
-        <a:srgbClr val="77A2BB"/>
+        <a:srgbClr val="27278B"/>
       </a:accent5>
       <a:accent6>
-        <a:srgbClr val="E28394"/>
+        <a:srgbClr val="D558AB"/>
       </a:accent6>
       <a:hlink>
-        <a:srgbClr val="77A2BB"/>
+        <a:srgbClr val="27278B"/>
       </a:hlink>
       <a:folHlink>
-        <a:srgbClr val="957A99"/>
+        <a:srgbClr val="27278B"/>
       </a:folHlink>
     </a:clrScheme>
     <a:fontScheme name="Office">

--- a/GoogleDrive/Audits/Audit 2/Audit 2.pptx
+++ b/GoogleDrive/Audits/Audit 2/Audit 2.pptx
@@ -33335,9 +33335,9 @@
 </file>
 
 <file path=ppt/theme/theme1.xml><?xml version="1.0" encoding="utf-8"?>
-<a:theme xmlns:a="http://schemas.openxmlformats.org/drawingml/2006/main" xmlns:r="http://schemas.openxmlformats.org/officeDocument/2006/relationships" name="Crop">
+<a:theme xmlns:a="http://schemas.openxmlformats.org/drawingml/2006/main" xmlns:r="http://schemas.openxmlformats.org/officeDocument/2006/relationships">
   <a:themeElements>
-    <a:clrScheme name="Crop">
+    <a:clrScheme name="Default">
       <a:dk1>
         <a:srgbClr val="000000"/>
       </a:dk1>
@@ -33345,34 +33345,34 @@
         <a:srgbClr val="FFFFFF"/>
       </a:lt1>
       <a:dk2>
-        <a:srgbClr val="191B0E"/>
+        <a:srgbClr val="158158"/>
       </a:dk2>
       <a:lt2>
-        <a:srgbClr val="EFEDE3"/>
+        <a:srgbClr val="F3F3F3"/>
       </a:lt2>
       <a:accent1>
-        <a:srgbClr val="8C8D86"/>
+        <a:srgbClr val="058DC7"/>
       </a:accent1>
       <a:accent2>
-        <a:srgbClr val="E6C069"/>
+        <a:srgbClr val="50B432"/>
       </a:accent2>
       <a:accent3>
-        <a:srgbClr val="897B61"/>
+        <a:srgbClr val="ED561B"/>
       </a:accent3>
       <a:accent4>
-        <a:srgbClr val="8DAB8E"/>
+        <a:srgbClr val="EDEF00"/>
       </a:accent4>
       <a:accent5>
-        <a:srgbClr val="77A2BB"/>
+        <a:srgbClr val="24CBE5"/>
       </a:accent5>
       <a:accent6>
-        <a:srgbClr val="E28394"/>
+        <a:srgbClr val="64E572"/>
       </a:accent6>
       <a:hlink>
-        <a:srgbClr val="77A2BB"/>
+        <a:srgbClr val="2200CC"/>
       </a:hlink>
       <a:folHlink>
-        <a:srgbClr val="957A99"/>
+        <a:srgbClr val="551A8B"/>
       </a:folHlink>
     </a:clrScheme>
     <a:fontScheme name="Office">
@@ -33614,9 +33614,9 @@
 </file>
 
 <file path=ppt/theme/theme2.xml><?xml version="1.0" encoding="utf-8"?>
-<a:theme xmlns:a="http://schemas.openxmlformats.org/drawingml/2006/main" xmlns:r="http://schemas.openxmlformats.org/officeDocument/2006/relationships">
+<a:theme xmlns:a="http://schemas.openxmlformats.org/drawingml/2006/main" xmlns:r="http://schemas.openxmlformats.org/officeDocument/2006/relationships" name="Crop">
   <a:themeElements>
-    <a:clrScheme name="Default">
+    <a:clrScheme name="Crop">
       <a:dk1>
         <a:srgbClr val="000000"/>
       </a:dk1>
@@ -33624,34 +33624,34 @@
         <a:srgbClr val="FFFFFF"/>
       </a:lt1>
       <a:dk2>
-        <a:srgbClr val="158158"/>
+        <a:srgbClr val="191B0E"/>
       </a:dk2>
       <a:lt2>
-        <a:srgbClr val="F3F3F3"/>
+        <a:srgbClr val="EFEDE3"/>
       </a:lt2>
       <a:accent1>
-        <a:srgbClr val="058DC7"/>
+        <a:srgbClr val="8C8D86"/>
       </a:accent1>
       <a:accent2>
-        <a:srgbClr val="50B432"/>
+        <a:srgbClr val="E6C069"/>
       </a:accent2>
       <a:accent3>
-        <a:srgbClr val="ED561B"/>
+        <a:srgbClr val="897B61"/>
       </a:accent3>
       <a:accent4>
-        <a:srgbClr val="EDEF00"/>
+        <a:srgbClr val="8DAB8E"/>
       </a:accent4>
       <a:accent5>
-        <a:srgbClr val="24CBE5"/>
+        <a:srgbClr val="77A2BB"/>
       </a:accent5>
       <a:accent6>
-        <a:srgbClr val="64E572"/>
+        <a:srgbClr val="E28394"/>
       </a:accent6>
       <a:hlink>
-        <a:srgbClr val="2200CC"/>
+        <a:srgbClr val="77A2BB"/>
       </a:hlink>
       <a:folHlink>
-        <a:srgbClr val="551A8B"/>
+        <a:srgbClr val="957A99"/>
       </a:folHlink>
     </a:clrScheme>
     <a:fontScheme name="Office">

--- a/GoogleDrive/Audits/Audit 2/Audit 2.pptx
+++ b/GoogleDrive/Audits/Audit 2/Audit 2.pptx
@@ -33335,9 +33335,9 @@
 </file>
 
 <file path=ppt/theme/theme1.xml><?xml version="1.0" encoding="utf-8"?>
-<a:theme xmlns:a="http://schemas.openxmlformats.org/drawingml/2006/main" xmlns:r="http://schemas.openxmlformats.org/officeDocument/2006/relationships">
+<a:theme xmlns:a="http://schemas.openxmlformats.org/drawingml/2006/main" xmlns:r="http://schemas.openxmlformats.org/officeDocument/2006/relationships" name="Crop">
   <a:themeElements>
-    <a:clrScheme name="Default">
+    <a:clrScheme name="Crop">
       <a:dk1>
         <a:srgbClr val="000000"/>
       </a:dk1>
@@ -33345,34 +33345,34 @@
         <a:srgbClr val="FFFFFF"/>
       </a:lt1>
       <a:dk2>
-        <a:srgbClr val="158158"/>
+        <a:srgbClr val="191B0E"/>
       </a:dk2>
       <a:lt2>
-        <a:srgbClr val="F3F3F3"/>
+        <a:srgbClr val="EFEDE3"/>
       </a:lt2>
       <a:accent1>
-        <a:srgbClr val="058DC7"/>
+        <a:srgbClr val="8C8D86"/>
       </a:accent1>
       <a:accent2>
-        <a:srgbClr val="50B432"/>
+        <a:srgbClr val="E6C069"/>
       </a:accent2>
       <a:accent3>
-        <a:srgbClr val="ED561B"/>
+        <a:srgbClr val="897B61"/>
       </a:accent3>
       <a:accent4>
-        <a:srgbClr val="EDEF00"/>
+        <a:srgbClr val="8DAB8E"/>
       </a:accent4>
       <a:accent5>
-        <a:srgbClr val="24CBE5"/>
+        <a:srgbClr val="77A2BB"/>
       </a:accent5>
       <a:accent6>
-        <a:srgbClr val="64E572"/>
+        <a:srgbClr val="E28394"/>
       </a:accent6>
       <a:hlink>
-        <a:srgbClr val="2200CC"/>
+        <a:srgbClr val="77A2BB"/>
       </a:hlink>
       <a:folHlink>
-        <a:srgbClr val="551A8B"/>
+        <a:srgbClr val="957A99"/>
       </a:folHlink>
     </a:clrScheme>
     <a:fontScheme name="Office">
@@ -33614,9 +33614,9 @@
 </file>
 
 <file path=ppt/theme/theme2.xml><?xml version="1.0" encoding="utf-8"?>
-<a:theme xmlns:a="http://schemas.openxmlformats.org/drawingml/2006/main" xmlns:r="http://schemas.openxmlformats.org/officeDocument/2006/relationships" name="Crop">
+<a:theme xmlns:a="http://schemas.openxmlformats.org/drawingml/2006/main" xmlns:r="http://schemas.openxmlformats.org/officeDocument/2006/relationships">
   <a:themeElements>
-    <a:clrScheme name="Crop">
+    <a:clrScheme name="Default">
       <a:dk1>
         <a:srgbClr val="000000"/>
       </a:dk1>
@@ -33624,34 +33624,34 @@
         <a:srgbClr val="FFFFFF"/>
       </a:lt1>
       <a:dk2>
-        <a:srgbClr val="191B0E"/>
+        <a:srgbClr val="158158"/>
       </a:dk2>
       <a:lt2>
-        <a:srgbClr val="EFEDE3"/>
+        <a:srgbClr val="F3F3F3"/>
       </a:lt2>
       <a:accent1>
-        <a:srgbClr val="8C8D86"/>
+        <a:srgbClr val="058DC7"/>
       </a:accent1>
       <a:accent2>
-        <a:srgbClr val="E6C069"/>
+        <a:srgbClr val="50B432"/>
       </a:accent2>
       <a:accent3>
-        <a:srgbClr val="897B61"/>
+        <a:srgbClr val="ED561B"/>
       </a:accent3>
       <a:accent4>
-        <a:srgbClr val="8DAB8E"/>
+        <a:srgbClr val="EDEF00"/>
       </a:accent4>
       <a:accent5>
-        <a:srgbClr val="77A2BB"/>
+        <a:srgbClr val="24CBE5"/>
       </a:accent5>
       <a:accent6>
-        <a:srgbClr val="E28394"/>
+        <a:srgbClr val="64E572"/>
       </a:accent6>
       <a:hlink>
-        <a:srgbClr val="77A2BB"/>
+        <a:srgbClr val="2200CC"/>
       </a:hlink>
       <a:folHlink>
-        <a:srgbClr val="957A99"/>
+        <a:srgbClr val="551A8B"/>
       </a:folHlink>
     </a:clrScheme>
     <a:fontScheme name="Office">

--- a/GoogleDrive/Audits/Audit 2/Audit 2.pptx
+++ b/GoogleDrive/Audits/Audit 2/Audit 2.pptx
@@ -33335,44 +33335,44 @@
 </file>
 
 <file path=ppt/theme/theme1.xml><?xml version="1.0" encoding="utf-8"?>
-<a:theme xmlns:a="http://schemas.openxmlformats.org/drawingml/2006/main" xmlns:r="http://schemas.openxmlformats.org/officeDocument/2006/relationships" name="Crop">
+<a:theme xmlns:a="http://schemas.openxmlformats.org/drawingml/2006/main" xmlns:r="http://schemas.openxmlformats.org/officeDocument/2006/relationships" name="Momentum">
   <a:themeElements>
-    <a:clrScheme name="Crop">
+    <a:clrScheme name="Momentum">
       <a:dk1>
-        <a:srgbClr val="000000"/>
+        <a:srgbClr val="C0791B"/>
       </a:dk1>
       <a:lt1>
         <a:srgbClr val="FFFFFF"/>
       </a:lt1>
       <a:dk2>
-        <a:srgbClr val="191B0E"/>
+        <a:srgbClr val="424242"/>
       </a:dk2>
       <a:lt2>
-        <a:srgbClr val="EFEDE3"/>
+        <a:srgbClr val="8DD8D3"/>
       </a:lt2>
       <a:accent1>
-        <a:srgbClr val="8C8D86"/>
+        <a:srgbClr val="0B6374"/>
       </a:accent1>
       <a:accent2>
-        <a:srgbClr val="E6C069"/>
+        <a:srgbClr val="FD5B58"/>
       </a:accent2>
       <a:accent3>
-        <a:srgbClr val="897B61"/>
+        <a:srgbClr val="599191"/>
       </a:accent3>
       <a:accent4>
-        <a:srgbClr val="8DAB8E"/>
+        <a:srgbClr val="D7E6A3"/>
       </a:accent4>
       <a:accent5>
-        <a:srgbClr val="77A2BB"/>
+        <a:srgbClr val="27278B"/>
       </a:accent5>
       <a:accent6>
-        <a:srgbClr val="E28394"/>
+        <a:srgbClr val="D558AB"/>
       </a:accent6>
       <a:hlink>
-        <a:srgbClr val="77A2BB"/>
+        <a:srgbClr val="27278B"/>
       </a:hlink>
       <a:folHlink>
-        <a:srgbClr val="957A99"/>
+        <a:srgbClr val="27278B"/>
       </a:folHlink>
     </a:clrScheme>
     <a:fontScheme name="Office">
@@ -33893,44 +33893,44 @@
 </file>
 
 <file path=ppt/theme/theme3.xml><?xml version="1.0" encoding="utf-8"?>
-<a:theme xmlns:a="http://schemas.openxmlformats.org/drawingml/2006/main" xmlns:r="http://schemas.openxmlformats.org/officeDocument/2006/relationships" name="Momentum">
+<a:theme xmlns:a="http://schemas.openxmlformats.org/drawingml/2006/main" xmlns:r="http://schemas.openxmlformats.org/officeDocument/2006/relationships" name="Crop">
   <a:themeElements>
-    <a:clrScheme name="Momentum">
+    <a:clrScheme name="Crop">
       <a:dk1>
-        <a:srgbClr val="C0791B"/>
+        <a:srgbClr val="000000"/>
       </a:dk1>
       <a:lt1>
         <a:srgbClr val="FFFFFF"/>
       </a:lt1>
       <a:dk2>
-        <a:srgbClr val="424242"/>
+        <a:srgbClr val="191B0E"/>
       </a:dk2>
       <a:lt2>
-        <a:srgbClr val="8DD8D3"/>
+        <a:srgbClr val="EFEDE3"/>
       </a:lt2>
       <a:accent1>
-        <a:srgbClr val="0B6374"/>
+        <a:srgbClr val="8C8D86"/>
       </a:accent1>
       <a:accent2>
-        <a:srgbClr val="FD5B58"/>
+        <a:srgbClr val="E6C069"/>
       </a:accent2>
       <a:accent3>
-        <a:srgbClr val="599191"/>
+        <a:srgbClr val="897B61"/>
       </a:accent3>
       <a:accent4>
-        <a:srgbClr val="D7E6A3"/>
+        <a:srgbClr val="8DAB8E"/>
       </a:accent4>
       <a:accent5>
-        <a:srgbClr val="27278B"/>
+        <a:srgbClr val="77A2BB"/>
       </a:accent5>
       <a:accent6>
-        <a:srgbClr val="D558AB"/>
+        <a:srgbClr val="E28394"/>
       </a:accent6>
       <a:hlink>
-        <a:srgbClr val="27278B"/>
+        <a:srgbClr val="77A2BB"/>
       </a:hlink>
       <a:folHlink>
-        <a:srgbClr val="27278B"/>
+        <a:srgbClr val="957A99"/>
       </a:folHlink>
     </a:clrScheme>
     <a:fontScheme name="Office">
